--- a/study/JavaScript30-master/04.pptx
+++ b/study/JavaScript30-master/04.pptx
@@ -6,13 +6,14 @@
   </p:sldMasterIdLst>
   <p:sldIdLst>
     <p:sldId id="256" r:id="rId2"/>
-    <p:sldId id="257" r:id="rId3"/>
-    <p:sldId id="258" r:id="rId4"/>
-    <p:sldId id="259" r:id="rId5"/>
-    <p:sldId id="260" r:id="rId6"/>
-    <p:sldId id="261" r:id="rId7"/>
-    <p:sldId id="262" r:id="rId8"/>
-    <p:sldId id="263" r:id="rId9"/>
+    <p:sldId id="264" r:id="rId3"/>
+    <p:sldId id="257" r:id="rId4"/>
+    <p:sldId id="258" r:id="rId5"/>
+    <p:sldId id="259" r:id="rId6"/>
+    <p:sldId id="260" r:id="rId7"/>
+    <p:sldId id="261" r:id="rId8"/>
+    <p:sldId id="262" r:id="rId9"/>
+    <p:sldId id="263" r:id="rId10"/>
   </p:sldIdLst>
   <p:sldSz cx="12192000" cy="6858000"/>
   <p:notesSz cx="6858000" cy="9144000"/>
@@ -250,7 +251,7 @@
           <a:p>
             <a:fld id="{D3286663-B5F2-49BA-8731-0027ABE24434}" type="datetimeFigureOut">
               <a:rPr lang="ko-KR" altLang="en-US" smtClean="0"/>
-              <a:t>2020-03-15</a:t>
+              <a:t>2020-03-16</a:t>
             </a:fld>
             <a:endParaRPr lang="ko-KR" altLang="en-US"/>
           </a:p>
@@ -420,7 +421,7 @@
           <a:p>
             <a:fld id="{D3286663-B5F2-49BA-8731-0027ABE24434}" type="datetimeFigureOut">
               <a:rPr lang="ko-KR" altLang="en-US" smtClean="0"/>
-              <a:t>2020-03-15</a:t>
+              <a:t>2020-03-16</a:t>
             </a:fld>
             <a:endParaRPr lang="ko-KR" altLang="en-US"/>
           </a:p>
@@ -600,7 +601,7 @@
           <a:p>
             <a:fld id="{D3286663-B5F2-49BA-8731-0027ABE24434}" type="datetimeFigureOut">
               <a:rPr lang="ko-KR" altLang="en-US" smtClean="0"/>
-              <a:t>2020-03-15</a:t>
+              <a:t>2020-03-16</a:t>
             </a:fld>
             <a:endParaRPr lang="ko-KR" altLang="en-US"/>
           </a:p>
@@ -770,7 +771,7 @@
           <a:p>
             <a:fld id="{D3286663-B5F2-49BA-8731-0027ABE24434}" type="datetimeFigureOut">
               <a:rPr lang="ko-KR" altLang="en-US" smtClean="0"/>
-              <a:t>2020-03-15</a:t>
+              <a:t>2020-03-16</a:t>
             </a:fld>
             <a:endParaRPr lang="ko-KR" altLang="en-US"/>
           </a:p>
@@ -1016,7 +1017,7 @@
           <a:p>
             <a:fld id="{D3286663-B5F2-49BA-8731-0027ABE24434}" type="datetimeFigureOut">
               <a:rPr lang="ko-KR" altLang="en-US" smtClean="0"/>
-              <a:t>2020-03-15</a:t>
+              <a:t>2020-03-16</a:t>
             </a:fld>
             <a:endParaRPr lang="ko-KR" altLang="en-US"/>
           </a:p>
@@ -1248,7 +1249,7 @@
           <a:p>
             <a:fld id="{D3286663-B5F2-49BA-8731-0027ABE24434}" type="datetimeFigureOut">
               <a:rPr lang="ko-KR" altLang="en-US" smtClean="0"/>
-              <a:t>2020-03-15</a:t>
+              <a:t>2020-03-16</a:t>
             </a:fld>
             <a:endParaRPr lang="ko-KR" altLang="en-US"/>
           </a:p>
@@ -1615,7 +1616,7 @@
           <a:p>
             <a:fld id="{D3286663-B5F2-49BA-8731-0027ABE24434}" type="datetimeFigureOut">
               <a:rPr lang="ko-KR" altLang="en-US" smtClean="0"/>
-              <a:t>2020-03-15</a:t>
+              <a:t>2020-03-16</a:t>
             </a:fld>
             <a:endParaRPr lang="ko-KR" altLang="en-US"/>
           </a:p>
@@ -1733,7 +1734,7 @@
           <a:p>
             <a:fld id="{D3286663-B5F2-49BA-8731-0027ABE24434}" type="datetimeFigureOut">
               <a:rPr lang="ko-KR" altLang="en-US" smtClean="0"/>
-              <a:t>2020-03-15</a:t>
+              <a:t>2020-03-16</a:t>
             </a:fld>
             <a:endParaRPr lang="ko-KR" altLang="en-US"/>
           </a:p>
@@ -1828,7 +1829,7 @@
           <a:p>
             <a:fld id="{D3286663-B5F2-49BA-8731-0027ABE24434}" type="datetimeFigureOut">
               <a:rPr lang="ko-KR" altLang="en-US" smtClean="0"/>
-              <a:t>2020-03-15</a:t>
+              <a:t>2020-03-16</a:t>
             </a:fld>
             <a:endParaRPr lang="ko-KR" altLang="en-US"/>
           </a:p>
@@ -2105,7 +2106,7 @@
           <a:p>
             <a:fld id="{D3286663-B5F2-49BA-8731-0027ABE24434}" type="datetimeFigureOut">
               <a:rPr lang="ko-KR" altLang="en-US" smtClean="0"/>
-              <a:t>2020-03-15</a:t>
+              <a:t>2020-03-16</a:t>
             </a:fld>
             <a:endParaRPr lang="ko-KR" altLang="en-US"/>
           </a:p>
@@ -2358,7 +2359,7 @@
           <a:p>
             <a:fld id="{D3286663-B5F2-49BA-8731-0027ABE24434}" type="datetimeFigureOut">
               <a:rPr lang="ko-KR" altLang="en-US" smtClean="0"/>
-              <a:t>2020-03-15</a:t>
+              <a:t>2020-03-16</a:t>
             </a:fld>
             <a:endParaRPr lang="ko-KR" altLang="en-US"/>
           </a:p>
@@ -2571,7 +2572,7 @@
           <a:p>
             <a:fld id="{D3286663-B5F2-49BA-8731-0027ABE24434}" type="datetimeFigureOut">
               <a:rPr lang="ko-KR" altLang="en-US" smtClean="0"/>
-              <a:t>2020-03-15</a:t>
+              <a:t>2020-03-16</a:t>
             </a:fld>
             <a:endParaRPr lang="ko-KR" altLang="en-US"/>
           </a:p>
@@ -2984,7 +2985,7 @@
         </p:nvSpPr>
         <p:spPr>
           <a:xfrm>
-            <a:off x="513806" y="1390651"/>
+            <a:off x="696686" y="2828406"/>
             <a:ext cx="11678194" cy="1015663"/>
           </a:xfrm>
           <a:prstGeom prst="rect">
@@ -3160,382 +3161,6 @@
               </a:solidFill>
               <a:latin typeface="Consolas" panose="020B0609020204030204" pitchFamily="49" charset="0"/>
             </a:endParaRPr>
-          </a:p>
-        </p:txBody>
-      </p:sp>
-      <p:sp>
-        <p:nvSpPr>
-          <p:cNvPr id="8" name="Rectangle 3"/>
-          <p:cNvSpPr>
-            <a:spLocks noChangeArrowheads="1"/>
-          </p:cNvSpPr>
-          <p:nvPr/>
-        </p:nvSpPr>
-        <p:spPr bwMode="auto">
-          <a:xfrm>
-            <a:off x="513805" y="3509571"/>
-            <a:ext cx="6347892" cy="923330"/>
-          </a:xfrm>
-          <a:prstGeom prst="rect">
-            <a:avLst/>
-          </a:prstGeom>
-          <a:noFill/>
-          <a:ln>
-            <a:noFill/>
-          </a:ln>
-          <a:effectLst/>
-        </p:spPr>
-        <p:txBody>
-          <a:bodyPr vert="horz" wrap="none" lIns="0" tIns="0" rIns="0" bIns="0" numCol="1" anchor="ctr" anchorCtr="0" compatLnSpc="1">
-            <a:prstTxWarp prst="textNoShape">
-              <a:avLst/>
-            </a:prstTxWarp>
-            <a:spAutoFit/>
-          </a:bodyPr>
-          <a:lstStyle/>
-          <a:p>
-            <a:pPr eaLnBrk="0" fontAlgn="base" latinLnBrk="0" hangingPunct="0">
-              <a:spcBef>
-                <a:spcPct val="0"/>
-              </a:spcBef>
-              <a:spcAft>
-                <a:spcPct val="0"/>
-              </a:spcAft>
-            </a:pPr>
-            <a:r>
-              <a:rPr lang="ko-KR" altLang="ko-KR" sz="2000" i="1" dirty="0">
-                <a:solidFill>
-                  <a:srgbClr val="333333"/>
-                </a:solidFill>
-                <a:latin typeface="Consolas" panose="020B0609020204030204" pitchFamily="49" charset="0"/>
-              </a:rPr>
-              <a:t>(param1, param2, …, paramN) =&gt; { statements </a:t>
-            </a:r>
-            <a:r>
-              <a:rPr lang="ko-KR" altLang="ko-KR" sz="2000" i="1" dirty="0" smtClean="0">
-                <a:solidFill>
-                  <a:srgbClr val="333333"/>
-                </a:solidFill>
-                <a:latin typeface="Consolas" panose="020B0609020204030204" pitchFamily="49" charset="0"/>
-              </a:rPr>
-              <a:t>}</a:t>
-            </a:r>
-            <a:endParaRPr lang="en-US" altLang="ko-KR" sz="2000" i="1" dirty="0" smtClean="0">
-              <a:solidFill>
-                <a:srgbClr val="333333"/>
-              </a:solidFill>
-              <a:latin typeface="Consolas" panose="020B0609020204030204" pitchFamily="49" charset="0"/>
-            </a:endParaRPr>
-          </a:p>
-          <a:p>
-            <a:pPr eaLnBrk="0" fontAlgn="base" latinLnBrk="0" hangingPunct="0">
-              <a:spcBef>
-                <a:spcPct val="0"/>
-              </a:spcBef>
-              <a:spcAft>
-                <a:spcPct val="0"/>
-              </a:spcAft>
-            </a:pPr>
-            <a:r>
-              <a:rPr lang="ko-KR" altLang="ko-KR" sz="2000" i="1" dirty="0" smtClean="0">
-                <a:solidFill>
-                  <a:srgbClr val="333333"/>
-                </a:solidFill>
-                <a:latin typeface="Consolas" panose="020B0609020204030204" pitchFamily="49" charset="0"/>
-              </a:rPr>
-              <a:t>(</a:t>
-            </a:r>
-            <a:r>
-              <a:rPr lang="ko-KR" altLang="ko-KR" sz="2000" i="1" dirty="0">
-                <a:solidFill>
-                  <a:srgbClr val="333333"/>
-                </a:solidFill>
-                <a:latin typeface="Consolas" panose="020B0609020204030204" pitchFamily="49" charset="0"/>
-              </a:rPr>
-              <a:t>param1, param2, …, paramN) =&gt; </a:t>
-            </a:r>
-            <a:r>
-              <a:rPr lang="ko-KR" altLang="ko-KR" sz="2000" i="1" dirty="0" smtClean="0">
-                <a:solidFill>
-                  <a:srgbClr val="333333"/>
-                </a:solidFill>
-                <a:latin typeface="Consolas" panose="020B0609020204030204" pitchFamily="49" charset="0"/>
-              </a:rPr>
-              <a:t>expression</a:t>
-            </a:r>
-            <a:endParaRPr lang="en-US" altLang="ko-KR" sz="2000" i="1" dirty="0" smtClean="0">
-              <a:solidFill>
-                <a:srgbClr val="333333"/>
-              </a:solidFill>
-              <a:latin typeface="Consolas" panose="020B0609020204030204" pitchFamily="49" charset="0"/>
-            </a:endParaRPr>
-          </a:p>
-          <a:p>
-            <a:pPr eaLnBrk="0" fontAlgn="base" latinLnBrk="0" hangingPunct="0">
-              <a:spcBef>
-                <a:spcPct val="0"/>
-              </a:spcBef>
-              <a:spcAft>
-                <a:spcPct val="0"/>
-              </a:spcAft>
-            </a:pPr>
-            <a:r>
-              <a:rPr lang="ko-KR" altLang="ko-KR" sz="2000" i="1" dirty="0" smtClean="0">
-                <a:solidFill>
-                  <a:srgbClr val="333333"/>
-                </a:solidFill>
-                <a:latin typeface="Consolas" panose="020B0609020204030204" pitchFamily="49" charset="0"/>
-              </a:rPr>
-              <a:t>// </a:t>
-            </a:r>
-            <a:r>
-              <a:rPr lang="ko-KR" altLang="ko-KR" sz="2000" i="1" dirty="0">
-                <a:solidFill>
-                  <a:srgbClr val="333333"/>
-                </a:solidFill>
-                <a:latin typeface="Consolas" panose="020B0609020204030204" pitchFamily="49" charset="0"/>
-              </a:rPr>
-              <a:t>다음과 동일함: =&gt; { return expression; } </a:t>
-            </a:r>
-          </a:p>
-        </p:txBody>
-      </p:sp>
-      <p:sp>
-        <p:nvSpPr>
-          <p:cNvPr id="9" name="Rectangle 4"/>
-          <p:cNvSpPr>
-            <a:spLocks noChangeArrowheads="1"/>
-          </p:cNvSpPr>
-          <p:nvPr/>
-        </p:nvSpPr>
-        <p:spPr bwMode="auto">
-          <a:xfrm>
-            <a:off x="513805" y="4714091"/>
-            <a:ext cx="5745163" cy="1846659"/>
-          </a:xfrm>
-          <a:prstGeom prst="rect">
-            <a:avLst/>
-          </a:prstGeom>
-          <a:noFill/>
-          <a:ln>
-            <a:noFill/>
-          </a:ln>
-          <a:effectLst/>
-        </p:spPr>
-        <p:txBody>
-          <a:bodyPr vert="horz" wrap="none" lIns="0" tIns="0" rIns="0" bIns="0" numCol="1" anchor="ctr" anchorCtr="0" compatLnSpc="1">
-            <a:prstTxWarp prst="textNoShape">
-              <a:avLst/>
-            </a:prstTxWarp>
-            <a:spAutoFit/>
-          </a:bodyPr>
-          <a:lstStyle/>
-          <a:p>
-            <a:pPr eaLnBrk="0" fontAlgn="base" latinLnBrk="0" hangingPunct="0">
-              <a:spcBef>
-                <a:spcPct val="0"/>
-              </a:spcBef>
-              <a:spcAft>
-                <a:spcPct val="0"/>
-              </a:spcAft>
-            </a:pPr>
-            <a:r>
-              <a:rPr lang="ko-KR" altLang="ko-KR" sz="2000" i="1" dirty="0">
-                <a:solidFill>
-                  <a:srgbClr val="333333"/>
-                </a:solidFill>
-                <a:latin typeface="Consolas" panose="020B0609020204030204" pitchFamily="49" charset="0"/>
-              </a:rPr>
-              <a:t>// 매개변수가 하나뿐인 경우 괄호는 선택사항</a:t>
-            </a:r>
-            <a:r>
-              <a:rPr lang="ko-KR" altLang="ko-KR" sz="2000" i="1" dirty="0" smtClean="0">
-                <a:solidFill>
-                  <a:srgbClr val="333333"/>
-                </a:solidFill>
-                <a:latin typeface="Consolas" panose="020B0609020204030204" pitchFamily="49" charset="0"/>
-              </a:rPr>
-              <a:t>:</a:t>
-            </a:r>
-            <a:endParaRPr lang="en-US" altLang="ko-KR" sz="2000" i="1" dirty="0" smtClean="0">
-              <a:solidFill>
-                <a:srgbClr val="333333"/>
-              </a:solidFill>
-              <a:latin typeface="Consolas" panose="020B0609020204030204" pitchFamily="49" charset="0"/>
-            </a:endParaRPr>
-          </a:p>
-          <a:p>
-            <a:pPr eaLnBrk="0" fontAlgn="base" latinLnBrk="0" hangingPunct="0">
-              <a:spcBef>
-                <a:spcPct val="0"/>
-              </a:spcBef>
-              <a:spcAft>
-                <a:spcPct val="0"/>
-              </a:spcAft>
-            </a:pPr>
-            <a:r>
-              <a:rPr lang="ko-KR" altLang="ko-KR" sz="2000" i="1" dirty="0" smtClean="0">
-                <a:solidFill>
-                  <a:srgbClr val="333333"/>
-                </a:solidFill>
-                <a:latin typeface="Consolas" panose="020B0609020204030204" pitchFamily="49" charset="0"/>
-              </a:rPr>
-              <a:t>(</a:t>
-            </a:r>
-            <a:r>
-              <a:rPr lang="ko-KR" altLang="ko-KR" sz="2000" i="1" dirty="0">
-                <a:solidFill>
-                  <a:srgbClr val="333333"/>
-                </a:solidFill>
-                <a:latin typeface="Consolas" panose="020B0609020204030204" pitchFamily="49" charset="0"/>
-              </a:rPr>
-              <a:t>singleParam) =&gt; { statements </a:t>
-            </a:r>
-            <a:r>
-              <a:rPr lang="ko-KR" altLang="ko-KR" sz="2000" i="1" dirty="0" smtClean="0">
-                <a:solidFill>
-                  <a:srgbClr val="333333"/>
-                </a:solidFill>
-                <a:latin typeface="Consolas" panose="020B0609020204030204" pitchFamily="49" charset="0"/>
-              </a:rPr>
-              <a:t>}</a:t>
-            </a:r>
-            <a:endParaRPr lang="en-US" altLang="ko-KR" sz="2000" i="1" dirty="0" smtClean="0">
-              <a:solidFill>
-                <a:srgbClr val="333333"/>
-              </a:solidFill>
-              <a:latin typeface="Consolas" panose="020B0609020204030204" pitchFamily="49" charset="0"/>
-            </a:endParaRPr>
-          </a:p>
-          <a:p>
-            <a:pPr eaLnBrk="0" fontAlgn="base" latinLnBrk="0" hangingPunct="0">
-              <a:spcBef>
-                <a:spcPct val="0"/>
-              </a:spcBef>
-              <a:spcAft>
-                <a:spcPct val="0"/>
-              </a:spcAft>
-            </a:pPr>
-            <a:r>
-              <a:rPr lang="ko-KR" altLang="ko-KR" sz="2000" i="1" dirty="0" smtClean="0">
-                <a:solidFill>
-                  <a:srgbClr val="333333"/>
-                </a:solidFill>
-                <a:latin typeface="Consolas" panose="020B0609020204030204" pitchFamily="49" charset="0"/>
-              </a:rPr>
-              <a:t>singleParam </a:t>
-            </a:r>
-            <a:r>
-              <a:rPr lang="ko-KR" altLang="ko-KR" sz="2000" i="1" dirty="0">
-                <a:solidFill>
-                  <a:srgbClr val="333333"/>
-                </a:solidFill>
-                <a:latin typeface="Consolas" panose="020B0609020204030204" pitchFamily="49" charset="0"/>
-              </a:rPr>
-              <a:t>=&gt; { statements </a:t>
-            </a:r>
-            <a:r>
-              <a:rPr lang="ko-KR" altLang="ko-KR" sz="2000" i="1" dirty="0" smtClean="0">
-                <a:solidFill>
-                  <a:srgbClr val="333333"/>
-                </a:solidFill>
-                <a:latin typeface="Consolas" panose="020B0609020204030204" pitchFamily="49" charset="0"/>
-              </a:rPr>
-              <a:t>}</a:t>
-            </a:r>
-            <a:endParaRPr lang="en-US" altLang="ko-KR" sz="2000" i="1" dirty="0" smtClean="0">
-              <a:solidFill>
-                <a:srgbClr val="333333"/>
-              </a:solidFill>
-              <a:latin typeface="Consolas" panose="020B0609020204030204" pitchFamily="49" charset="0"/>
-            </a:endParaRPr>
-          </a:p>
-          <a:p>
-            <a:pPr eaLnBrk="0" fontAlgn="base" latinLnBrk="0" hangingPunct="0">
-              <a:spcBef>
-                <a:spcPct val="0"/>
-              </a:spcBef>
-              <a:spcAft>
-                <a:spcPct val="0"/>
-              </a:spcAft>
-            </a:pPr>
-            <a:endParaRPr lang="en-US" altLang="ko-KR" sz="2000" i="1" dirty="0">
-              <a:solidFill>
-                <a:srgbClr val="333333"/>
-              </a:solidFill>
-              <a:latin typeface="Consolas" panose="020B0609020204030204" pitchFamily="49" charset="0"/>
-            </a:endParaRPr>
-          </a:p>
-          <a:p>
-            <a:pPr eaLnBrk="0" fontAlgn="base" latinLnBrk="0" hangingPunct="0">
-              <a:spcBef>
-                <a:spcPct val="0"/>
-              </a:spcBef>
-              <a:spcAft>
-                <a:spcPct val="0"/>
-              </a:spcAft>
-            </a:pPr>
-            <a:r>
-              <a:rPr lang="ko-KR" altLang="ko-KR" sz="2000" i="1" dirty="0" smtClean="0">
-                <a:solidFill>
-                  <a:srgbClr val="333333"/>
-                </a:solidFill>
-                <a:latin typeface="Consolas" panose="020B0609020204030204" pitchFamily="49" charset="0"/>
-              </a:rPr>
-              <a:t>// </a:t>
-            </a:r>
-            <a:r>
-              <a:rPr lang="ko-KR" altLang="ko-KR" sz="2000" i="1" dirty="0">
-                <a:solidFill>
-                  <a:srgbClr val="333333"/>
-                </a:solidFill>
-                <a:latin typeface="Consolas" panose="020B0609020204030204" pitchFamily="49" charset="0"/>
-              </a:rPr>
-              <a:t>매개변수가 없는 함수는 괄호가 필요</a:t>
-            </a:r>
-            <a:r>
-              <a:rPr lang="ko-KR" altLang="ko-KR" sz="2000" i="1" dirty="0" smtClean="0">
-                <a:solidFill>
-                  <a:srgbClr val="333333"/>
-                </a:solidFill>
-                <a:latin typeface="Consolas" panose="020B0609020204030204" pitchFamily="49" charset="0"/>
-              </a:rPr>
-              <a:t>:</a:t>
-            </a:r>
-            <a:endParaRPr lang="en-US" altLang="ko-KR" sz="2000" i="1" dirty="0" smtClean="0">
-              <a:solidFill>
-                <a:srgbClr val="333333"/>
-              </a:solidFill>
-              <a:latin typeface="Consolas" panose="020B0609020204030204" pitchFamily="49" charset="0"/>
-            </a:endParaRPr>
-          </a:p>
-          <a:p>
-            <a:pPr eaLnBrk="0" fontAlgn="base" latinLnBrk="0" hangingPunct="0">
-              <a:spcBef>
-                <a:spcPct val="0"/>
-              </a:spcBef>
-              <a:spcAft>
-                <a:spcPct val="0"/>
-              </a:spcAft>
-            </a:pPr>
-            <a:r>
-              <a:rPr lang="ko-KR" altLang="ko-KR" sz="2000" i="1" dirty="0" smtClean="0">
-                <a:solidFill>
-                  <a:srgbClr val="333333"/>
-                </a:solidFill>
-                <a:latin typeface="Consolas" panose="020B0609020204030204" pitchFamily="49" charset="0"/>
-              </a:rPr>
-              <a:t>() </a:t>
-            </a:r>
-            <a:r>
-              <a:rPr lang="ko-KR" altLang="ko-KR" sz="2000" i="1" dirty="0">
-                <a:solidFill>
-                  <a:srgbClr val="333333"/>
-                </a:solidFill>
-                <a:latin typeface="Consolas" panose="020B0609020204030204" pitchFamily="49" charset="0"/>
-              </a:rPr>
-              <a:t>=&gt; { statements } </a:t>
-            </a:r>
           </a:p>
         </p:txBody>
       </p:sp>
@@ -3643,14 +3268,14 @@
       </p:sp>
       <p:sp>
         <p:nvSpPr>
-          <p:cNvPr id="11" name="Rectangle 10"/>
+          <p:cNvPr id="13" name="Rectangle 12"/>
           <p:cNvSpPr/>
           <p:nvPr/>
         </p:nvSpPr>
         <p:spPr>
           <a:xfrm>
-            <a:off x="513806" y="2968866"/>
-            <a:ext cx="11678194" cy="400110"/>
+            <a:off x="609599" y="1556114"/>
+            <a:ext cx="11678194" cy="369332"/>
           </a:xfrm>
           <a:prstGeom prst="rect">
             <a:avLst/>
@@ -3662,47 +3287,34 @@
           </a:bodyPr>
           <a:lstStyle/>
           <a:p>
-            <a:pPr eaLnBrk="0" fontAlgn="base" latinLnBrk="0" hangingPunct="0">
-              <a:spcBef>
-                <a:spcPct val="0"/>
-              </a:spcBef>
-              <a:spcAft>
-                <a:spcPct val="0"/>
-              </a:spcAft>
-            </a:pPr>
-            <a:r>
-              <a:rPr lang="en-US" altLang="ko-KR" sz="2000" b="1" i="1" dirty="0" smtClean="0">
-                <a:solidFill>
-                  <a:srgbClr val="333333"/>
-                </a:solidFill>
-                <a:latin typeface="Consolas" panose="020B0609020204030204" pitchFamily="49" charset="0"/>
-              </a:rPr>
-              <a:t>=&gt; (</a:t>
-            </a:r>
-            <a:r>
-              <a:rPr lang="ko-KR" altLang="en-US" sz="2000" b="1" i="1" dirty="0" smtClean="0">
-                <a:solidFill>
-                  <a:srgbClr val="333333"/>
-                </a:solidFill>
-                <a:latin typeface="Consolas" panose="020B0609020204030204" pitchFamily="49" charset="0"/>
-              </a:rPr>
-              <a:t>화살표함수</a:t>
-            </a:r>
-            <a:r>
-              <a:rPr lang="en-US" altLang="ko-KR" sz="2000" b="1" i="1" dirty="0" smtClean="0">
-                <a:solidFill>
-                  <a:srgbClr val="333333"/>
-                </a:solidFill>
-                <a:latin typeface="Consolas" panose="020B0609020204030204" pitchFamily="49" charset="0"/>
-              </a:rPr>
-              <a:t>)</a:t>
-            </a:r>
-            <a:endParaRPr lang="ko-KR" altLang="en-US" sz="2000" b="1" i="1" dirty="0">
-              <a:solidFill>
-                <a:srgbClr val="333333"/>
-              </a:solidFill>
-              <a:latin typeface="Consolas" panose="020B0609020204030204" pitchFamily="49" charset="0"/>
-            </a:endParaRPr>
+            <a:r>
+              <a:rPr lang="nb-NO" altLang="ko-KR" dirty="0"/>
+              <a:t>const fifteen = inventors.filter(</a:t>
+            </a:r>
+            <a:r>
+              <a:rPr lang="nb-NO" altLang="ko-KR" i="1" dirty="0"/>
+              <a:t>inventor</a:t>
+            </a:r>
+            <a:r>
+              <a:rPr lang="nb-NO" altLang="ko-KR" dirty="0"/>
+              <a:t> =&gt; (</a:t>
+            </a:r>
+            <a:r>
+              <a:rPr lang="nb-NO" altLang="ko-KR" i="1" dirty="0"/>
+              <a:t>inventor</a:t>
+            </a:r>
+            <a:r>
+              <a:rPr lang="nb-NO" altLang="ko-KR" dirty="0"/>
+              <a:t>.year &gt;= 1500 &amp;&amp; </a:t>
+            </a:r>
+            <a:r>
+              <a:rPr lang="nb-NO" altLang="ko-KR" i="1" dirty="0"/>
+              <a:t>inventor</a:t>
+            </a:r>
+            <a:r>
+              <a:rPr lang="nb-NO" altLang="ko-KR" dirty="0"/>
+              <a:t>.year &lt; 1600));</a:t>
+            </a:r>
           </a:p>
         </p:txBody>
       </p:sp>
@@ -3745,24 +3357,18 @@
       </p:grpSpPr>
       <p:sp>
         <p:nvSpPr>
-          <p:cNvPr id="10" name="Rectangle 9"/>
+          <p:cNvPr id="4" name="Rectangle 3"/>
           <p:cNvSpPr/>
           <p:nvPr/>
         </p:nvSpPr>
         <p:spPr>
           <a:xfrm>
-            <a:off x="513805" y="186131"/>
-            <a:ext cx="11283747" cy="1015663"/>
+            <a:off x="283028" y="843975"/>
+            <a:ext cx="11678194" cy="461665"/>
           </a:xfrm>
           <a:prstGeom prst="rect">
             <a:avLst/>
           </a:prstGeom>
-          <a:solidFill>
-            <a:schemeClr val="accent1">
-              <a:lumMod val="60000"/>
-              <a:lumOff val="40000"/>
-            </a:schemeClr>
-          </a:solidFill>
         </p:spPr>
         <p:txBody>
           <a:bodyPr wrap="square">
@@ -3770,41 +3376,7 @@
           </a:bodyPr>
           <a:lstStyle/>
           <a:p>
-            <a:r>
-              <a:rPr lang="en-US" altLang="ko-KR" sz="2000" b="1" i="1" dirty="0" err="1" smtClean="0">
-                <a:effectLst/>
-                <a:latin typeface="Consolas" panose="020B0609020204030204" pitchFamily="49" charset="0"/>
-              </a:rPr>
-              <a:t>Array.prototype.</a:t>
-            </a:r>
-            <a:r>
-              <a:rPr lang="en-US" altLang="ko-KR" sz="2000" b="1" i="1" dirty="0" err="1" smtClean="0">
-                <a:latin typeface="Consolas" panose="020B0609020204030204" pitchFamily="49" charset="0"/>
-              </a:rPr>
-              <a:t>map</a:t>
-            </a:r>
-            <a:r>
-              <a:rPr lang="en-US" altLang="ko-KR" sz="2000" b="1" i="1" dirty="0" smtClean="0">
-                <a:effectLst/>
-                <a:latin typeface="Consolas" panose="020B0609020204030204" pitchFamily="49" charset="0"/>
-              </a:rPr>
-              <a:t>()</a:t>
-            </a:r>
-            <a:endParaRPr lang="en-US" altLang="ko-KR" sz="2000" b="1" dirty="0" smtClean="0">
-              <a:effectLst/>
-              <a:latin typeface="Consolas" panose="020B0609020204030204" pitchFamily="49" charset="0"/>
-            </a:endParaRPr>
-          </a:p>
-          <a:p>
-            <a:r>
-              <a:rPr lang="en-US" altLang="ko-KR" sz="2000" b="1" i="1" dirty="0">
-                <a:latin typeface="Consolas" panose="020B0609020204030204" pitchFamily="49" charset="0"/>
-              </a:rPr>
-              <a:t>2. Give us an array of the inventor first and last names</a:t>
-            </a:r>
-          </a:p>
-          <a:p>
-            <a:pPr fontAlgn="base">
+            <a:pPr eaLnBrk="0" fontAlgn="base" latinLnBrk="0" hangingPunct="0">
               <a:spcBef>
                 <a:spcPct val="0"/>
               </a:spcBef>
@@ -3813,48 +3385,27 @@
               </a:spcAft>
             </a:pPr>
             <a:r>
-              <a:rPr lang="en-US" altLang="ko-KR" sz="2000" b="1" i="1" dirty="0">
-                <a:latin typeface="Consolas" panose="020B0609020204030204" pitchFamily="49" charset="0"/>
-              </a:rPr>
-              <a:t>  (</a:t>
-            </a:r>
-            <a:r>
-              <a:rPr lang="ko-KR" altLang="en-US" sz="2000" b="1" i="1" dirty="0">
-                <a:latin typeface="Consolas" panose="020B0609020204030204" pitchFamily="49" charset="0"/>
-              </a:rPr>
-              <a:t>모든 초대자의 </a:t>
-            </a:r>
-            <a:r>
-              <a:rPr lang="en-US" altLang="ko-KR" sz="2000" b="1" i="1" dirty="0">
-                <a:latin typeface="Consolas" panose="020B0609020204030204" pitchFamily="49" charset="0"/>
-              </a:rPr>
-              <a:t>first name</a:t>
-            </a:r>
-            <a:r>
-              <a:rPr lang="ko-KR" altLang="en-US" sz="2000" b="1" i="1" dirty="0">
-                <a:latin typeface="Consolas" panose="020B0609020204030204" pitchFamily="49" charset="0"/>
-              </a:rPr>
-              <a:t>과 </a:t>
-            </a:r>
-            <a:r>
-              <a:rPr lang="en-US" altLang="ko-KR" sz="2000" b="1" i="1" dirty="0">
-                <a:latin typeface="Consolas" panose="020B0609020204030204" pitchFamily="49" charset="0"/>
-              </a:rPr>
-              <a:t>last name</a:t>
-            </a:r>
-            <a:r>
-              <a:rPr lang="ko-KR" altLang="en-US" sz="2000" b="1" i="1" dirty="0">
-                <a:latin typeface="Consolas" panose="020B0609020204030204" pitchFamily="49" charset="0"/>
-              </a:rPr>
-              <a:t>을 출력하시오</a:t>
-            </a:r>
-            <a:r>
-              <a:rPr lang="en-US" altLang="ko-KR" sz="2000" b="1" i="1" dirty="0">
-                <a:latin typeface="Consolas" panose="020B0609020204030204" pitchFamily="49" charset="0"/>
-              </a:rPr>
-              <a:t>.)</a:t>
-            </a:r>
-            <a:endParaRPr lang="ko-KR" altLang="en-US" sz="2000" b="1" i="1" dirty="0">
+              <a:rPr lang="en-US" altLang="ko-KR" sz="2400" b="1" dirty="0" smtClean="0">
+                <a:solidFill>
+                  <a:srgbClr val="333333"/>
+                </a:solidFill>
+                <a:latin typeface="Consolas" panose="020B0609020204030204" pitchFamily="49" charset="0"/>
+              </a:rPr>
+              <a:t>1. </a:t>
+            </a:r>
+            <a:r>
+              <a:rPr lang="ko-KR" altLang="en-US" sz="2400" b="1" dirty="0" smtClean="0">
+                <a:solidFill>
+                  <a:srgbClr val="333333"/>
+                </a:solidFill>
+                <a:latin typeface="Consolas" panose="020B0609020204030204" pitchFamily="49" charset="0"/>
+              </a:rPr>
+              <a:t>함수표현의 간략화</a:t>
+            </a:r>
+            <a:endParaRPr lang="ko-KR" altLang="en-US" sz="2400" b="1" dirty="0">
+              <a:solidFill>
+                <a:srgbClr val="333333"/>
+              </a:solidFill>
               <a:latin typeface="Consolas" panose="020B0609020204030204" pitchFamily="49" charset="0"/>
             </a:endParaRPr>
           </a:p>
@@ -3862,7 +3413,7 @@
       </p:sp>
       <p:sp>
         <p:nvSpPr>
-          <p:cNvPr id="3" name="Rectangle 2"/>
+          <p:cNvPr id="5" name="Rectangle 3"/>
           <p:cNvSpPr>
             <a:spLocks noChangeArrowheads="1"/>
           </p:cNvSpPr>
@@ -3870,25 +3421,20 @@
         </p:nvSpPr>
         <p:spPr bwMode="auto">
           <a:xfrm>
-            <a:off x="622408" y="1456927"/>
-            <a:ext cx="7681590" cy="615553"/>
+            <a:off x="283028" y="1331171"/>
+            <a:ext cx="6927668" cy="2462213"/>
           </a:xfrm>
           <a:prstGeom prst="rect">
             <a:avLst/>
           </a:prstGeom>
-          <a:noFill/>
+          <a:solidFill>
+            <a:srgbClr val="FBFCFD"/>
+          </a:solidFill>
           <a:ln>
             <a:noFill/>
           </a:ln>
           <a:effectLst/>
           <a:extLst>
-            <a:ext uri="{909E8E84-426E-40DD-AFC4-6F175D3DCCD1}">
-              <a14:hiddenFill xmlns:a14="http://schemas.microsoft.com/office/drawing/2010/main">
-                <a:solidFill>
-                  <a:schemeClr val="accent1"/>
-                </a:solidFill>
-              </a14:hiddenFill>
-            </a:ext>
             <a:ext uri="{91240B29-F687-4F45-9708-019B960494DF}">
               <a14:hiddenLine xmlns:a14="http://schemas.microsoft.com/office/drawing/2010/main" w="9525">
                 <a:solidFill>
@@ -3911,145 +3457,24 @@
           </a:extLst>
         </p:spPr>
         <p:txBody>
-          <a:bodyPr vert="horz" wrap="none" lIns="0" tIns="0" rIns="0" bIns="0" numCol="1" anchor="ctr" anchorCtr="0" compatLnSpc="1">
+          <a:bodyPr vert="horz" wrap="square" lIns="91440" tIns="45720" rIns="91440" bIns="45720" numCol="1" anchor="ctr" anchorCtr="0" compatLnSpc="1">
             <a:prstTxWarp prst="textNoShape">
               <a:avLst/>
             </a:prstTxWarp>
             <a:spAutoFit/>
           </a:bodyPr>
-          <a:lstStyle>
-            <a:lvl1pPr eaLnBrk="0" fontAlgn="base" hangingPunct="0">
-              <a:spcBef>
-                <a:spcPct val="0"/>
-              </a:spcBef>
-              <a:spcAft>
-                <a:spcPct val="0"/>
-              </a:spcAft>
-              <a:defRPr>
-                <a:solidFill>
-                  <a:schemeClr val="tx1"/>
-                </a:solidFill>
-                <a:latin typeface="Arial" panose="020B0604020202020204" pitchFamily="34" charset="0"/>
-              </a:defRPr>
-            </a:lvl1pPr>
-            <a:lvl2pPr eaLnBrk="0" fontAlgn="base" hangingPunct="0">
-              <a:spcBef>
-                <a:spcPct val="0"/>
-              </a:spcBef>
-              <a:spcAft>
-                <a:spcPct val="0"/>
-              </a:spcAft>
-              <a:defRPr>
-                <a:solidFill>
-                  <a:schemeClr val="tx1"/>
-                </a:solidFill>
-                <a:latin typeface="Arial" panose="020B0604020202020204" pitchFamily="34" charset="0"/>
-              </a:defRPr>
-            </a:lvl2pPr>
-            <a:lvl3pPr eaLnBrk="0" fontAlgn="base" hangingPunct="0">
-              <a:spcBef>
-                <a:spcPct val="0"/>
-              </a:spcBef>
-              <a:spcAft>
-                <a:spcPct val="0"/>
-              </a:spcAft>
-              <a:defRPr>
-                <a:solidFill>
-                  <a:schemeClr val="tx1"/>
-                </a:solidFill>
-                <a:latin typeface="Arial" panose="020B0604020202020204" pitchFamily="34" charset="0"/>
-              </a:defRPr>
-            </a:lvl3pPr>
-            <a:lvl4pPr eaLnBrk="0" fontAlgn="base" hangingPunct="0">
-              <a:spcBef>
-                <a:spcPct val="0"/>
-              </a:spcBef>
-              <a:spcAft>
-                <a:spcPct val="0"/>
-              </a:spcAft>
-              <a:defRPr>
-                <a:solidFill>
-                  <a:schemeClr val="tx1"/>
-                </a:solidFill>
-                <a:latin typeface="Arial" panose="020B0604020202020204" pitchFamily="34" charset="0"/>
-              </a:defRPr>
-            </a:lvl4pPr>
-            <a:lvl5pPr eaLnBrk="0" fontAlgn="base" hangingPunct="0">
-              <a:spcBef>
-                <a:spcPct val="0"/>
-              </a:spcBef>
-              <a:spcAft>
-                <a:spcPct val="0"/>
-              </a:spcAft>
-              <a:defRPr>
-                <a:solidFill>
-                  <a:schemeClr val="tx1"/>
-                </a:solidFill>
-                <a:latin typeface="Arial" panose="020B0604020202020204" pitchFamily="34" charset="0"/>
-              </a:defRPr>
-            </a:lvl5pPr>
-            <a:lvl6pPr eaLnBrk="0" fontAlgn="base" hangingPunct="0">
-              <a:spcBef>
-                <a:spcPct val="0"/>
-              </a:spcBef>
-              <a:spcAft>
-                <a:spcPct val="0"/>
-              </a:spcAft>
-              <a:defRPr>
-                <a:solidFill>
-                  <a:schemeClr val="tx1"/>
-                </a:solidFill>
-                <a:latin typeface="Arial" panose="020B0604020202020204" pitchFamily="34" charset="0"/>
-              </a:defRPr>
-            </a:lvl6pPr>
-            <a:lvl7pPr eaLnBrk="0" fontAlgn="base" hangingPunct="0">
-              <a:spcBef>
-                <a:spcPct val="0"/>
-              </a:spcBef>
-              <a:spcAft>
-                <a:spcPct val="0"/>
-              </a:spcAft>
-              <a:defRPr>
-                <a:solidFill>
-                  <a:schemeClr val="tx1"/>
-                </a:solidFill>
-                <a:latin typeface="Arial" panose="020B0604020202020204" pitchFamily="34" charset="0"/>
-              </a:defRPr>
-            </a:lvl7pPr>
-            <a:lvl8pPr eaLnBrk="0" fontAlgn="base" hangingPunct="0">
-              <a:spcBef>
-                <a:spcPct val="0"/>
-              </a:spcBef>
-              <a:spcAft>
-                <a:spcPct val="0"/>
-              </a:spcAft>
-              <a:defRPr>
-                <a:solidFill>
-                  <a:schemeClr val="tx1"/>
-                </a:solidFill>
-                <a:latin typeface="Arial" panose="020B0604020202020204" pitchFamily="34" charset="0"/>
-              </a:defRPr>
-            </a:lvl8pPr>
-            <a:lvl9pPr eaLnBrk="0" fontAlgn="base" hangingPunct="0">
-              <a:spcBef>
-                <a:spcPct val="0"/>
-              </a:spcBef>
-              <a:spcAft>
-                <a:spcPct val="0"/>
-              </a:spcAft>
-              <a:defRPr>
-                <a:solidFill>
-                  <a:schemeClr val="tx1"/>
-                </a:solidFill>
-                <a:latin typeface="Arial" panose="020B0604020202020204" pitchFamily="34" charset="0"/>
-              </a:defRPr>
-            </a:lvl9pPr>
-          </a:lstStyle>
-          <a:p>
-            <a:pPr marR="0" lvl="0" indent="0" latinLnBrk="0">
+          <a:lstStyle/>
+          <a:p>
+            <a:pPr marL="0" marR="0" lvl="0" indent="0" algn="l" defTabSz="914400" rtl="0" eaLnBrk="0" fontAlgn="base" latinLnBrk="0" hangingPunct="0">
               <a:lnSpc>
                 <a:spcPct val="100000"/>
               </a:lnSpc>
+              <a:spcBef>
+                <a:spcPct val="0"/>
+              </a:spcBef>
+              <a:spcAft>
+                <a:spcPct val="0"/>
+              </a:spcAft>
               <a:buClrTx/>
               <a:buSzTx/>
               <a:buFontTx/>
@@ -4057,35 +3482,224 @@
               <a:tabLst/>
             </a:pPr>
             <a:r>
-              <a:rPr lang="ko-KR" altLang="ko-KR" sz="2000" i="1" dirty="0">
-                <a:solidFill>
-                  <a:srgbClr val="333333"/>
-                </a:solidFill>
-                <a:latin typeface="Consolas" panose="020B0609020204030204" pitchFamily="49" charset="0"/>
-              </a:rPr>
-              <a:t>map() 메서드는 배열 내의 모든 요소 각각에 </a:t>
-            </a:r>
-            <a:r>
-              <a:rPr lang="ko-KR" altLang="ko-KR" sz="2000" i="1" dirty="0" smtClean="0">
-                <a:solidFill>
-                  <a:srgbClr val="333333"/>
-                </a:solidFill>
-                <a:latin typeface="Consolas" panose="020B0609020204030204" pitchFamily="49" charset="0"/>
-              </a:rPr>
-              <a:t>대하여</a:t>
-            </a:r>
-            <a:endParaRPr lang="en-US" altLang="ko-KR" sz="2000" i="1" dirty="0" smtClean="0">
+              <a:rPr kumimoji="0" lang="ko-KR" altLang="ko-KR" sz="1400" b="0" i="0" u="none" strike="noStrike" cap="none" normalizeH="0" baseline="0" dirty="0" smtClean="0">
+                <a:ln>
+                  <a:noFill/>
+                </a:ln>
+                <a:solidFill>
+                  <a:srgbClr val="A626A4"/>
+                </a:solidFill>
+                <a:effectLst/>
+                <a:latin typeface="Arial Unicode MS"/>
+                <a:ea typeface="Fira Mono"/>
+              </a:rPr>
+              <a:t>const</a:t>
+            </a:r>
+            <a:r>
+              <a:rPr kumimoji="0" lang="ko-KR" altLang="ko-KR" sz="1400" b="0" i="0" u="none" strike="noStrike" cap="none" normalizeH="0" baseline="0" dirty="0" smtClean="0">
+                <a:ln>
+                  <a:noFill/>
+                </a:ln>
+                <a:solidFill>
+                  <a:srgbClr val="24292E"/>
+                </a:solidFill>
+                <a:effectLst/>
+                <a:latin typeface="Arial Unicode MS"/>
+                <a:ea typeface="Fira Mono"/>
+              </a:rPr>
+              <a:t> </a:t>
+            </a:r>
+            <a:r>
+              <a:rPr kumimoji="0" lang="ko-KR" altLang="ko-KR" sz="1400" b="0" i="0" u="none" strike="noStrike" cap="none" normalizeH="0" baseline="0" dirty="0" smtClean="0">
+                <a:ln>
+                  <a:noFill/>
+                </a:ln>
+                <a:solidFill>
+                  <a:srgbClr val="005CC5"/>
+                </a:solidFill>
+                <a:effectLst/>
+                <a:latin typeface="Arial Unicode MS"/>
+                <a:ea typeface="Fira Mono"/>
+              </a:rPr>
+              <a:t>func1</a:t>
+            </a:r>
+            <a:r>
+              <a:rPr kumimoji="0" lang="ko-KR" altLang="ko-KR" sz="1400" b="0" i="0" u="none" strike="noStrike" cap="none" normalizeH="0" baseline="0" dirty="0" smtClean="0">
+                <a:ln>
+                  <a:noFill/>
+                </a:ln>
+                <a:solidFill>
+                  <a:srgbClr val="24292E"/>
+                </a:solidFill>
+                <a:effectLst/>
+                <a:latin typeface="Arial Unicode MS"/>
+                <a:ea typeface="Fira Mono"/>
+              </a:rPr>
+              <a:t> </a:t>
+            </a:r>
+            <a:r>
+              <a:rPr kumimoji="0" lang="ko-KR" altLang="ko-KR" sz="1400" b="0" i="0" u="none" strike="noStrike" cap="none" normalizeH="0" baseline="0" dirty="0" smtClean="0">
+                <a:ln>
+                  <a:noFill/>
+                </a:ln>
+                <a:solidFill>
+                  <a:srgbClr val="0184BC"/>
+                </a:solidFill>
+                <a:effectLst/>
+                <a:latin typeface="Arial Unicode MS"/>
+                <a:ea typeface="Fira Mono"/>
+              </a:rPr>
+              <a:t>=</a:t>
+            </a:r>
+            <a:r>
+              <a:rPr kumimoji="0" lang="ko-KR" altLang="ko-KR" sz="1400" b="0" i="0" u="none" strike="noStrike" cap="none" normalizeH="0" baseline="0" dirty="0" smtClean="0">
+                <a:ln>
+                  <a:noFill/>
+                </a:ln>
+                <a:solidFill>
+                  <a:srgbClr val="24292E"/>
+                </a:solidFill>
+                <a:effectLst/>
+                <a:latin typeface="Arial Unicode MS"/>
+                <a:ea typeface="Fira Mono"/>
+              </a:rPr>
+              <a:t> </a:t>
+            </a:r>
+            <a:r>
+              <a:rPr kumimoji="0" lang="ko-KR" altLang="ko-KR" sz="1400" b="0" i="0" u="none" strike="noStrike" cap="none" normalizeH="0" baseline="0" dirty="0" smtClean="0">
+                <a:ln>
+                  <a:noFill/>
+                </a:ln>
+                <a:solidFill>
+                  <a:srgbClr val="A626A4"/>
+                </a:solidFill>
+                <a:effectLst/>
+                <a:latin typeface="Arial Unicode MS"/>
+                <a:ea typeface="Fira Mono"/>
+              </a:rPr>
+              <a:t>function</a:t>
+            </a:r>
+            <a:r>
+              <a:rPr kumimoji="0" lang="ko-KR" altLang="ko-KR" sz="1400" b="0" i="0" u="none" strike="noStrike" cap="none" normalizeH="0" baseline="0" dirty="0" smtClean="0">
+                <a:ln>
+                  <a:noFill/>
+                </a:ln>
+                <a:solidFill>
+                  <a:srgbClr val="24292E"/>
+                </a:solidFill>
+                <a:effectLst/>
+                <a:latin typeface="Arial Unicode MS"/>
+                <a:ea typeface="Fira Mono"/>
+              </a:rPr>
+              <a:t>() { </a:t>
+            </a:r>
+            <a:r>
+              <a:rPr kumimoji="0" lang="ko-KR" altLang="ko-KR" sz="1400" b="0" i="0" u="none" strike="noStrike" cap="none" normalizeH="0" baseline="0" dirty="0" smtClean="0">
+                <a:ln>
+                  <a:noFill/>
+                </a:ln>
+                <a:solidFill>
+                  <a:srgbClr val="A626A4"/>
+                </a:solidFill>
+                <a:effectLst/>
+                <a:latin typeface="Arial Unicode MS"/>
+                <a:ea typeface="Fira Mono"/>
+              </a:rPr>
+              <a:t>const</a:t>
+            </a:r>
+            <a:r>
+              <a:rPr kumimoji="0" lang="ko-KR" altLang="ko-KR" sz="1400" b="0" i="0" u="none" strike="noStrike" cap="none" normalizeH="0" baseline="0" dirty="0" smtClean="0">
+                <a:ln>
+                  <a:noFill/>
+                </a:ln>
+                <a:solidFill>
+                  <a:srgbClr val="24292E"/>
+                </a:solidFill>
+                <a:effectLst/>
+                <a:latin typeface="Arial Unicode MS"/>
+                <a:ea typeface="Fira Mono"/>
+              </a:rPr>
+              <a:t> num </a:t>
+            </a:r>
+            <a:r>
+              <a:rPr kumimoji="0" lang="ko-KR" altLang="ko-KR" sz="1400" b="0" i="0" u="none" strike="noStrike" cap="none" normalizeH="0" baseline="0" dirty="0" smtClean="0">
+                <a:ln>
+                  <a:noFill/>
+                </a:ln>
+                <a:solidFill>
+                  <a:srgbClr val="0184BC"/>
+                </a:solidFill>
+                <a:effectLst/>
+                <a:latin typeface="Arial Unicode MS"/>
+                <a:ea typeface="Fira Mono"/>
+              </a:rPr>
+              <a:t>=</a:t>
+            </a:r>
+            <a:r>
+              <a:rPr kumimoji="0" lang="ko-KR" altLang="ko-KR" sz="1400" b="0" i="0" u="none" strike="noStrike" cap="none" normalizeH="0" baseline="0" dirty="0" smtClean="0">
+                <a:ln>
+                  <a:noFill/>
+                </a:ln>
+                <a:solidFill>
+                  <a:srgbClr val="24292E"/>
+                </a:solidFill>
+                <a:effectLst/>
+                <a:latin typeface="Arial Unicode MS"/>
+                <a:ea typeface="Fira Mono"/>
+              </a:rPr>
+              <a:t> </a:t>
+            </a:r>
+            <a:r>
+              <a:rPr kumimoji="0" lang="ko-KR" altLang="ko-KR" sz="1400" b="0" i="0" u="none" strike="noStrike" cap="none" normalizeH="0" baseline="0" dirty="0" smtClean="0">
+                <a:ln>
+                  <a:noFill/>
+                </a:ln>
+                <a:solidFill>
+                  <a:srgbClr val="986801"/>
+                </a:solidFill>
+                <a:effectLst/>
+                <a:latin typeface="Arial Unicode MS"/>
+                <a:ea typeface="Fira Mono"/>
+              </a:rPr>
+              <a:t>10</a:t>
+            </a:r>
+            <a:r>
+              <a:rPr kumimoji="0" lang="ko-KR" altLang="ko-KR" sz="1400" b="0" i="0" u="none" strike="noStrike" cap="none" normalizeH="0" baseline="0" dirty="0" smtClean="0">
+                <a:ln>
+                  <a:noFill/>
+                </a:ln>
+                <a:solidFill>
+                  <a:srgbClr val="24292E"/>
+                </a:solidFill>
+                <a:effectLst/>
+                <a:latin typeface="Arial Unicode MS"/>
+                <a:ea typeface="Fira Mono"/>
+              </a:rPr>
+              <a:t>; };</a:t>
+            </a:r>
+            <a:endParaRPr kumimoji="0" lang="en-US" altLang="ko-KR" sz="1400" b="0" i="0" u="none" strike="noStrike" cap="none" normalizeH="0" baseline="0" dirty="0" smtClean="0">
+              <a:ln>
+                <a:noFill/>
+              </a:ln>
               <a:solidFill>
-                <a:srgbClr val="333333"/>
+                <a:srgbClr val="24292E"/>
               </a:solidFill>
-              <a:latin typeface="Consolas" panose="020B0609020204030204" pitchFamily="49" charset="0"/>
+              <a:effectLst/>
+              <a:latin typeface="Arial Unicode MS"/>
+              <a:ea typeface="Fira Mono"/>
             </a:endParaRPr>
           </a:p>
           <a:p>
-            <a:pPr marR="0" lvl="0" indent="0" latinLnBrk="0">
+            <a:pPr marL="0" marR="0" lvl="0" indent="0" algn="l" defTabSz="914400" rtl="0" eaLnBrk="0" fontAlgn="base" latinLnBrk="0" hangingPunct="0">
               <a:lnSpc>
                 <a:spcPct val="100000"/>
               </a:lnSpc>
+              <a:spcBef>
+                <a:spcPct val="0"/>
+              </a:spcBef>
+              <a:spcAft>
+                <a:spcPct val="0"/>
+              </a:spcAft>
               <a:buClrTx/>
               <a:buSzTx/>
               <a:buFontTx/>
@@ -4093,36 +3707,1561 @@
               <a:tabLst/>
             </a:pPr>
             <a:r>
-              <a:rPr lang="ko-KR" altLang="ko-KR" sz="2000" i="1" dirty="0" smtClean="0">
-                <a:solidFill>
-                  <a:srgbClr val="333333"/>
-                </a:solidFill>
-                <a:latin typeface="Consolas" panose="020B0609020204030204" pitchFamily="49" charset="0"/>
-              </a:rPr>
-              <a:t>주어진 </a:t>
-            </a:r>
-            <a:r>
-              <a:rPr lang="ko-KR" altLang="ko-KR" sz="2000" i="1" dirty="0">
-                <a:solidFill>
-                  <a:srgbClr val="333333"/>
-                </a:solidFill>
-                <a:latin typeface="Consolas" panose="020B0609020204030204" pitchFamily="49" charset="0"/>
-              </a:rPr>
-              <a:t>함수를 호출한 결과를 모아 새로운 배열을 반환합니다. </a:t>
-            </a:r>
+              <a:rPr kumimoji="0" lang="ko-KR" altLang="ko-KR" sz="1400" b="0" i="0" u="none" strike="noStrike" cap="none" normalizeH="0" baseline="0" dirty="0" smtClean="0">
+                <a:ln>
+                  <a:noFill/>
+                </a:ln>
+                <a:solidFill>
+                  <a:srgbClr val="A626A4"/>
+                </a:solidFill>
+                <a:effectLst/>
+                <a:latin typeface="Arial Unicode MS"/>
+                <a:ea typeface="Fira Mono"/>
+              </a:rPr>
+              <a:t>const</a:t>
+            </a:r>
+            <a:r>
+              <a:rPr kumimoji="0" lang="ko-KR" altLang="ko-KR" sz="1400" b="0" i="0" u="none" strike="noStrike" cap="none" normalizeH="0" baseline="0" dirty="0" smtClean="0">
+                <a:ln>
+                  <a:noFill/>
+                </a:ln>
+                <a:solidFill>
+                  <a:srgbClr val="24292E"/>
+                </a:solidFill>
+                <a:effectLst/>
+                <a:latin typeface="Arial Unicode MS"/>
+                <a:ea typeface="Fira Mono"/>
+              </a:rPr>
+              <a:t> </a:t>
+            </a:r>
+            <a:r>
+              <a:rPr kumimoji="0" lang="ko-KR" altLang="ko-KR" sz="1400" b="0" i="0" u="none" strike="noStrike" cap="none" normalizeH="0" baseline="0" dirty="0" smtClean="0">
+                <a:ln>
+                  <a:noFill/>
+                </a:ln>
+                <a:solidFill>
+                  <a:srgbClr val="005CC5"/>
+                </a:solidFill>
+                <a:effectLst/>
+                <a:latin typeface="Arial Unicode MS"/>
+                <a:ea typeface="Fira Mono"/>
+              </a:rPr>
+              <a:t>func1</a:t>
+            </a:r>
+            <a:r>
+              <a:rPr kumimoji="0" lang="ko-KR" altLang="ko-KR" sz="1400" b="0" i="0" u="none" strike="noStrike" cap="none" normalizeH="0" baseline="0" dirty="0" smtClean="0">
+                <a:ln>
+                  <a:noFill/>
+                </a:ln>
+                <a:solidFill>
+                  <a:srgbClr val="24292E"/>
+                </a:solidFill>
+                <a:effectLst/>
+                <a:latin typeface="Arial Unicode MS"/>
+                <a:ea typeface="Fira Mono"/>
+              </a:rPr>
+              <a:t> </a:t>
+            </a:r>
+            <a:r>
+              <a:rPr kumimoji="0" lang="ko-KR" altLang="ko-KR" sz="1400" b="0" i="0" u="none" strike="noStrike" cap="none" normalizeH="0" baseline="0" dirty="0" smtClean="0">
+                <a:ln>
+                  <a:noFill/>
+                </a:ln>
+                <a:solidFill>
+                  <a:srgbClr val="0184BC"/>
+                </a:solidFill>
+                <a:effectLst/>
+                <a:latin typeface="Arial Unicode MS"/>
+                <a:ea typeface="Fira Mono"/>
+              </a:rPr>
+              <a:t>=</a:t>
+            </a:r>
+            <a:r>
+              <a:rPr kumimoji="0" lang="ko-KR" altLang="ko-KR" sz="1400" b="0" i="0" u="none" strike="noStrike" cap="none" normalizeH="0" baseline="0" dirty="0" smtClean="0">
+                <a:ln>
+                  <a:noFill/>
+                </a:ln>
+                <a:solidFill>
+                  <a:srgbClr val="24292E"/>
+                </a:solidFill>
+                <a:effectLst/>
+                <a:latin typeface="Arial Unicode MS"/>
+                <a:ea typeface="Fira Mono"/>
+              </a:rPr>
+              <a:t> () </a:t>
+            </a:r>
+            <a:r>
+              <a:rPr kumimoji="0" lang="ko-KR" altLang="ko-KR" sz="1400" b="0" i="0" u="none" strike="noStrike" cap="none" normalizeH="0" baseline="0" dirty="0" smtClean="0">
+                <a:ln>
+                  <a:noFill/>
+                </a:ln>
+                <a:solidFill>
+                  <a:srgbClr val="0184BC"/>
+                </a:solidFill>
+                <a:effectLst/>
+                <a:latin typeface="Arial Unicode MS"/>
+                <a:ea typeface="Fira Mono"/>
+              </a:rPr>
+              <a:t>=&gt;</a:t>
+            </a:r>
+            <a:r>
+              <a:rPr kumimoji="0" lang="ko-KR" altLang="ko-KR" sz="1400" b="0" i="0" u="none" strike="noStrike" cap="none" normalizeH="0" baseline="0" dirty="0" smtClean="0">
+                <a:ln>
+                  <a:noFill/>
+                </a:ln>
+                <a:solidFill>
+                  <a:srgbClr val="24292E"/>
+                </a:solidFill>
+                <a:effectLst/>
+                <a:latin typeface="Arial Unicode MS"/>
+                <a:ea typeface="Fira Mono"/>
+              </a:rPr>
+              <a:t> { </a:t>
+            </a:r>
+            <a:r>
+              <a:rPr kumimoji="0" lang="ko-KR" altLang="ko-KR" sz="1400" b="0" i="0" u="none" strike="noStrike" cap="none" normalizeH="0" baseline="0" dirty="0" smtClean="0">
+                <a:ln>
+                  <a:noFill/>
+                </a:ln>
+                <a:solidFill>
+                  <a:srgbClr val="A626A4"/>
+                </a:solidFill>
+                <a:effectLst/>
+                <a:latin typeface="Arial Unicode MS"/>
+                <a:ea typeface="Fira Mono"/>
+              </a:rPr>
+              <a:t>const</a:t>
+            </a:r>
+            <a:r>
+              <a:rPr kumimoji="0" lang="ko-KR" altLang="ko-KR" sz="1400" b="0" i="0" u="none" strike="noStrike" cap="none" normalizeH="0" baseline="0" dirty="0" smtClean="0">
+                <a:ln>
+                  <a:noFill/>
+                </a:ln>
+                <a:solidFill>
+                  <a:srgbClr val="24292E"/>
+                </a:solidFill>
+                <a:effectLst/>
+                <a:latin typeface="Arial Unicode MS"/>
+                <a:ea typeface="Fira Mono"/>
+              </a:rPr>
+              <a:t> num </a:t>
+            </a:r>
+            <a:r>
+              <a:rPr kumimoji="0" lang="ko-KR" altLang="ko-KR" sz="1400" b="0" i="0" u="none" strike="noStrike" cap="none" normalizeH="0" baseline="0" dirty="0" smtClean="0">
+                <a:ln>
+                  <a:noFill/>
+                </a:ln>
+                <a:solidFill>
+                  <a:srgbClr val="0184BC"/>
+                </a:solidFill>
+                <a:effectLst/>
+                <a:latin typeface="Arial Unicode MS"/>
+                <a:ea typeface="Fira Mono"/>
+              </a:rPr>
+              <a:t>=</a:t>
+            </a:r>
+            <a:r>
+              <a:rPr kumimoji="0" lang="ko-KR" altLang="ko-KR" sz="1400" b="0" i="0" u="none" strike="noStrike" cap="none" normalizeH="0" baseline="0" dirty="0" smtClean="0">
+                <a:ln>
+                  <a:noFill/>
+                </a:ln>
+                <a:solidFill>
+                  <a:srgbClr val="24292E"/>
+                </a:solidFill>
+                <a:effectLst/>
+                <a:latin typeface="Arial Unicode MS"/>
+                <a:ea typeface="Fira Mono"/>
+              </a:rPr>
+              <a:t> </a:t>
+            </a:r>
+            <a:r>
+              <a:rPr kumimoji="0" lang="ko-KR" altLang="ko-KR" sz="1400" b="0" i="0" u="none" strike="noStrike" cap="none" normalizeH="0" baseline="0" dirty="0" smtClean="0">
+                <a:ln>
+                  <a:noFill/>
+                </a:ln>
+                <a:solidFill>
+                  <a:srgbClr val="986801"/>
+                </a:solidFill>
+                <a:effectLst/>
+                <a:latin typeface="Arial Unicode MS"/>
+                <a:ea typeface="Fira Mono"/>
+              </a:rPr>
+              <a:t>10</a:t>
+            </a:r>
+            <a:r>
+              <a:rPr kumimoji="0" lang="ko-KR" altLang="ko-KR" sz="1400" b="0" i="0" u="none" strike="noStrike" cap="none" normalizeH="0" baseline="0" dirty="0" smtClean="0">
+                <a:ln>
+                  <a:noFill/>
+                </a:ln>
+                <a:solidFill>
+                  <a:srgbClr val="24292E"/>
+                </a:solidFill>
+                <a:effectLst/>
+                <a:latin typeface="Arial Unicode MS"/>
+                <a:ea typeface="Fira Mono"/>
+              </a:rPr>
+              <a:t>; }; </a:t>
+            </a:r>
+            <a:r>
+              <a:rPr kumimoji="0" lang="ko-KR" altLang="ko-KR" sz="1400" b="0" i="0" u="none" strike="noStrike" cap="none" normalizeH="0" baseline="0" dirty="0" smtClean="0">
+                <a:ln>
+                  <a:noFill/>
+                </a:ln>
+                <a:solidFill>
+                  <a:srgbClr val="969896"/>
+                </a:solidFill>
+                <a:effectLst/>
+                <a:latin typeface="Arial Unicode MS"/>
+                <a:ea typeface="Fira Mono"/>
+              </a:rPr>
+              <a:t>// function 키워드 생략 가능</a:t>
+            </a:r>
+            <a:endParaRPr lang="en-US" altLang="ko-KR" sz="1400" dirty="0">
+              <a:solidFill>
+                <a:srgbClr val="24292E"/>
+              </a:solidFill>
+              <a:latin typeface="Arial Unicode MS"/>
+              <a:ea typeface="Fira Mono"/>
+            </a:endParaRPr>
+          </a:p>
+          <a:p>
+            <a:pPr marL="0" marR="0" lvl="0" indent="0" algn="l" defTabSz="914400" rtl="0" eaLnBrk="0" fontAlgn="base" latinLnBrk="0" hangingPunct="0">
+              <a:lnSpc>
+                <a:spcPct val="100000"/>
+              </a:lnSpc>
+              <a:spcBef>
+                <a:spcPct val="0"/>
+              </a:spcBef>
+              <a:spcAft>
+                <a:spcPct val="0"/>
+              </a:spcAft>
+              <a:buClrTx/>
+              <a:buSzTx/>
+              <a:buFontTx/>
+              <a:buNone/>
+              <a:tabLst/>
+            </a:pPr>
+            <a:endParaRPr kumimoji="0" lang="en-US" altLang="ko-KR" sz="1400" b="0" i="0" u="none" strike="noStrike" cap="none" normalizeH="0" baseline="0" dirty="0" smtClean="0">
+              <a:ln>
+                <a:noFill/>
+              </a:ln>
+              <a:solidFill>
+                <a:srgbClr val="24292E"/>
+              </a:solidFill>
+              <a:effectLst/>
+              <a:latin typeface="Arial Unicode MS"/>
+              <a:ea typeface="Fira Mono"/>
+            </a:endParaRPr>
+          </a:p>
+          <a:p>
+            <a:pPr marL="0" marR="0" lvl="0" indent="0" algn="l" defTabSz="914400" rtl="0" eaLnBrk="0" fontAlgn="base" latinLnBrk="0" hangingPunct="0">
+              <a:lnSpc>
+                <a:spcPct val="100000"/>
+              </a:lnSpc>
+              <a:spcBef>
+                <a:spcPct val="0"/>
+              </a:spcBef>
+              <a:spcAft>
+                <a:spcPct val="0"/>
+              </a:spcAft>
+              <a:buClrTx/>
+              <a:buSzTx/>
+              <a:buFontTx/>
+              <a:buNone/>
+              <a:tabLst/>
+            </a:pPr>
+            <a:r>
+              <a:rPr kumimoji="0" lang="ko-KR" altLang="ko-KR" sz="1400" b="0" i="0" u="none" strike="noStrike" cap="none" normalizeH="0" baseline="0" dirty="0" smtClean="0">
+                <a:ln>
+                  <a:noFill/>
+                </a:ln>
+                <a:solidFill>
+                  <a:srgbClr val="A626A4"/>
+                </a:solidFill>
+                <a:effectLst/>
+                <a:latin typeface="Arial Unicode MS"/>
+                <a:ea typeface="Fira Mono"/>
+              </a:rPr>
+              <a:t>const</a:t>
+            </a:r>
+            <a:r>
+              <a:rPr kumimoji="0" lang="ko-KR" altLang="ko-KR" sz="1400" b="0" i="0" u="none" strike="noStrike" cap="none" normalizeH="0" baseline="0" dirty="0" smtClean="0">
+                <a:ln>
+                  <a:noFill/>
+                </a:ln>
+                <a:solidFill>
+                  <a:srgbClr val="24292E"/>
+                </a:solidFill>
+                <a:effectLst/>
+                <a:latin typeface="Arial Unicode MS"/>
+                <a:ea typeface="Fira Mono"/>
+              </a:rPr>
+              <a:t> </a:t>
+            </a:r>
+            <a:r>
+              <a:rPr kumimoji="0" lang="ko-KR" altLang="ko-KR" sz="1400" b="0" i="0" u="none" strike="noStrike" cap="none" normalizeH="0" baseline="0" dirty="0" smtClean="0">
+                <a:ln>
+                  <a:noFill/>
+                </a:ln>
+                <a:solidFill>
+                  <a:srgbClr val="005CC5"/>
+                </a:solidFill>
+                <a:effectLst/>
+                <a:latin typeface="Arial Unicode MS"/>
+                <a:ea typeface="Fira Mono"/>
+              </a:rPr>
+              <a:t>func2</a:t>
+            </a:r>
+            <a:r>
+              <a:rPr kumimoji="0" lang="ko-KR" altLang="ko-KR" sz="1400" b="0" i="0" u="none" strike="noStrike" cap="none" normalizeH="0" baseline="0" dirty="0" smtClean="0">
+                <a:ln>
+                  <a:noFill/>
+                </a:ln>
+                <a:solidFill>
+                  <a:srgbClr val="24292E"/>
+                </a:solidFill>
+                <a:effectLst/>
+                <a:latin typeface="Arial Unicode MS"/>
+                <a:ea typeface="Fira Mono"/>
+              </a:rPr>
+              <a:t> </a:t>
+            </a:r>
+            <a:r>
+              <a:rPr kumimoji="0" lang="ko-KR" altLang="ko-KR" sz="1400" b="0" i="0" u="none" strike="noStrike" cap="none" normalizeH="0" baseline="0" dirty="0" smtClean="0">
+                <a:ln>
+                  <a:noFill/>
+                </a:ln>
+                <a:solidFill>
+                  <a:srgbClr val="0184BC"/>
+                </a:solidFill>
+                <a:effectLst/>
+                <a:latin typeface="Arial Unicode MS"/>
+                <a:ea typeface="Fira Mono"/>
+              </a:rPr>
+              <a:t>=</a:t>
+            </a:r>
+            <a:r>
+              <a:rPr kumimoji="0" lang="ko-KR" altLang="ko-KR" sz="1400" b="0" i="0" u="none" strike="noStrike" cap="none" normalizeH="0" baseline="0" dirty="0" smtClean="0">
+                <a:ln>
+                  <a:noFill/>
+                </a:ln>
+                <a:solidFill>
+                  <a:srgbClr val="24292E"/>
+                </a:solidFill>
+                <a:effectLst/>
+                <a:latin typeface="Arial Unicode MS"/>
+                <a:ea typeface="Fira Mono"/>
+              </a:rPr>
+              <a:t> </a:t>
+            </a:r>
+            <a:r>
+              <a:rPr kumimoji="0" lang="ko-KR" altLang="ko-KR" sz="1400" b="0" i="0" u="none" strike="noStrike" cap="none" normalizeH="0" baseline="0" dirty="0" smtClean="0">
+                <a:ln>
+                  <a:noFill/>
+                </a:ln>
+                <a:solidFill>
+                  <a:srgbClr val="A626A4"/>
+                </a:solidFill>
+                <a:effectLst/>
+                <a:latin typeface="Arial Unicode MS"/>
+                <a:ea typeface="Fira Mono"/>
+              </a:rPr>
+              <a:t>function</a:t>
+            </a:r>
+            <a:r>
+              <a:rPr kumimoji="0" lang="ko-KR" altLang="ko-KR" sz="1400" b="0" i="0" u="none" strike="noStrike" cap="none" normalizeH="0" baseline="0" dirty="0" smtClean="0">
+                <a:ln>
+                  <a:noFill/>
+                </a:ln>
+                <a:solidFill>
+                  <a:srgbClr val="24292E"/>
+                </a:solidFill>
+                <a:effectLst/>
+                <a:latin typeface="Arial Unicode MS"/>
+                <a:ea typeface="Fira Mono"/>
+              </a:rPr>
+              <a:t>(num) { </a:t>
+            </a:r>
+            <a:r>
+              <a:rPr kumimoji="0" lang="ko-KR" altLang="ko-KR" sz="1400" b="0" i="0" u="none" strike="noStrike" cap="none" normalizeH="0" baseline="0" dirty="0" smtClean="0">
+                <a:ln>
+                  <a:noFill/>
+                </a:ln>
+                <a:solidFill>
+                  <a:srgbClr val="A626A4"/>
+                </a:solidFill>
+                <a:effectLst/>
+                <a:latin typeface="Arial Unicode MS"/>
+                <a:ea typeface="Fira Mono"/>
+              </a:rPr>
+              <a:t>for</a:t>
+            </a:r>
+            <a:r>
+              <a:rPr kumimoji="0" lang="ko-KR" altLang="ko-KR" sz="1400" b="0" i="0" u="none" strike="noStrike" cap="none" normalizeH="0" baseline="0" dirty="0" smtClean="0">
+                <a:ln>
+                  <a:noFill/>
+                </a:ln>
+                <a:solidFill>
+                  <a:srgbClr val="24292E"/>
+                </a:solidFill>
+                <a:effectLst/>
+                <a:latin typeface="Arial Unicode MS"/>
+                <a:ea typeface="Fira Mono"/>
+              </a:rPr>
+              <a:t>(</a:t>
+            </a:r>
+            <a:r>
+              <a:rPr kumimoji="0" lang="ko-KR" altLang="ko-KR" sz="1400" b="0" i="0" u="none" strike="noStrike" cap="none" normalizeH="0" baseline="0" dirty="0" smtClean="0">
+                <a:ln>
+                  <a:noFill/>
+                </a:ln>
+                <a:solidFill>
+                  <a:srgbClr val="A626A4"/>
+                </a:solidFill>
+                <a:effectLst/>
+                <a:latin typeface="Arial Unicode MS"/>
+                <a:ea typeface="Fira Mono"/>
+              </a:rPr>
+              <a:t>let</a:t>
+            </a:r>
+            <a:r>
+              <a:rPr kumimoji="0" lang="ko-KR" altLang="ko-KR" sz="1400" b="0" i="0" u="none" strike="noStrike" cap="none" normalizeH="0" baseline="0" dirty="0" smtClean="0">
+                <a:ln>
+                  <a:noFill/>
+                </a:ln>
+                <a:solidFill>
+                  <a:srgbClr val="24292E"/>
+                </a:solidFill>
+                <a:effectLst/>
+                <a:latin typeface="Arial Unicode MS"/>
+                <a:ea typeface="Fira Mono"/>
+              </a:rPr>
+              <a:t> i </a:t>
+            </a:r>
+            <a:r>
+              <a:rPr kumimoji="0" lang="ko-KR" altLang="ko-KR" sz="1400" b="0" i="0" u="none" strike="noStrike" cap="none" normalizeH="0" baseline="0" dirty="0" smtClean="0">
+                <a:ln>
+                  <a:noFill/>
+                </a:ln>
+                <a:solidFill>
+                  <a:srgbClr val="0184BC"/>
+                </a:solidFill>
+                <a:effectLst/>
+                <a:latin typeface="Arial Unicode MS"/>
+                <a:ea typeface="Fira Mono"/>
+              </a:rPr>
+              <a:t>=</a:t>
+            </a:r>
+            <a:r>
+              <a:rPr kumimoji="0" lang="ko-KR" altLang="ko-KR" sz="1400" b="0" i="0" u="none" strike="noStrike" cap="none" normalizeH="0" baseline="0" dirty="0" smtClean="0">
+                <a:ln>
+                  <a:noFill/>
+                </a:ln>
+                <a:solidFill>
+                  <a:srgbClr val="24292E"/>
+                </a:solidFill>
+                <a:effectLst/>
+                <a:latin typeface="Arial Unicode MS"/>
+                <a:ea typeface="Fira Mono"/>
+              </a:rPr>
+              <a:t> </a:t>
+            </a:r>
+            <a:r>
+              <a:rPr kumimoji="0" lang="ko-KR" altLang="ko-KR" sz="1400" b="0" i="0" u="none" strike="noStrike" cap="none" normalizeH="0" baseline="0" dirty="0" smtClean="0">
+                <a:ln>
+                  <a:noFill/>
+                </a:ln>
+                <a:solidFill>
+                  <a:srgbClr val="986801"/>
+                </a:solidFill>
+                <a:effectLst/>
+                <a:latin typeface="Arial Unicode MS"/>
+                <a:ea typeface="Fira Mono"/>
+              </a:rPr>
+              <a:t>0</a:t>
+            </a:r>
+            <a:r>
+              <a:rPr kumimoji="0" lang="ko-KR" altLang="ko-KR" sz="1400" b="0" i="0" u="none" strike="noStrike" cap="none" normalizeH="0" baseline="0" dirty="0" smtClean="0">
+                <a:ln>
+                  <a:noFill/>
+                </a:ln>
+                <a:solidFill>
+                  <a:srgbClr val="24292E"/>
+                </a:solidFill>
+                <a:effectLst/>
+                <a:latin typeface="Arial Unicode MS"/>
+                <a:ea typeface="Fira Mono"/>
+              </a:rPr>
+              <a:t>; i </a:t>
+            </a:r>
+            <a:r>
+              <a:rPr kumimoji="0" lang="ko-KR" altLang="ko-KR" sz="1400" b="0" i="0" u="none" strike="noStrike" cap="none" normalizeH="0" baseline="0" dirty="0" smtClean="0">
+                <a:ln>
+                  <a:noFill/>
+                </a:ln>
+                <a:solidFill>
+                  <a:srgbClr val="0184BC"/>
+                </a:solidFill>
+                <a:effectLst/>
+                <a:latin typeface="Arial Unicode MS"/>
+                <a:ea typeface="Fira Mono"/>
+              </a:rPr>
+              <a:t>&lt;</a:t>
+            </a:r>
+            <a:r>
+              <a:rPr kumimoji="0" lang="ko-KR" altLang="ko-KR" sz="1400" b="0" i="0" u="none" strike="noStrike" cap="none" normalizeH="0" baseline="0" dirty="0" smtClean="0">
+                <a:ln>
+                  <a:noFill/>
+                </a:ln>
+                <a:solidFill>
+                  <a:srgbClr val="24292E"/>
+                </a:solidFill>
+                <a:effectLst/>
+                <a:latin typeface="Arial Unicode MS"/>
+                <a:ea typeface="Fira Mono"/>
+              </a:rPr>
+              <a:t> </a:t>
+            </a:r>
+            <a:r>
+              <a:rPr kumimoji="0" lang="ko-KR" altLang="ko-KR" sz="1400" b="0" i="0" u="none" strike="noStrike" cap="none" normalizeH="0" baseline="0" dirty="0" smtClean="0">
+                <a:ln>
+                  <a:noFill/>
+                </a:ln>
+                <a:solidFill>
+                  <a:srgbClr val="986801"/>
+                </a:solidFill>
+                <a:effectLst/>
+                <a:latin typeface="Arial Unicode MS"/>
+                <a:ea typeface="Fira Mono"/>
+              </a:rPr>
+              <a:t>10</a:t>
+            </a:r>
+            <a:r>
+              <a:rPr kumimoji="0" lang="ko-KR" altLang="ko-KR" sz="1400" b="0" i="0" u="none" strike="noStrike" cap="none" normalizeH="0" baseline="0" dirty="0" smtClean="0">
+                <a:ln>
+                  <a:noFill/>
+                </a:ln>
+                <a:solidFill>
+                  <a:srgbClr val="24292E"/>
+                </a:solidFill>
+                <a:effectLst/>
+                <a:latin typeface="Arial Unicode MS"/>
+                <a:ea typeface="Fira Mono"/>
+              </a:rPr>
+              <a:t>; i</a:t>
+            </a:r>
+            <a:r>
+              <a:rPr kumimoji="0" lang="ko-KR" altLang="ko-KR" sz="1400" b="0" i="0" u="none" strike="noStrike" cap="none" normalizeH="0" baseline="0" dirty="0" smtClean="0">
+                <a:ln>
+                  <a:noFill/>
+                </a:ln>
+                <a:solidFill>
+                  <a:srgbClr val="0184BC"/>
+                </a:solidFill>
+                <a:effectLst/>
+                <a:latin typeface="Arial Unicode MS"/>
+                <a:ea typeface="Fira Mono"/>
+              </a:rPr>
+              <a:t>++</a:t>
+            </a:r>
+            <a:r>
+              <a:rPr kumimoji="0" lang="ko-KR" altLang="ko-KR" sz="1400" b="0" i="0" u="none" strike="noStrike" cap="none" normalizeH="0" baseline="0" dirty="0" smtClean="0">
+                <a:ln>
+                  <a:noFill/>
+                </a:ln>
+                <a:solidFill>
+                  <a:srgbClr val="24292E"/>
+                </a:solidFill>
+                <a:effectLst/>
+                <a:latin typeface="Arial Unicode MS"/>
+                <a:ea typeface="Fira Mono"/>
+              </a:rPr>
+              <a:t>) { num</a:t>
+            </a:r>
+            <a:r>
+              <a:rPr kumimoji="0" lang="ko-KR" altLang="ko-KR" sz="1400" b="0" i="0" u="none" strike="noStrike" cap="none" normalizeH="0" baseline="0" dirty="0" smtClean="0">
+                <a:ln>
+                  <a:noFill/>
+                </a:ln>
+                <a:solidFill>
+                  <a:srgbClr val="0184BC"/>
+                </a:solidFill>
+                <a:effectLst/>
+                <a:latin typeface="Arial Unicode MS"/>
+                <a:ea typeface="Fira Mono"/>
+              </a:rPr>
+              <a:t>++</a:t>
+            </a:r>
+            <a:r>
+              <a:rPr kumimoji="0" lang="ko-KR" altLang="ko-KR" sz="1400" b="0" i="0" u="none" strike="noStrike" cap="none" normalizeH="0" baseline="0" dirty="0" smtClean="0">
+                <a:ln>
+                  <a:noFill/>
+                </a:ln>
+                <a:solidFill>
+                  <a:srgbClr val="24292E"/>
+                </a:solidFill>
+                <a:effectLst/>
+                <a:latin typeface="Arial Unicode MS"/>
+                <a:ea typeface="Fira Mono"/>
+              </a:rPr>
+              <a:t>; } </a:t>
+            </a:r>
+            <a:r>
+              <a:rPr kumimoji="0" lang="ko-KR" altLang="ko-KR" sz="1400" b="0" i="0" u="none" strike="noStrike" cap="none" normalizeH="0" baseline="0" dirty="0" smtClean="0">
+                <a:ln>
+                  <a:noFill/>
+                </a:ln>
+                <a:solidFill>
+                  <a:srgbClr val="A626A4"/>
+                </a:solidFill>
+                <a:effectLst/>
+                <a:latin typeface="Arial Unicode MS"/>
+                <a:ea typeface="Fira Mono"/>
+              </a:rPr>
+              <a:t>return</a:t>
+            </a:r>
+            <a:r>
+              <a:rPr kumimoji="0" lang="ko-KR" altLang="ko-KR" sz="1400" b="0" i="0" u="none" strike="noStrike" cap="none" normalizeH="0" baseline="0" dirty="0" smtClean="0">
+                <a:ln>
+                  <a:noFill/>
+                </a:ln>
+                <a:solidFill>
+                  <a:srgbClr val="24292E"/>
+                </a:solidFill>
+                <a:effectLst/>
+                <a:latin typeface="Arial Unicode MS"/>
+                <a:ea typeface="Fira Mono"/>
+              </a:rPr>
+              <a:t> num; };</a:t>
+            </a:r>
+            <a:endParaRPr lang="en-US" altLang="ko-KR" sz="1400" dirty="0">
+              <a:solidFill>
+                <a:srgbClr val="24292E"/>
+              </a:solidFill>
+              <a:latin typeface="Arial Unicode MS"/>
+              <a:ea typeface="Fira Mono"/>
+            </a:endParaRPr>
+          </a:p>
+          <a:p>
+            <a:pPr marL="0" marR="0" lvl="0" indent="0" algn="l" defTabSz="914400" rtl="0" eaLnBrk="0" fontAlgn="base" latinLnBrk="0" hangingPunct="0">
+              <a:lnSpc>
+                <a:spcPct val="100000"/>
+              </a:lnSpc>
+              <a:spcBef>
+                <a:spcPct val="0"/>
+              </a:spcBef>
+              <a:spcAft>
+                <a:spcPct val="0"/>
+              </a:spcAft>
+              <a:buClrTx/>
+              <a:buSzTx/>
+              <a:buFontTx/>
+              <a:buNone/>
+              <a:tabLst/>
+            </a:pPr>
+            <a:r>
+              <a:rPr kumimoji="0" lang="ko-KR" altLang="ko-KR" sz="1400" b="0" i="0" u="none" strike="noStrike" cap="none" normalizeH="0" baseline="0" dirty="0" smtClean="0">
+                <a:ln>
+                  <a:noFill/>
+                </a:ln>
+                <a:solidFill>
+                  <a:srgbClr val="A626A4"/>
+                </a:solidFill>
+                <a:effectLst/>
+                <a:latin typeface="Arial Unicode MS"/>
+                <a:ea typeface="Fira Mono"/>
+              </a:rPr>
+              <a:t>const</a:t>
+            </a:r>
+            <a:r>
+              <a:rPr kumimoji="0" lang="ko-KR" altLang="ko-KR" sz="1400" b="0" i="0" u="none" strike="noStrike" cap="none" normalizeH="0" baseline="0" dirty="0" smtClean="0">
+                <a:ln>
+                  <a:noFill/>
+                </a:ln>
+                <a:solidFill>
+                  <a:srgbClr val="24292E"/>
+                </a:solidFill>
+                <a:effectLst/>
+                <a:latin typeface="Arial Unicode MS"/>
+                <a:ea typeface="Fira Mono"/>
+              </a:rPr>
+              <a:t> </a:t>
+            </a:r>
+            <a:r>
+              <a:rPr kumimoji="0" lang="ko-KR" altLang="ko-KR" sz="1400" b="0" i="0" u="none" strike="noStrike" cap="none" normalizeH="0" baseline="0" dirty="0" smtClean="0">
+                <a:ln>
+                  <a:noFill/>
+                </a:ln>
+                <a:solidFill>
+                  <a:srgbClr val="005CC5"/>
+                </a:solidFill>
+                <a:effectLst/>
+                <a:latin typeface="Arial Unicode MS"/>
+                <a:ea typeface="Fira Mono"/>
+              </a:rPr>
+              <a:t>func2</a:t>
+            </a:r>
+            <a:r>
+              <a:rPr kumimoji="0" lang="ko-KR" altLang="ko-KR" sz="1400" b="0" i="0" u="none" strike="noStrike" cap="none" normalizeH="0" baseline="0" dirty="0" smtClean="0">
+                <a:ln>
+                  <a:noFill/>
+                </a:ln>
+                <a:solidFill>
+                  <a:srgbClr val="24292E"/>
+                </a:solidFill>
+                <a:effectLst/>
+                <a:latin typeface="Arial Unicode MS"/>
+                <a:ea typeface="Fira Mono"/>
+              </a:rPr>
+              <a:t> </a:t>
+            </a:r>
+            <a:r>
+              <a:rPr kumimoji="0" lang="ko-KR" altLang="ko-KR" sz="1400" b="0" i="0" u="none" strike="noStrike" cap="none" normalizeH="0" baseline="0" dirty="0" smtClean="0">
+                <a:ln>
+                  <a:noFill/>
+                </a:ln>
+                <a:solidFill>
+                  <a:srgbClr val="0184BC"/>
+                </a:solidFill>
+                <a:effectLst/>
+                <a:latin typeface="Arial Unicode MS"/>
+                <a:ea typeface="Fira Mono"/>
+              </a:rPr>
+              <a:t>=</a:t>
+            </a:r>
+            <a:r>
+              <a:rPr kumimoji="0" lang="ko-KR" altLang="ko-KR" sz="1400" b="0" i="0" u="none" strike="noStrike" cap="none" normalizeH="0" baseline="0" dirty="0" smtClean="0">
+                <a:ln>
+                  <a:noFill/>
+                </a:ln>
+                <a:solidFill>
+                  <a:srgbClr val="24292E"/>
+                </a:solidFill>
+                <a:effectLst/>
+                <a:latin typeface="Arial Unicode MS"/>
+                <a:ea typeface="Fira Mono"/>
+              </a:rPr>
+              <a:t> num </a:t>
+            </a:r>
+            <a:r>
+              <a:rPr kumimoji="0" lang="ko-KR" altLang="ko-KR" sz="1400" b="0" i="0" u="none" strike="noStrike" cap="none" normalizeH="0" baseline="0" dirty="0" smtClean="0">
+                <a:ln>
+                  <a:noFill/>
+                </a:ln>
+                <a:solidFill>
+                  <a:srgbClr val="0184BC"/>
+                </a:solidFill>
+                <a:effectLst/>
+                <a:latin typeface="Arial Unicode MS"/>
+                <a:ea typeface="Fira Mono"/>
+              </a:rPr>
+              <a:t>=&gt;</a:t>
+            </a:r>
+            <a:r>
+              <a:rPr kumimoji="0" lang="ko-KR" altLang="ko-KR" sz="1400" b="0" i="0" u="none" strike="noStrike" cap="none" normalizeH="0" baseline="0" dirty="0" smtClean="0">
+                <a:ln>
+                  <a:noFill/>
+                </a:ln>
+                <a:solidFill>
+                  <a:srgbClr val="24292E"/>
+                </a:solidFill>
+                <a:effectLst/>
+                <a:latin typeface="Arial Unicode MS"/>
+                <a:ea typeface="Fira Mono"/>
+              </a:rPr>
+              <a:t> { </a:t>
+            </a:r>
+            <a:r>
+              <a:rPr kumimoji="0" lang="ko-KR" altLang="ko-KR" sz="1400" b="0" i="0" u="none" strike="noStrike" cap="none" normalizeH="0" baseline="0" dirty="0" smtClean="0">
+                <a:ln>
+                  <a:noFill/>
+                </a:ln>
+                <a:solidFill>
+                  <a:srgbClr val="969896"/>
+                </a:solidFill>
+                <a:effectLst/>
+                <a:latin typeface="Arial Unicode MS"/>
+                <a:ea typeface="Fira Mono"/>
+              </a:rPr>
+              <a:t>// 함수의 매개변수에 괄호 생략 가능</a:t>
+            </a:r>
+            <a:endParaRPr kumimoji="0" lang="en-US" altLang="ko-KR" sz="1400" b="0" i="0" u="none" strike="noStrike" cap="none" normalizeH="0" baseline="0" dirty="0" smtClean="0">
+              <a:ln>
+                <a:noFill/>
+              </a:ln>
+              <a:solidFill>
+                <a:srgbClr val="969896"/>
+              </a:solidFill>
+              <a:effectLst/>
+              <a:latin typeface="Arial Unicode MS"/>
+              <a:ea typeface="Fira Mono"/>
+            </a:endParaRPr>
+          </a:p>
+          <a:p>
+            <a:pPr marL="0" marR="0" lvl="0" indent="0" algn="l" defTabSz="914400" rtl="0" eaLnBrk="0" fontAlgn="base" latinLnBrk="0" hangingPunct="0">
+              <a:lnSpc>
+                <a:spcPct val="100000"/>
+              </a:lnSpc>
+              <a:spcBef>
+                <a:spcPct val="0"/>
+              </a:spcBef>
+              <a:spcAft>
+                <a:spcPct val="0"/>
+              </a:spcAft>
+              <a:buClrTx/>
+              <a:buSzTx/>
+              <a:buFontTx/>
+              <a:buNone/>
+              <a:tabLst/>
+            </a:pPr>
+            <a:r>
+              <a:rPr kumimoji="0" lang="ko-KR" altLang="ko-KR" sz="1400" b="0" i="0" u="none" strike="noStrike" cap="none" normalizeH="0" baseline="0" dirty="0" smtClean="0">
+                <a:ln>
+                  <a:noFill/>
+                </a:ln>
+                <a:solidFill>
+                  <a:srgbClr val="A626A4"/>
+                </a:solidFill>
+                <a:effectLst/>
+                <a:latin typeface="Arial Unicode MS"/>
+                <a:ea typeface="Fira Mono"/>
+              </a:rPr>
+              <a:t>for</a:t>
+            </a:r>
+            <a:r>
+              <a:rPr kumimoji="0" lang="ko-KR" altLang="ko-KR" sz="1400" b="0" i="0" u="none" strike="noStrike" cap="none" normalizeH="0" baseline="0" dirty="0" smtClean="0">
+                <a:ln>
+                  <a:noFill/>
+                </a:ln>
+                <a:solidFill>
+                  <a:srgbClr val="24292E"/>
+                </a:solidFill>
+                <a:effectLst/>
+                <a:latin typeface="Arial Unicode MS"/>
+                <a:ea typeface="Fira Mono"/>
+              </a:rPr>
+              <a:t>(</a:t>
+            </a:r>
+            <a:r>
+              <a:rPr kumimoji="0" lang="ko-KR" altLang="ko-KR" sz="1400" b="0" i="0" u="none" strike="noStrike" cap="none" normalizeH="0" baseline="0" dirty="0" smtClean="0">
+                <a:ln>
+                  <a:noFill/>
+                </a:ln>
+                <a:solidFill>
+                  <a:srgbClr val="A626A4"/>
+                </a:solidFill>
+                <a:effectLst/>
+                <a:latin typeface="Arial Unicode MS"/>
+                <a:ea typeface="Fira Mono"/>
+              </a:rPr>
+              <a:t>let</a:t>
+            </a:r>
+            <a:r>
+              <a:rPr kumimoji="0" lang="ko-KR" altLang="ko-KR" sz="1400" b="0" i="0" u="none" strike="noStrike" cap="none" normalizeH="0" baseline="0" dirty="0" smtClean="0">
+                <a:ln>
+                  <a:noFill/>
+                </a:ln>
+                <a:solidFill>
+                  <a:srgbClr val="24292E"/>
+                </a:solidFill>
+                <a:effectLst/>
+                <a:latin typeface="Arial Unicode MS"/>
+                <a:ea typeface="Fira Mono"/>
+              </a:rPr>
+              <a:t> i </a:t>
+            </a:r>
+            <a:r>
+              <a:rPr kumimoji="0" lang="ko-KR" altLang="ko-KR" sz="1400" b="0" i="0" u="none" strike="noStrike" cap="none" normalizeH="0" baseline="0" dirty="0" smtClean="0">
+                <a:ln>
+                  <a:noFill/>
+                </a:ln>
+                <a:solidFill>
+                  <a:srgbClr val="0184BC"/>
+                </a:solidFill>
+                <a:effectLst/>
+                <a:latin typeface="Arial Unicode MS"/>
+                <a:ea typeface="Fira Mono"/>
+              </a:rPr>
+              <a:t>=</a:t>
+            </a:r>
+            <a:r>
+              <a:rPr kumimoji="0" lang="ko-KR" altLang="ko-KR" sz="1400" b="0" i="0" u="none" strike="noStrike" cap="none" normalizeH="0" baseline="0" dirty="0" smtClean="0">
+                <a:ln>
+                  <a:noFill/>
+                </a:ln>
+                <a:solidFill>
+                  <a:srgbClr val="24292E"/>
+                </a:solidFill>
+                <a:effectLst/>
+                <a:latin typeface="Arial Unicode MS"/>
+                <a:ea typeface="Fira Mono"/>
+              </a:rPr>
+              <a:t> </a:t>
+            </a:r>
+            <a:r>
+              <a:rPr kumimoji="0" lang="ko-KR" altLang="ko-KR" sz="1400" b="0" i="0" u="none" strike="noStrike" cap="none" normalizeH="0" baseline="0" dirty="0" smtClean="0">
+                <a:ln>
+                  <a:noFill/>
+                </a:ln>
+                <a:solidFill>
+                  <a:srgbClr val="986801"/>
+                </a:solidFill>
+                <a:effectLst/>
+                <a:latin typeface="Arial Unicode MS"/>
+                <a:ea typeface="Fira Mono"/>
+              </a:rPr>
+              <a:t>0</a:t>
+            </a:r>
+            <a:r>
+              <a:rPr kumimoji="0" lang="ko-KR" altLang="ko-KR" sz="1400" b="0" i="0" u="none" strike="noStrike" cap="none" normalizeH="0" baseline="0" dirty="0" smtClean="0">
+                <a:ln>
+                  <a:noFill/>
+                </a:ln>
+                <a:solidFill>
+                  <a:srgbClr val="24292E"/>
+                </a:solidFill>
+                <a:effectLst/>
+                <a:latin typeface="Arial Unicode MS"/>
+                <a:ea typeface="Fira Mono"/>
+              </a:rPr>
+              <a:t>; i </a:t>
+            </a:r>
+            <a:r>
+              <a:rPr kumimoji="0" lang="ko-KR" altLang="ko-KR" sz="1400" b="0" i="0" u="none" strike="noStrike" cap="none" normalizeH="0" baseline="0" dirty="0" smtClean="0">
+                <a:ln>
+                  <a:noFill/>
+                </a:ln>
+                <a:solidFill>
+                  <a:srgbClr val="0184BC"/>
+                </a:solidFill>
+                <a:effectLst/>
+                <a:latin typeface="Arial Unicode MS"/>
+                <a:ea typeface="Fira Mono"/>
+              </a:rPr>
+              <a:t>&lt;</a:t>
+            </a:r>
+            <a:r>
+              <a:rPr kumimoji="0" lang="ko-KR" altLang="ko-KR" sz="1400" b="0" i="0" u="none" strike="noStrike" cap="none" normalizeH="0" baseline="0" dirty="0" smtClean="0">
+                <a:ln>
+                  <a:noFill/>
+                </a:ln>
+                <a:solidFill>
+                  <a:srgbClr val="24292E"/>
+                </a:solidFill>
+                <a:effectLst/>
+                <a:latin typeface="Arial Unicode MS"/>
+                <a:ea typeface="Fira Mono"/>
+              </a:rPr>
+              <a:t> </a:t>
+            </a:r>
+            <a:r>
+              <a:rPr kumimoji="0" lang="ko-KR" altLang="ko-KR" sz="1400" b="0" i="0" u="none" strike="noStrike" cap="none" normalizeH="0" baseline="0" dirty="0" smtClean="0">
+                <a:ln>
+                  <a:noFill/>
+                </a:ln>
+                <a:solidFill>
+                  <a:srgbClr val="986801"/>
+                </a:solidFill>
+                <a:effectLst/>
+                <a:latin typeface="Arial Unicode MS"/>
+                <a:ea typeface="Fira Mono"/>
+              </a:rPr>
+              <a:t>10</a:t>
+            </a:r>
+            <a:r>
+              <a:rPr kumimoji="0" lang="ko-KR" altLang="ko-KR" sz="1400" b="0" i="0" u="none" strike="noStrike" cap="none" normalizeH="0" baseline="0" dirty="0" smtClean="0">
+                <a:ln>
+                  <a:noFill/>
+                </a:ln>
+                <a:solidFill>
+                  <a:srgbClr val="24292E"/>
+                </a:solidFill>
+                <a:effectLst/>
+                <a:latin typeface="Arial Unicode MS"/>
+                <a:ea typeface="Fira Mono"/>
+              </a:rPr>
+              <a:t>; i</a:t>
+            </a:r>
+            <a:r>
+              <a:rPr kumimoji="0" lang="ko-KR" altLang="ko-KR" sz="1400" b="0" i="0" u="none" strike="noStrike" cap="none" normalizeH="0" baseline="0" dirty="0" smtClean="0">
+                <a:ln>
+                  <a:noFill/>
+                </a:ln>
+                <a:solidFill>
+                  <a:srgbClr val="0184BC"/>
+                </a:solidFill>
+                <a:effectLst/>
+                <a:latin typeface="Arial Unicode MS"/>
+                <a:ea typeface="Fira Mono"/>
+              </a:rPr>
+              <a:t>++</a:t>
+            </a:r>
+            <a:r>
+              <a:rPr kumimoji="0" lang="ko-KR" altLang="ko-KR" sz="1400" b="0" i="0" u="none" strike="noStrike" cap="none" normalizeH="0" baseline="0" dirty="0" smtClean="0">
+                <a:ln>
+                  <a:noFill/>
+                </a:ln>
+                <a:solidFill>
+                  <a:srgbClr val="24292E"/>
+                </a:solidFill>
+                <a:effectLst/>
+                <a:latin typeface="Arial Unicode MS"/>
+                <a:ea typeface="Fira Mono"/>
+              </a:rPr>
+              <a:t>) { num</a:t>
+            </a:r>
+            <a:r>
+              <a:rPr kumimoji="0" lang="ko-KR" altLang="ko-KR" sz="1400" b="0" i="0" u="none" strike="noStrike" cap="none" normalizeH="0" baseline="0" dirty="0" smtClean="0">
+                <a:ln>
+                  <a:noFill/>
+                </a:ln>
+                <a:solidFill>
+                  <a:srgbClr val="0184BC"/>
+                </a:solidFill>
+                <a:effectLst/>
+                <a:latin typeface="Arial Unicode MS"/>
+                <a:ea typeface="Fira Mono"/>
+              </a:rPr>
+              <a:t>++</a:t>
+            </a:r>
+            <a:r>
+              <a:rPr kumimoji="0" lang="ko-KR" altLang="ko-KR" sz="1400" b="0" i="0" u="none" strike="noStrike" cap="none" normalizeH="0" baseline="0" dirty="0" smtClean="0">
+                <a:ln>
+                  <a:noFill/>
+                </a:ln>
+                <a:solidFill>
+                  <a:srgbClr val="24292E"/>
+                </a:solidFill>
+                <a:effectLst/>
+                <a:latin typeface="Arial Unicode MS"/>
+                <a:ea typeface="Fira Mono"/>
+              </a:rPr>
+              <a:t>; } </a:t>
+            </a:r>
+            <a:r>
+              <a:rPr kumimoji="0" lang="ko-KR" altLang="ko-KR" sz="1400" b="0" i="0" u="none" strike="noStrike" cap="none" normalizeH="0" baseline="0" dirty="0" smtClean="0">
+                <a:ln>
+                  <a:noFill/>
+                </a:ln>
+                <a:solidFill>
+                  <a:srgbClr val="A626A4"/>
+                </a:solidFill>
+                <a:effectLst/>
+                <a:latin typeface="Arial Unicode MS"/>
+                <a:ea typeface="Fira Mono"/>
+              </a:rPr>
+              <a:t>return</a:t>
+            </a:r>
+            <a:r>
+              <a:rPr kumimoji="0" lang="ko-KR" altLang="ko-KR" sz="1400" b="0" i="0" u="none" strike="noStrike" cap="none" normalizeH="0" baseline="0" dirty="0" smtClean="0">
+                <a:ln>
+                  <a:noFill/>
+                </a:ln>
+                <a:solidFill>
+                  <a:srgbClr val="24292E"/>
+                </a:solidFill>
+                <a:effectLst/>
+                <a:latin typeface="Arial Unicode MS"/>
+                <a:ea typeface="Fira Mono"/>
+              </a:rPr>
+              <a:t> num; };</a:t>
+            </a:r>
+            <a:endParaRPr lang="en-US" altLang="ko-KR" sz="1400" dirty="0">
+              <a:solidFill>
+                <a:srgbClr val="24292E"/>
+              </a:solidFill>
+              <a:latin typeface="Arial Unicode MS"/>
+              <a:ea typeface="Fira Mono"/>
+            </a:endParaRPr>
+          </a:p>
+          <a:p>
+            <a:pPr marL="0" marR="0" lvl="0" indent="0" algn="l" defTabSz="914400" rtl="0" eaLnBrk="0" fontAlgn="base" latinLnBrk="0" hangingPunct="0">
+              <a:lnSpc>
+                <a:spcPct val="100000"/>
+              </a:lnSpc>
+              <a:spcBef>
+                <a:spcPct val="0"/>
+              </a:spcBef>
+              <a:spcAft>
+                <a:spcPct val="0"/>
+              </a:spcAft>
+              <a:buClrTx/>
+              <a:buSzTx/>
+              <a:buFontTx/>
+              <a:buNone/>
+              <a:tabLst/>
+            </a:pPr>
+            <a:endParaRPr kumimoji="0" lang="en-US" altLang="ko-KR" sz="1400" b="0" i="0" u="none" strike="noStrike" cap="none" normalizeH="0" baseline="0" dirty="0" smtClean="0">
+              <a:ln>
+                <a:noFill/>
+              </a:ln>
+              <a:solidFill>
+                <a:srgbClr val="24292E"/>
+              </a:solidFill>
+              <a:effectLst/>
+              <a:latin typeface="Arial Unicode MS"/>
+              <a:ea typeface="Fira Mono"/>
+            </a:endParaRPr>
+          </a:p>
+          <a:p>
+            <a:pPr marL="0" marR="0" lvl="0" indent="0" algn="l" defTabSz="914400" rtl="0" eaLnBrk="0" fontAlgn="base" latinLnBrk="0" hangingPunct="0">
+              <a:lnSpc>
+                <a:spcPct val="100000"/>
+              </a:lnSpc>
+              <a:spcBef>
+                <a:spcPct val="0"/>
+              </a:spcBef>
+              <a:spcAft>
+                <a:spcPct val="0"/>
+              </a:spcAft>
+              <a:buClrTx/>
+              <a:buSzTx/>
+              <a:buFontTx/>
+              <a:buNone/>
+              <a:tabLst/>
+            </a:pPr>
+            <a:r>
+              <a:rPr kumimoji="0" lang="ko-KR" altLang="ko-KR" sz="1400" b="0" i="0" u="none" strike="noStrike" cap="none" normalizeH="0" baseline="0" dirty="0" smtClean="0">
+                <a:ln>
+                  <a:noFill/>
+                </a:ln>
+                <a:solidFill>
+                  <a:srgbClr val="A626A4"/>
+                </a:solidFill>
+                <a:effectLst/>
+                <a:latin typeface="Arial Unicode MS"/>
+                <a:ea typeface="Fira Mono"/>
+              </a:rPr>
+              <a:t>const</a:t>
+            </a:r>
+            <a:r>
+              <a:rPr kumimoji="0" lang="ko-KR" altLang="ko-KR" sz="1400" b="0" i="0" u="none" strike="noStrike" cap="none" normalizeH="0" baseline="0" dirty="0" smtClean="0">
+                <a:ln>
+                  <a:noFill/>
+                </a:ln>
+                <a:solidFill>
+                  <a:srgbClr val="24292E"/>
+                </a:solidFill>
+                <a:effectLst/>
+                <a:latin typeface="Arial Unicode MS"/>
+                <a:ea typeface="Fira Mono"/>
+              </a:rPr>
+              <a:t> </a:t>
+            </a:r>
+            <a:r>
+              <a:rPr kumimoji="0" lang="ko-KR" altLang="ko-KR" sz="1400" b="0" i="0" u="none" strike="noStrike" cap="none" normalizeH="0" baseline="0" dirty="0" smtClean="0">
+                <a:ln>
+                  <a:noFill/>
+                </a:ln>
+                <a:solidFill>
+                  <a:srgbClr val="005CC5"/>
+                </a:solidFill>
+                <a:effectLst/>
+                <a:latin typeface="Arial Unicode MS"/>
+                <a:ea typeface="Fira Mono"/>
+              </a:rPr>
+              <a:t>func3</a:t>
+            </a:r>
+            <a:r>
+              <a:rPr kumimoji="0" lang="ko-KR" altLang="ko-KR" sz="1400" b="0" i="0" u="none" strike="noStrike" cap="none" normalizeH="0" baseline="0" dirty="0" smtClean="0">
+                <a:ln>
+                  <a:noFill/>
+                </a:ln>
+                <a:solidFill>
+                  <a:srgbClr val="24292E"/>
+                </a:solidFill>
+                <a:effectLst/>
+                <a:latin typeface="Arial Unicode MS"/>
+                <a:ea typeface="Fira Mono"/>
+              </a:rPr>
+              <a:t> </a:t>
+            </a:r>
+            <a:r>
+              <a:rPr kumimoji="0" lang="ko-KR" altLang="ko-KR" sz="1400" b="0" i="0" u="none" strike="noStrike" cap="none" normalizeH="0" baseline="0" dirty="0" smtClean="0">
+                <a:ln>
+                  <a:noFill/>
+                </a:ln>
+                <a:solidFill>
+                  <a:srgbClr val="0184BC"/>
+                </a:solidFill>
+                <a:effectLst/>
+                <a:latin typeface="Arial Unicode MS"/>
+                <a:ea typeface="Fira Mono"/>
+              </a:rPr>
+              <a:t>=</a:t>
+            </a:r>
+            <a:r>
+              <a:rPr kumimoji="0" lang="ko-KR" altLang="ko-KR" sz="1400" b="0" i="0" u="none" strike="noStrike" cap="none" normalizeH="0" baseline="0" dirty="0" smtClean="0">
+                <a:ln>
+                  <a:noFill/>
+                </a:ln>
+                <a:solidFill>
+                  <a:srgbClr val="24292E"/>
+                </a:solidFill>
+                <a:effectLst/>
+                <a:latin typeface="Arial Unicode MS"/>
+                <a:ea typeface="Fira Mono"/>
+              </a:rPr>
+              <a:t> </a:t>
+            </a:r>
+            <a:r>
+              <a:rPr kumimoji="0" lang="ko-KR" altLang="ko-KR" sz="1400" b="0" i="0" u="none" strike="noStrike" cap="none" normalizeH="0" baseline="0" dirty="0" smtClean="0">
+                <a:ln>
+                  <a:noFill/>
+                </a:ln>
+                <a:solidFill>
+                  <a:srgbClr val="A626A4"/>
+                </a:solidFill>
+                <a:effectLst/>
+                <a:latin typeface="Arial Unicode MS"/>
+                <a:ea typeface="Fira Mono"/>
+              </a:rPr>
+              <a:t>function</a:t>
+            </a:r>
+            <a:r>
+              <a:rPr kumimoji="0" lang="ko-KR" altLang="ko-KR" sz="1400" b="0" i="0" u="none" strike="noStrike" cap="none" normalizeH="0" baseline="0" dirty="0" smtClean="0">
+                <a:ln>
+                  <a:noFill/>
+                </a:ln>
+                <a:solidFill>
+                  <a:srgbClr val="24292E"/>
+                </a:solidFill>
+                <a:effectLst/>
+                <a:latin typeface="Arial Unicode MS"/>
+                <a:ea typeface="Fira Mono"/>
+              </a:rPr>
+              <a:t> (num) { </a:t>
+            </a:r>
+            <a:r>
+              <a:rPr kumimoji="0" lang="ko-KR" altLang="ko-KR" sz="1400" b="0" i="0" u="none" strike="noStrike" cap="none" normalizeH="0" baseline="0" dirty="0" smtClean="0">
+                <a:ln>
+                  <a:noFill/>
+                </a:ln>
+                <a:solidFill>
+                  <a:srgbClr val="A626A4"/>
+                </a:solidFill>
+                <a:effectLst/>
+                <a:latin typeface="Arial Unicode MS"/>
+                <a:ea typeface="Fira Mono"/>
+              </a:rPr>
+              <a:t>return</a:t>
+            </a:r>
+            <a:r>
+              <a:rPr kumimoji="0" lang="ko-KR" altLang="ko-KR" sz="1400" b="0" i="0" u="none" strike="noStrike" cap="none" normalizeH="0" baseline="0" dirty="0" smtClean="0">
+                <a:ln>
+                  <a:noFill/>
+                </a:ln>
+                <a:solidFill>
+                  <a:srgbClr val="24292E"/>
+                </a:solidFill>
+                <a:effectLst/>
+                <a:latin typeface="Arial Unicode MS"/>
+                <a:ea typeface="Fira Mono"/>
+              </a:rPr>
+              <a:t> </a:t>
+            </a:r>
+            <a:r>
+              <a:rPr kumimoji="0" lang="ko-KR" altLang="ko-KR" sz="1400" b="0" i="0" u="none" strike="noStrike" cap="none" normalizeH="0" baseline="0" dirty="0" smtClean="0">
+                <a:ln>
+                  <a:noFill/>
+                </a:ln>
+                <a:solidFill>
+                  <a:srgbClr val="50A14F"/>
+                </a:solidFill>
+                <a:effectLst/>
+                <a:latin typeface="Arial Unicode MS"/>
+                <a:ea typeface="Fira Mono"/>
+              </a:rPr>
+              <a:t>`입력된 숫자는 </a:t>
+            </a:r>
+            <a:r>
+              <a:rPr kumimoji="0" lang="ko-KR" altLang="ko-KR" sz="1400" b="0" i="0" u="none" strike="noStrike" cap="none" normalizeH="0" baseline="0" dirty="0" smtClean="0">
+                <a:ln>
+                  <a:noFill/>
+                </a:ln>
+                <a:solidFill>
+                  <a:srgbClr val="24292E"/>
+                </a:solidFill>
+                <a:effectLst/>
+                <a:latin typeface="Arial Unicode MS"/>
+                <a:ea typeface="Fira Mono"/>
+              </a:rPr>
+              <a:t>${num}</a:t>
+            </a:r>
+            <a:r>
+              <a:rPr kumimoji="0" lang="ko-KR" altLang="ko-KR" sz="1400" b="0" i="0" u="none" strike="noStrike" cap="none" normalizeH="0" baseline="0" dirty="0" smtClean="0">
+                <a:ln>
+                  <a:noFill/>
+                </a:ln>
+                <a:solidFill>
+                  <a:srgbClr val="50A14F"/>
+                </a:solidFill>
+                <a:effectLst/>
+                <a:latin typeface="Arial Unicode MS"/>
+                <a:ea typeface="Fira Mono"/>
+              </a:rPr>
+              <a:t>입니다.`</a:t>
+            </a:r>
+            <a:r>
+              <a:rPr kumimoji="0" lang="ko-KR" altLang="ko-KR" sz="1400" b="0" i="0" u="none" strike="noStrike" cap="none" normalizeH="0" baseline="0" dirty="0" smtClean="0">
+                <a:ln>
+                  <a:noFill/>
+                </a:ln>
+                <a:solidFill>
+                  <a:srgbClr val="24292E"/>
+                </a:solidFill>
+                <a:effectLst/>
+                <a:latin typeface="Arial Unicode MS"/>
+                <a:ea typeface="Fira Mono"/>
+              </a:rPr>
+              <a:t>; };</a:t>
+            </a:r>
+            <a:endParaRPr kumimoji="0" lang="en-US" altLang="ko-KR" sz="1400" b="0" i="0" u="none" strike="noStrike" cap="none" normalizeH="0" baseline="0" dirty="0" smtClean="0">
+              <a:ln>
+                <a:noFill/>
+              </a:ln>
+              <a:solidFill>
+                <a:srgbClr val="24292E"/>
+              </a:solidFill>
+              <a:effectLst/>
+              <a:latin typeface="Arial Unicode MS"/>
+              <a:ea typeface="Fira Mono"/>
+            </a:endParaRPr>
+          </a:p>
+          <a:p>
+            <a:pPr marL="0" marR="0" lvl="0" indent="0" algn="l" defTabSz="914400" rtl="0" eaLnBrk="0" fontAlgn="base" latinLnBrk="0" hangingPunct="0">
+              <a:lnSpc>
+                <a:spcPct val="100000"/>
+              </a:lnSpc>
+              <a:spcBef>
+                <a:spcPct val="0"/>
+              </a:spcBef>
+              <a:spcAft>
+                <a:spcPct val="0"/>
+              </a:spcAft>
+              <a:buClrTx/>
+              <a:buSzTx/>
+              <a:buFontTx/>
+              <a:buNone/>
+              <a:tabLst/>
+            </a:pPr>
+            <a:r>
+              <a:rPr kumimoji="0" lang="ko-KR" altLang="ko-KR" sz="1400" b="0" i="0" u="none" strike="noStrike" cap="none" normalizeH="0" baseline="0" dirty="0" smtClean="0">
+                <a:ln>
+                  <a:noFill/>
+                </a:ln>
+                <a:solidFill>
+                  <a:srgbClr val="A626A4"/>
+                </a:solidFill>
+                <a:effectLst/>
+                <a:latin typeface="Arial Unicode MS"/>
+                <a:ea typeface="Fira Mono"/>
+              </a:rPr>
+              <a:t>const</a:t>
+            </a:r>
+            <a:r>
+              <a:rPr kumimoji="0" lang="ko-KR" altLang="ko-KR" sz="1400" b="0" i="0" u="none" strike="noStrike" cap="none" normalizeH="0" baseline="0" dirty="0" smtClean="0">
+                <a:ln>
+                  <a:noFill/>
+                </a:ln>
+                <a:solidFill>
+                  <a:srgbClr val="24292E"/>
+                </a:solidFill>
+                <a:effectLst/>
+                <a:latin typeface="Arial Unicode MS"/>
+                <a:ea typeface="Fira Mono"/>
+              </a:rPr>
+              <a:t> </a:t>
+            </a:r>
+            <a:r>
+              <a:rPr kumimoji="0" lang="ko-KR" altLang="ko-KR" sz="1400" b="0" i="0" u="none" strike="noStrike" cap="none" normalizeH="0" baseline="0" dirty="0" smtClean="0">
+                <a:ln>
+                  <a:noFill/>
+                </a:ln>
+                <a:solidFill>
+                  <a:srgbClr val="005CC5"/>
+                </a:solidFill>
+                <a:effectLst/>
+                <a:latin typeface="Arial Unicode MS"/>
+                <a:ea typeface="Fira Mono"/>
+              </a:rPr>
+              <a:t>func3</a:t>
+            </a:r>
+            <a:r>
+              <a:rPr kumimoji="0" lang="ko-KR" altLang="ko-KR" sz="1400" b="0" i="0" u="none" strike="noStrike" cap="none" normalizeH="0" baseline="0" dirty="0" smtClean="0">
+                <a:ln>
+                  <a:noFill/>
+                </a:ln>
+                <a:solidFill>
+                  <a:srgbClr val="24292E"/>
+                </a:solidFill>
+                <a:effectLst/>
+                <a:latin typeface="Arial Unicode MS"/>
+                <a:ea typeface="Fira Mono"/>
+              </a:rPr>
+              <a:t> </a:t>
+            </a:r>
+            <a:r>
+              <a:rPr kumimoji="0" lang="ko-KR" altLang="ko-KR" sz="1400" b="0" i="0" u="none" strike="noStrike" cap="none" normalizeH="0" baseline="0" dirty="0" smtClean="0">
+                <a:ln>
+                  <a:noFill/>
+                </a:ln>
+                <a:solidFill>
+                  <a:srgbClr val="0184BC"/>
+                </a:solidFill>
+                <a:effectLst/>
+                <a:latin typeface="Arial Unicode MS"/>
+                <a:ea typeface="Fira Mono"/>
+              </a:rPr>
+              <a:t>=</a:t>
+            </a:r>
+            <a:r>
+              <a:rPr kumimoji="0" lang="ko-KR" altLang="ko-KR" sz="1400" b="0" i="0" u="none" strike="noStrike" cap="none" normalizeH="0" baseline="0" dirty="0" smtClean="0">
+                <a:ln>
+                  <a:noFill/>
+                </a:ln>
+                <a:solidFill>
+                  <a:srgbClr val="24292E"/>
+                </a:solidFill>
+                <a:effectLst/>
+                <a:latin typeface="Arial Unicode MS"/>
+                <a:ea typeface="Fira Mono"/>
+              </a:rPr>
+              <a:t> num </a:t>
+            </a:r>
+            <a:r>
+              <a:rPr kumimoji="0" lang="ko-KR" altLang="ko-KR" sz="1400" b="0" i="0" u="none" strike="noStrike" cap="none" normalizeH="0" baseline="0" dirty="0" smtClean="0">
+                <a:ln>
+                  <a:noFill/>
+                </a:ln>
+                <a:solidFill>
+                  <a:srgbClr val="0184BC"/>
+                </a:solidFill>
+                <a:effectLst/>
+                <a:latin typeface="Arial Unicode MS"/>
+                <a:ea typeface="Fira Mono"/>
+              </a:rPr>
+              <a:t>=&gt;</a:t>
+            </a:r>
+            <a:r>
+              <a:rPr kumimoji="0" lang="ko-KR" altLang="ko-KR" sz="1400" b="0" i="0" u="none" strike="noStrike" cap="none" normalizeH="0" baseline="0" dirty="0" smtClean="0">
+                <a:ln>
+                  <a:noFill/>
+                </a:ln>
+                <a:solidFill>
+                  <a:srgbClr val="24292E"/>
+                </a:solidFill>
+                <a:effectLst/>
+                <a:latin typeface="Arial Unicode MS"/>
+                <a:ea typeface="Fira Mono"/>
+              </a:rPr>
+              <a:t> </a:t>
+            </a:r>
+            <a:r>
+              <a:rPr kumimoji="0" lang="ko-KR" altLang="ko-KR" sz="1400" b="0" i="0" u="none" strike="noStrike" cap="none" normalizeH="0" baseline="0" dirty="0" smtClean="0">
+                <a:ln>
+                  <a:noFill/>
+                </a:ln>
+                <a:solidFill>
+                  <a:srgbClr val="50A14F"/>
+                </a:solidFill>
+                <a:effectLst/>
+                <a:latin typeface="Arial Unicode MS"/>
+                <a:ea typeface="Fira Mono"/>
+              </a:rPr>
+              <a:t>`입력된 숫자는 </a:t>
+            </a:r>
+            <a:r>
+              <a:rPr kumimoji="0" lang="ko-KR" altLang="ko-KR" sz="1400" b="0" i="0" u="none" strike="noStrike" cap="none" normalizeH="0" baseline="0" dirty="0" smtClean="0">
+                <a:ln>
+                  <a:noFill/>
+                </a:ln>
+                <a:solidFill>
+                  <a:srgbClr val="24292E"/>
+                </a:solidFill>
+                <a:effectLst/>
+                <a:latin typeface="Arial Unicode MS"/>
+                <a:ea typeface="Fira Mono"/>
+              </a:rPr>
+              <a:t>${num}</a:t>
+            </a:r>
+            <a:r>
+              <a:rPr kumimoji="0" lang="ko-KR" altLang="ko-KR" sz="1400" b="0" i="0" u="none" strike="noStrike" cap="none" normalizeH="0" baseline="0" dirty="0" smtClean="0">
+                <a:ln>
+                  <a:noFill/>
+                </a:ln>
+                <a:solidFill>
+                  <a:srgbClr val="50A14F"/>
+                </a:solidFill>
+                <a:effectLst/>
+                <a:latin typeface="Arial Unicode MS"/>
+                <a:ea typeface="Fira Mono"/>
+              </a:rPr>
+              <a:t>입니다.`</a:t>
+            </a:r>
+            <a:r>
+              <a:rPr kumimoji="0" lang="ko-KR" altLang="ko-KR" sz="1400" b="0" i="0" u="none" strike="noStrike" cap="none" normalizeH="0" baseline="0" dirty="0" smtClean="0">
+                <a:ln>
+                  <a:noFill/>
+                </a:ln>
+                <a:solidFill>
+                  <a:srgbClr val="24292E"/>
+                </a:solidFill>
+                <a:effectLst/>
+                <a:latin typeface="Arial Unicode MS"/>
+                <a:ea typeface="Fira Mono"/>
+              </a:rPr>
+              <a:t>; </a:t>
+            </a:r>
+            <a:r>
+              <a:rPr kumimoji="0" lang="ko-KR" altLang="ko-KR" sz="1400" b="0" i="0" u="none" strike="noStrike" cap="none" normalizeH="0" baseline="0" dirty="0" smtClean="0">
+                <a:ln>
+                  <a:noFill/>
+                </a:ln>
+                <a:solidFill>
+                  <a:srgbClr val="969896"/>
+                </a:solidFill>
+                <a:effectLst/>
+                <a:latin typeface="Arial Unicode MS"/>
+                <a:ea typeface="Fira Mono"/>
+              </a:rPr>
+              <a:t>// 중괄호와 return 문 생략 가능</a:t>
+            </a:r>
+            <a:r>
+              <a:rPr kumimoji="0" lang="ko-KR" altLang="ko-KR" sz="1100" b="0" i="0" u="none" strike="noStrike" cap="none" normalizeH="0" baseline="0" dirty="0" smtClean="0">
+                <a:ln>
+                  <a:noFill/>
+                </a:ln>
+                <a:solidFill>
+                  <a:schemeClr val="tx1"/>
+                </a:solidFill>
+                <a:effectLst/>
+              </a:rPr>
+              <a:t> </a:t>
+            </a:r>
+            <a:endParaRPr kumimoji="0" lang="ko-KR" altLang="ko-KR" sz="3200" b="0" i="0" u="none" strike="noStrike" cap="none" normalizeH="0" baseline="0" dirty="0" smtClean="0">
+              <a:ln>
+                <a:noFill/>
+              </a:ln>
+              <a:solidFill>
+                <a:schemeClr val="tx1"/>
+              </a:solidFill>
+              <a:effectLst/>
+              <a:latin typeface="Arial" panose="020B0604020202020204" pitchFamily="34" charset="0"/>
+            </a:endParaRPr>
           </a:p>
         </p:txBody>
       </p:sp>
       <p:sp>
         <p:nvSpPr>
-          <p:cNvPr id="4" name="Rectangle 3"/>
+          <p:cNvPr id="6" name="Rectangle 5"/>
           <p:cNvSpPr/>
           <p:nvPr/>
         </p:nvSpPr>
         <p:spPr>
           <a:xfrm>
-            <a:off x="513805" y="2413338"/>
-            <a:ext cx="8630195" cy="1015663"/>
+            <a:off x="290455" y="3793384"/>
+            <a:ext cx="11678194" cy="923330"/>
           </a:xfrm>
           <a:prstGeom prst="rect">
             <a:avLst/>
@@ -4134,201 +5273,102 @@
           </a:bodyPr>
           <a:lstStyle/>
           <a:p>
-            <a:pPr eaLnBrk="0" fontAlgn="base" latinLnBrk="0" hangingPunct="0">
-              <a:spcBef>
-                <a:spcPct val="0"/>
-              </a:spcBef>
-              <a:spcAft>
-                <a:spcPct val="0"/>
-              </a:spcAft>
-            </a:pPr>
-            <a:r>
-              <a:rPr lang="en-US" altLang="ko-KR" sz="2000" b="1" i="1" dirty="0">
-                <a:latin typeface="Consolas" panose="020B0609020204030204" pitchFamily="49" charset="0"/>
-              </a:rPr>
-              <a:t>map(callback)</a:t>
-            </a:r>
-            <a:endParaRPr lang="ko-KR" altLang="en-US" sz="2000" b="1" i="1" dirty="0">
-              <a:latin typeface="Consolas" panose="020B0609020204030204" pitchFamily="49" charset="0"/>
-            </a:endParaRPr>
-          </a:p>
-          <a:p>
-            <a:pPr eaLnBrk="0" fontAlgn="base" latinLnBrk="0" hangingPunct="0">
-              <a:spcBef>
-                <a:spcPct val="0"/>
-              </a:spcBef>
-              <a:spcAft>
-                <a:spcPct val="0"/>
-              </a:spcAft>
-            </a:pPr>
-            <a:r>
-              <a:rPr lang="ko-KR" altLang="en-US" sz="2000" i="1" dirty="0">
-                <a:solidFill>
-                  <a:srgbClr val="333333"/>
-                </a:solidFill>
-                <a:latin typeface="Consolas" panose="020B0609020204030204" pitchFamily="49" charset="0"/>
-              </a:rPr>
-              <a:t> </a:t>
-            </a:r>
-            <a:r>
-              <a:rPr lang="en-US" altLang="ko-KR" sz="2000" i="1" dirty="0">
-                <a:solidFill>
-                  <a:srgbClr val="333333"/>
-                </a:solidFill>
-                <a:latin typeface="Consolas" panose="020B0609020204030204" pitchFamily="49" charset="0"/>
-              </a:rPr>
-              <a:t>- </a:t>
-            </a:r>
-            <a:r>
-              <a:rPr lang="en-US" altLang="ko-KR" sz="2000" i="1" dirty="0" err="1">
-                <a:solidFill>
-                  <a:srgbClr val="333333"/>
-                </a:solidFill>
-                <a:latin typeface="Consolas" panose="020B0609020204030204" pitchFamily="49" charset="0"/>
-              </a:rPr>
-              <a:t>arr.map</a:t>
-            </a:r>
-            <a:r>
-              <a:rPr lang="en-US" altLang="ko-KR" sz="2000" i="1" dirty="0">
-                <a:solidFill>
-                  <a:srgbClr val="333333"/>
-                </a:solidFill>
-                <a:latin typeface="Consolas" panose="020B0609020204030204" pitchFamily="49" charset="0"/>
-              </a:rPr>
-              <a:t>(callback[</a:t>
-            </a:r>
-            <a:r>
-              <a:rPr lang="en-US" altLang="ko-KR" sz="2000" i="1" dirty="0" err="1">
-                <a:solidFill>
-                  <a:srgbClr val="333333"/>
-                </a:solidFill>
-                <a:latin typeface="Consolas" panose="020B0609020204030204" pitchFamily="49" charset="0"/>
-              </a:rPr>
-              <a:t>thisArg</a:t>
-            </a:r>
-            <a:r>
-              <a:rPr lang="en-US" altLang="ko-KR" sz="2000" i="1" dirty="0">
-                <a:solidFill>
-                  <a:srgbClr val="333333"/>
-                </a:solidFill>
-                <a:latin typeface="Consolas" panose="020B0609020204030204" pitchFamily="49" charset="0"/>
-              </a:rPr>
-              <a:t>]) </a:t>
-            </a:r>
-            <a:r>
-              <a:rPr lang="ko-KR" altLang="en-US" sz="2000" i="1" dirty="0">
-                <a:solidFill>
-                  <a:srgbClr val="333333"/>
-                </a:solidFill>
-                <a:latin typeface="Consolas" panose="020B0609020204030204" pitchFamily="49" charset="0"/>
-              </a:rPr>
-              <a:t>의 형태 입니다</a:t>
-            </a:r>
-            <a:r>
-              <a:rPr lang="en-US" altLang="ko-KR" sz="2000" i="1" dirty="0">
-                <a:solidFill>
-                  <a:srgbClr val="333333"/>
-                </a:solidFill>
-                <a:latin typeface="Consolas" panose="020B0609020204030204" pitchFamily="49" charset="0"/>
-              </a:rPr>
+            <a:r>
+              <a:rPr lang="en-US" altLang="ko-KR" b="1" dirty="0"/>
+              <a:t>function </a:t>
+            </a:r>
+            <a:r>
+              <a:rPr lang="ko-KR" altLang="en-US" b="1" dirty="0"/>
+              <a:t>키워드를 생략</a:t>
+            </a:r>
+            <a:r>
+              <a:rPr lang="ko-KR" altLang="en-US" dirty="0"/>
+              <a:t>할 수 있습니다</a:t>
+            </a:r>
+            <a:r>
+              <a:rPr lang="en-US" altLang="ko-KR" dirty="0"/>
               <a:t>.</a:t>
             </a:r>
-            <a:endParaRPr lang="ko-KR" altLang="en-US" sz="2000" i="1" dirty="0">
-              <a:solidFill>
-                <a:srgbClr val="333333"/>
-              </a:solidFill>
-              <a:latin typeface="Consolas" panose="020B0609020204030204" pitchFamily="49" charset="0"/>
-            </a:endParaRPr>
-          </a:p>
-          <a:p>
-            <a:pPr eaLnBrk="0" fontAlgn="base" latinLnBrk="0" hangingPunct="0">
-              <a:spcBef>
-                <a:spcPct val="0"/>
-              </a:spcBef>
-              <a:spcAft>
-                <a:spcPct val="0"/>
-              </a:spcAft>
-            </a:pPr>
-            <a:r>
-              <a:rPr lang="ko-KR" altLang="en-US" sz="2000" i="1" dirty="0">
-                <a:solidFill>
-                  <a:srgbClr val="333333"/>
-                </a:solidFill>
-                <a:latin typeface="Consolas" panose="020B0609020204030204" pitchFamily="49" charset="0"/>
-              </a:rPr>
-              <a:t> </a:t>
-            </a:r>
-            <a:r>
-              <a:rPr lang="en-US" altLang="ko-KR" sz="2000" i="1" dirty="0">
-                <a:solidFill>
-                  <a:srgbClr val="333333"/>
-                </a:solidFill>
-                <a:latin typeface="Consolas" panose="020B0609020204030204" pitchFamily="49" charset="0"/>
-              </a:rPr>
-              <a:t>- </a:t>
-            </a:r>
-            <a:r>
-              <a:rPr lang="ko-KR" altLang="en-US" sz="2000" i="1" dirty="0">
-                <a:solidFill>
-                  <a:srgbClr val="333333"/>
-                </a:solidFill>
-                <a:latin typeface="Consolas" panose="020B0609020204030204" pitchFamily="49" charset="0"/>
-              </a:rPr>
-              <a:t>어떠한 배열에 </a:t>
-            </a:r>
-            <a:r>
-              <a:rPr lang="ko-KR" altLang="en-US" sz="2000" i="1" dirty="0" smtClean="0">
-                <a:solidFill>
-                  <a:srgbClr val="333333"/>
-                </a:solidFill>
-                <a:latin typeface="Consolas" panose="020B0609020204030204" pitchFamily="49" charset="0"/>
-              </a:rPr>
-              <a:t>특정 </a:t>
-            </a:r>
-            <a:r>
-              <a:rPr lang="ko-KR" altLang="en-US" sz="2000" i="1" dirty="0">
-                <a:solidFill>
-                  <a:srgbClr val="333333"/>
-                </a:solidFill>
-                <a:latin typeface="Consolas" panose="020B0609020204030204" pitchFamily="49" charset="0"/>
-              </a:rPr>
-              <a:t>규칙을 적용시켜 새로운 배열을 만든다</a:t>
-            </a:r>
-            <a:r>
-              <a:rPr lang="en-US" altLang="ko-KR" sz="2000" i="1" dirty="0">
-                <a:solidFill>
-                  <a:srgbClr val="333333"/>
-                </a:solidFill>
-                <a:latin typeface="Consolas" panose="020B0609020204030204" pitchFamily="49" charset="0"/>
-              </a:rPr>
+          </a:p>
+          <a:p>
+            <a:r>
+              <a:rPr lang="ko-KR" altLang="en-US" dirty="0"/>
+              <a:t>함수의 매개변수가 </a:t>
+            </a:r>
+            <a:r>
+              <a:rPr lang="en-US" altLang="ko-KR" dirty="0"/>
+              <a:t>1</a:t>
+            </a:r>
+            <a:r>
+              <a:rPr lang="ko-KR" altLang="en-US" dirty="0"/>
+              <a:t>개라면 </a:t>
+            </a:r>
+            <a:r>
+              <a:rPr lang="ko-KR" altLang="en-US" b="1" dirty="0"/>
+              <a:t>괄호</a:t>
+            </a:r>
+            <a:r>
+              <a:rPr lang="en-US" altLang="ko-KR" b="1" dirty="0"/>
+              <a:t>()</a:t>
+            </a:r>
+            <a:r>
+              <a:rPr lang="ko-KR" altLang="en-US" b="1" dirty="0"/>
+              <a:t>를 생략</a:t>
+            </a:r>
+            <a:r>
+              <a:rPr lang="ko-KR" altLang="en-US" dirty="0"/>
+              <a:t>할 수 있습니다</a:t>
+            </a:r>
+            <a:r>
+              <a:rPr lang="en-US" altLang="ko-KR" dirty="0"/>
               <a:t>.</a:t>
             </a:r>
-            <a:endParaRPr lang="ko-KR" altLang="en-US" sz="2000" i="1" dirty="0">
-              <a:solidFill>
-                <a:srgbClr val="333333"/>
-              </a:solidFill>
-              <a:latin typeface="Consolas" panose="020B0609020204030204" pitchFamily="49" charset="0"/>
-            </a:endParaRPr>
+          </a:p>
+          <a:p>
+            <a:r>
+              <a:rPr lang="ko-KR" altLang="en-US" dirty="0"/>
+              <a:t>함수 바디가 표현식 하나라면 </a:t>
+            </a:r>
+            <a:r>
+              <a:rPr lang="ko-KR" altLang="en-US" b="1" dirty="0"/>
+              <a:t>중괄호와 </a:t>
+            </a:r>
+            <a:r>
+              <a:rPr lang="en-US" altLang="ko-KR" b="1" dirty="0"/>
+              <a:t>return </a:t>
+            </a:r>
+            <a:r>
+              <a:rPr lang="ko-KR" altLang="en-US" b="1" dirty="0"/>
+              <a:t>문을 생략</a:t>
+            </a:r>
+            <a:r>
+              <a:rPr lang="ko-KR" altLang="en-US" dirty="0"/>
+              <a:t>할 수 있습니다</a:t>
+            </a:r>
+            <a:r>
+              <a:rPr lang="en-US" altLang="ko-KR" dirty="0"/>
+              <a:t>.</a:t>
+            </a:r>
           </a:p>
         </p:txBody>
       </p:sp>
       <p:sp>
         <p:nvSpPr>
-          <p:cNvPr id="5" name="Rectangle 4"/>
+          <p:cNvPr id="10" name="Rectangle 9"/>
           <p:cNvSpPr/>
           <p:nvPr/>
         </p:nvSpPr>
         <p:spPr>
           <a:xfrm>
-            <a:off x="363920" y="3769859"/>
-            <a:ext cx="8032968" cy="1015663"/>
+            <a:off x="290455" y="4836855"/>
+            <a:ext cx="11678194" cy="461665"/>
           </a:xfrm>
           <a:prstGeom prst="rect">
             <a:avLst/>
           </a:prstGeom>
         </p:spPr>
         <p:txBody>
-          <a:bodyPr wrap="none">
+          <a:bodyPr wrap="square">
             <a:spAutoFit/>
           </a:bodyPr>
           <a:lstStyle/>
@@ -4342,15 +5382,61 @@
               </a:spcAft>
             </a:pPr>
             <a:r>
-              <a:rPr lang="ko-KR" altLang="en-US" sz="2000" b="1" i="1" dirty="0">
-                <a:solidFill>
-                  <a:srgbClr val="333333"/>
-                </a:solidFill>
-                <a:latin typeface="Consolas" panose="020B0609020204030204" pitchFamily="49" charset="0"/>
-              </a:rPr>
-              <a:t>템플릿 리터럴</a:t>
-            </a:r>
-          </a:p>
+              <a:rPr lang="en-US" altLang="ko-KR" sz="2400" b="1" dirty="0">
+                <a:solidFill>
+                  <a:srgbClr val="333333"/>
+                </a:solidFill>
+                <a:latin typeface="Consolas" panose="020B0609020204030204" pitchFamily="49" charset="0"/>
+              </a:rPr>
+              <a:t>2. </a:t>
+            </a:r>
+            <a:r>
+              <a:rPr lang="ko-KR" altLang="en-US" sz="2400" b="1" dirty="0">
+                <a:solidFill>
+                  <a:srgbClr val="333333"/>
+                </a:solidFill>
+                <a:latin typeface="Consolas" panose="020B0609020204030204" pitchFamily="49" charset="0"/>
+              </a:rPr>
+              <a:t>화살표 함수는 항상 익명함수입니다</a:t>
+            </a:r>
+            <a:r>
+              <a:rPr lang="en-US" altLang="ko-KR" sz="2400" b="1" dirty="0">
+                <a:solidFill>
+                  <a:srgbClr val="333333"/>
+                </a:solidFill>
+                <a:latin typeface="Consolas" panose="020B0609020204030204" pitchFamily="49" charset="0"/>
+              </a:rPr>
+              <a:t>.</a:t>
+            </a:r>
+            <a:endParaRPr lang="en-US" altLang="ko-KR" sz="2400" b="1" dirty="0">
+              <a:solidFill>
+                <a:srgbClr val="333333"/>
+              </a:solidFill>
+              <a:latin typeface="Consolas" panose="020B0609020204030204" pitchFamily="49" charset="0"/>
+            </a:endParaRPr>
+          </a:p>
+        </p:txBody>
+      </p:sp>
+      <p:sp>
+        <p:nvSpPr>
+          <p:cNvPr id="12" name="Rectangle 11"/>
+          <p:cNvSpPr/>
+          <p:nvPr/>
+        </p:nvSpPr>
+        <p:spPr>
+          <a:xfrm>
+            <a:off x="283028" y="177008"/>
+            <a:ext cx="11678194" cy="461665"/>
+          </a:xfrm>
+          <a:prstGeom prst="rect">
+            <a:avLst/>
+          </a:prstGeom>
+        </p:spPr>
+        <p:txBody>
+          <a:bodyPr wrap="square">
+            <a:spAutoFit/>
+          </a:bodyPr>
+          <a:lstStyle/>
           <a:p>
             <a:pPr eaLnBrk="0" fontAlgn="base" latinLnBrk="0" hangingPunct="0">
               <a:spcBef>
@@ -4361,51 +5447,100 @@
               </a:spcAft>
             </a:pPr>
             <a:r>
-              <a:rPr lang="en-US" altLang="ko-KR" sz="2000" i="1" dirty="0">
-                <a:solidFill>
-                  <a:srgbClr val="333333"/>
-                </a:solidFill>
-                <a:latin typeface="Consolas" panose="020B0609020204030204" pitchFamily="49" charset="0"/>
-              </a:rPr>
-              <a:t>`${value}`</a:t>
-            </a:r>
-            <a:br>
-              <a:rPr lang="en-US" altLang="ko-KR" sz="2000" i="1" dirty="0">
-                <a:solidFill>
-                  <a:srgbClr val="333333"/>
-                </a:solidFill>
-                <a:latin typeface="Consolas" panose="020B0609020204030204" pitchFamily="49" charset="0"/>
-              </a:rPr>
-            </a:br>
-            <a:r>
-              <a:rPr lang="ko-KR" altLang="en-US" sz="2000" i="1" dirty="0">
-                <a:solidFill>
-                  <a:srgbClr val="333333"/>
-                </a:solidFill>
-                <a:latin typeface="Consolas" panose="020B0609020204030204" pitchFamily="49" charset="0"/>
-              </a:rPr>
-              <a:t>템플릿 리터럴의 </a:t>
-            </a:r>
-            <a:r>
-              <a:rPr lang="en-US" altLang="ko-KR" sz="2000" i="1" dirty="0">
-                <a:solidFill>
-                  <a:srgbClr val="333333"/>
-                </a:solidFill>
-                <a:latin typeface="Consolas" panose="020B0609020204030204" pitchFamily="49" charset="0"/>
-              </a:rPr>
-              <a:t>${} </a:t>
-            </a:r>
-            <a:r>
-              <a:rPr lang="ko-KR" altLang="en-US" sz="2000" i="1" dirty="0">
-                <a:solidFill>
-                  <a:srgbClr val="333333"/>
-                </a:solidFill>
-                <a:latin typeface="Consolas" panose="020B0609020204030204" pitchFamily="49" charset="0"/>
-              </a:rPr>
-              <a:t>표현식 은 처리된 값을 문자열로 반환한다</a:t>
-            </a:r>
-            <a:r>
-              <a:rPr lang="en-US" altLang="ko-KR" sz="2000" i="1" dirty="0">
+              <a:rPr lang="ko-KR" altLang="en-US" sz="2400" b="1" dirty="0" smtClean="0">
+                <a:solidFill>
+                  <a:srgbClr val="333333"/>
+                </a:solidFill>
+                <a:latin typeface="Consolas" panose="020B0609020204030204" pitchFamily="49" charset="0"/>
+              </a:rPr>
+              <a:t>화살표함수 </a:t>
+            </a:r>
+            <a:r>
+              <a:rPr lang="en-US" altLang="ko-KR" sz="2400" b="1" dirty="0" smtClean="0">
+                <a:solidFill>
+                  <a:srgbClr val="333333"/>
+                </a:solidFill>
+                <a:latin typeface="Consolas" panose="020B0609020204030204" pitchFamily="49" charset="0"/>
+              </a:rPr>
+              <a:t>=&gt;</a:t>
+            </a:r>
+            <a:endParaRPr lang="ko-KR" altLang="en-US" sz="2400" b="1" dirty="0">
+              <a:solidFill>
+                <a:srgbClr val="333333"/>
+              </a:solidFill>
+              <a:latin typeface="Consolas" panose="020B0609020204030204" pitchFamily="49" charset="0"/>
+            </a:endParaRPr>
+          </a:p>
+        </p:txBody>
+      </p:sp>
+      <p:sp>
+        <p:nvSpPr>
+          <p:cNvPr id="13" name="Rectangle 12"/>
+          <p:cNvSpPr/>
+          <p:nvPr/>
+        </p:nvSpPr>
+        <p:spPr>
+          <a:xfrm>
+            <a:off x="290455" y="5298520"/>
+            <a:ext cx="11678194" cy="461665"/>
+          </a:xfrm>
+          <a:prstGeom prst="rect">
+            <a:avLst/>
+          </a:prstGeom>
+        </p:spPr>
+        <p:txBody>
+          <a:bodyPr wrap="square">
+            <a:spAutoFit/>
+          </a:bodyPr>
+          <a:lstStyle/>
+          <a:p>
+            <a:r>
+              <a:rPr lang="en-US" altLang="ko-KR" sz="2400" b="1" dirty="0">
+                <a:solidFill>
+                  <a:srgbClr val="333333"/>
+                </a:solidFill>
+                <a:latin typeface="Consolas" panose="020B0609020204030204" pitchFamily="49" charset="0"/>
+              </a:rPr>
+              <a:t>3. </a:t>
+            </a:r>
+            <a:r>
+              <a:rPr lang="ko-KR" altLang="en-US" sz="2400" b="1" dirty="0">
+                <a:solidFill>
+                  <a:srgbClr val="333333"/>
+                </a:solidFill>
+                <a:latin typeface="Consolas" panose="020B0609020204030204" pitchFamily="49" charset="0"/>
+              </a:rPr>
+              <a:t>화살표 </a:t>
+            </a:r>
+            <a:r>
+              <a:rPr lang="ko-KR" altLang="en-US" sz="2400" b="1" dirty="0">
+                <a:solidFill>
+                  <a:srgbClr val="333333"/>
+                </a:solidFill>
+                <a:latin typeface="Consolas" panose="020B0609020204030204" pitchFamily="49" charset="0"/>
+              </a:rPr>
+              <a:t>함수는 </a:t>
+            </a:r>
+            <a:r>
+              <a:rPr lang="en-US" altLang="ko-KR" sz="2400" b="1" dirty="0">
+                <a:solidFill>
+                  <a:srgbClr val="333333"/>
+                </a:solidFill>
+                <a:latin typeface="Consolas" panose="020B0609020204030204" pitchFamily="49" charset="0"/>
+              </a:rPr>
+              <a:t>this</a:t>
+            </a:r>
+            <a:r>
+              <a:rPr lang="ko-KR" altLang="en-US" sz="2400" b="1" dirty="0">
+                <a:solidFill>
+                  <a:srgbClr val="333333"/>
+                </a:solidFill>
+                <a:latin typeface="Consolas" panose="020B0609020204030204" pitchFamily="49" charset="0"/>
+              </a:rPr>
+              <a:t>가 정적으로 묶입니다</a:t>
+            </a:r>
+            <a:r>
+              <a:rPr lang="en-US" altLang="ko-KR" sz="2400" b="1" dirty="0">
                 <a:solidFill>
                   <a:srgbClr val="333333"/>
                 </a:solidFill>
@@ -4413,13 +5548,145 @@
               </a:rPr>
               <a:t>.</a:t>
             </a:r>
+          </a:p>
+        </p:txBody>
+      </p:sp>
+      <p:sp>
+        <p:nvSpPr>
+          <p:cNvPr id="14" name="Rectangle 13"/>
+          <p:cNvSpPr/>
+          <p:nvPr/>
+        </p:nvSpPr>
+        <p:spPr>
+          <a:xfrm>
+            <a:off x="290455" y="5793932"/>
+            <a:ext cx="11678194" cy="461665"/>
+          </a:xfrm>
+          <a:prstGeom prst="rect">
+            <a:avLst/>
+          </a:prstGeom>
+        </p:spPr>
+        <p:txBody>
+          <a:bodyPr wrap="square">
+            <a:spAutoFit/>
+          </a:bodyPr>
+          <a:lstStyle/>
+          <a:p>
+            <a:r>
+              <a:rPr lang="en-US" altLang="ko-KR" sz="2400" b="1" dirty="0">
+                <a:solidFill>
+                  <a:srgbClr val="333333"/>
+                </a:solidFill>
+                <a:latin typeface="Consolas" panose="020B0609020204030204" pitchFamily="49" charset="0"/>
+              </a:rPr>
+              <a:t>4. </a:t>
+            </a:r>
+            <a:r>
+              <a:rPr lang="ko-KR" altLang="en-US" sz="2400" b="1" dirty="0">
+                <a:solidFill>
+                  <a:srgbClr val="333333"/>
+                </a:solidFill>
+                <a:latin typeface="Consolas" panose="020B0609020204030204" pitchFamily="49" charset="0"/>
+              </a:rPr>
+              <a:t>객체 생성자로 사용할 수 없습니다</a:t>
+            </a:r>
+            <a:r>
+              <a:rPr lang="en-US" altLang="ko-KR" sz="2400" b="1" dirty="0" smtClean="0">
+                <a:solidFill>
+                  <a:srgbClr val="333333"/>
+                </a:solidFill>
+                <a:latin typeface="Consolas" panose="020B0609020204030204" pitchFamily="49" charset="0"/>
+              </a:rPr>
+              <a:t>.</a:t>
+            </a:r>
+            <a:endParaRPr lang="en-US" altLang="ko-KR" sz="2400" b="1" dirty="0">
+              <a:solidFill>
+                <a:srgbClr val="333333"/>
+              </a:solidFill>
+              <a:latin typeface="Consolas" panose="020B0609020204030204" pitchFamily="49" charset="0"/>
+            </a:endParaRPr>
+          </a:p>
+        </p:txBody>
+      </p:sp>
+      <p:sp>
+        <p:nvSpPr>
+          <p:cNvPr id="16" name="Rectangle 15"/>
+          <p:cNvSpPr/>
+          <p:nvPr/>
+        </p:nvSpPr>
+        <p:spPr>
+          <a:xfrm>
+            <a:off x="283028" y="6255597"/>
+            <a:ext cx="11678194" cy="461665"/>
+          </a:xfrm>
+          <a:prstGeom prst="rect">
+            <a:avLst/>
+          </a:prstGeom>
+        </p:spPr>
+        <p:txBody>
+          <a:bodyPr wrap="square">
+            <a:spAutoFit/>
+          </a:bodyPr>
+          <a:lstStyle/>
+          <a:p>
+            <a:r>
+              <a:rPr lang="en-US" altLang="ko-KR" sz="2400" b="1" dirty="0">
+                <a:solidFill>
+                  <a:srgbClr val="333333"/>
+                </a:solidFill>
+                <a:latin typeface="Consolas" panose="020B0609020204030204" pitchFamily="49" charset="0"/>
+              </a:rPr>
+              <a:t>5.</a:t>
+            </a:r>
+            <a:r>
+              <a:rPr lang="ko-KR" altLang="en-US" sz="2400" b="1" dirty="0">
+                <a:solidFill>
+                  <a:srgbClr val="333333"/>
+                </a:solidFill>
+                <a:latin typeface="Consolas" panose="020B0609020204030204" pitchFamily="49" charset="0"/>
+              </a:rPr>
+              <a:t>  </a:t>
+            </a:r>
+            <a:r>
+              <a:rPr lang="en-US" altLang="ko-KR" sz="2400" b="1" dirty="0">
+                <a:solidFill>
+                  <a:srgbClr val="333333"/>
+                </a:solidFill>
+                <a:latin typeface="Consolas" panose="020B0609020204030204" pitchFamily="49" charset="0"/>
+              </a:rPr>
+              <a:t>arguments </a:t>
+            </a:r>
+            <a:r>
+              <a:rPr lang="ko-KR" altLang="en-US" sz="2400" b="1" dirty="0">
+                <a:solidFill>
+                  <a:srgbClr val="333333"/>
+                </a:solidFill>
+                <a:latin typeface="Consolas" panose="020B0609020204030204" pitchFamily="49" charset="0"/>
+              </a:rPr>
+              <a:t>변수를 사용할 수 없습니다</a:t>
+            </a:r>
+            <a:r>
+              <a:rPr lang="en-US" altLang="ko-KR" sz="2400" b="1" dirty="0" smtClean="0">
+                <a:solidFill>
+                  <a:srgbClr val="333333"/>
+                </a:solidFill>
+                <a:latin typeface="Consolas" panose="020B0609020204030204" pitchFamily="49" charset="0"/>
+              </a:rPr>
+              <a:t>.</a:t>
+            </a:r>
+            <a:endParaRPr lang="en-US" altLang="ko-KR" sz="2400" b="1" dirty="0">
+              <a:solidFill>
+                <a:srgbClr val="333333"/>
+              </a:solidFill>
+              <a:latin typeface="Consolas" panose="020B0609020204030204" pitchFamily="49" charset="0"/>
+            </a:endParaRPr>
           </a:p>
         </p:txBody>
       </p:sp>
     </p:spTree>
     <p:extLst>
       <p:ext uri="{BB962C8B-B14F-4D97-AF65-F5344CB8AC3E}">
-        <p14:creationId xmlns:p14="http://schemas.microsoft.com/office/powerpoint/2010/main" val="2821960369"/>
+        <p14:creationId xmlns:p14="http://schemas.microsoft.com/office/powerpoint/2010/main" val="2707807475"/>
       </p:ext>
     </p:extLst>
   </p:cSld>
@@ -4475,6 +5742,709 @@
           <a:p>
             <a:r>
               <a:rPr lang="en-US" altLang="ko-KR" sz="2000" b="1" i="1" dirty="0" err="1" smtClean="0">
+                <a:effectLst/>
+                <a:latin typeface="Consolas" panose="020B0609020204030204" pitchFamily="49" charset="0"/>
+              </a:rPr>
+              <a:t>Array.prototype.</a:t>
+            </a:r>
+            <a:r>
+              <a:rPr lang="en-US" altLang="ko-KR" sz="2000" b="1" i="1" dirty="0" err="1" smtClean="0">
+                <a:latin typeface="Consolas" panose="020B0609020204030204" pitchFamily="49" charset="0"/>
+              </a:rPr>
+              <a:t>map</a:t>
+            </a:r>
+            <a:r>
+              <a:rPr lang="en-US" altLang="ko-KR" sz="2000" b="1" i="1" dirty="0" smtClean="0">
+                <a:effectLst/>
+                <a:latin typeface="Consolas" panose="020B0609020204030204" pitchFamily="49" charset="0"/>
+              </a:rPr>
+              <a:t>()</a:t>
+            </a:r>
+            <a:endParaRPr lang="en-US" altLang="ko-KR" sz="2000" b="1" dirty="0" smtClean="0">
+              <a:effectLst/>
+              <a:latin typeface="Consolas" panose="020B0609020204030204" pitchFamily="49" charset="0"/>
+            </a:endParaRPr>
+          </a:p>
+          <a:p>
+            <a:r>
+              <a:rPr lang="en-US" altLang="ko-KR" sz="2000" b="1" i="1" dirty="0">
+                <a:latin typeface="Consolas" panose="020B0609020204030204" pitchFamily="49" charset="0"/>
+              </a:rPr>
+              <a:t>2. Give us an array of the inventor first and last names</a:t>
+            </a:r>
+          </a:p>
+          <a:p>
+            <a:pPr fontAlgn="base">
+              <a:spcBef>
+                <a:spcPct val="0"/>
+              </a:spcBef>
+              <a:spcAft>
+                <a:spcPct val="0"/>
+              </a:spcAft>
+            </a:pPr>
+            <a:r>
+              <a:rPr lang="en-US" altLang="ko-KR" sz="2000" b="1" i="1" dirty="0">
+                <a:latin typeface="Consolas" panose="020B0609020204030204" pitchFamily="49" charset="0"/>
+              </a:rPr>
+              <a:t>  (</a:t>
+            </a:r>
+            <a:r>
+              <a:rPr lang="ko-KR" altLang="en-US" sz="2000" b="1" i="1" dirty="0">
+                <a:latin typeface="Consolas" panose="020B0609020204030204" pitchFamily="49" charset="0"/>
+              </a:rPr>
+              <a:t>모든 초대자의 </a:t>
+            </a:r>
+            <a:r>
+              <a:rPr lang="en-US" altLang="ko-KR" sz="2000" b="1" i="1" dirty="0">
+                <a:latin typeface="Consolas" panose="020B0609020204030204" pitchFamily="49" charset="0"/>
+              </a:rPr>
+              <a:t>first name</a:t>
+            </a:r>
+            <a:r>
+              <a:rPr lang="ko-KR" altLang="en-US" sz="2000" b="1" i="1" dirty="0">
+                <a:latin typeface="Consolas" panose="020B0609020204030204" pitchFamily="49" charset="0"/>
+              </a:rPr>
+              <a:t>과 </a:t>
+            </a:r>
+            <a:r>
+              <a:rPr lang="en-US" altLang="ko-KR" sz="2000" b="1" i="1" dirty="0">
+                <a:latin typeface="Consolas" panose="020B0609020204030204" pitchFamily="49" charset="0"/>
+              </a:rPr>
+              <a:t>last name</a:t>
+            </a:r>
+            <a:r>
+              <a:rPr lang="ko-KR" altLang="en-US" sz="2000" b="1" i="1" dirty="0">
+                <a:latin typeface="Consolas" panose="020B0609020204030204" pitchFamily="49" charset="0"/>
+              </a:rPr>
+              <a:t>을 출력하시오</a:t>
+            </a:r>
+            <a:r>
+              <a:rPr lang="en-US" altLang="ko-KR" sz="2000" b="1" i="1" dirty="0">
+                <a:latin typeface="Consolas" panose="020B0609020204030204" pitchFamily="49" charset="0"/>
+              </a:rPr>
+              <a:t>.)</a:t>
+            </a:r>
+            <a:endParaRPr lang="ko-KR" altLang="en-US" sz="2000" b="1" i="1" dirty="0">
+              <a:latin typeface="Consolas" panose="020B0609020204030204" pitchFamily="49" charset="0"/>
+            </a:endParaRPr>
+          </a:p>
+        </p:txBody>
+      </p:sp>
+      <p:sp>
+        <p:nvSpPr>
+          <p:cNvPr id="3" name="Rectangle 2"/>
+          <p:cNvSpPr>
+            <a:spLocks noChangeArrowheads="1"/>
+          </p:cNvSpPr>
+          <p:nvPr/>
+        </p:nvSpPr>
+        <p:spPr bwMode="auto">
+          <a:xfrm>
+            <a:off x="622408" y="1456927"/>
+            <a:ext cx="7681590" cy="615553"/>
+          </a:xfrm>
+          <a:prstGeom prst="rect">
+            <a:avLst/>
+          </a:prstGeom>
+          <a:noFill/>
+          <a:ln>
+            <a:noFill/>
+          </a:ln>
+          <a:effectLst/>
+          <a:extLst>
+            <a:ext uri="{909E8E84-426E-40DD-AFC4-6F175D3DCCD1}">
+              <a14:hiddenFill xmlns:a14="http://schemas.microsoft.com/office/drawing/2010/main">
+                <a:solidFill>
+                  <a:schemeClr val="accent1"/>
+                </a:solidFill>
+              </a14:hiddenFill>
+            </a:ext>
+            <a:ext uri="{91240B29-F687-4F45-9708-019B960494DF}">
+              <a14:hiddenLine xmlns:a14="http://schemas.microsoft.com/office/drawing/2010/main" w="9525">
+                <a:solidFill>
+                  <a:schemeClr val="tx1"/>
+                </a:solidFill>
+                <a:miter lim="800000"/>
+                <a:headEnd/>
+                <a:tailEnd/>
+              </a14:hiddenLine>
+            </a:ext>
+            <a:ext uri="{AF507438-7753-43E0-B8FC-AC1667EBCBE1}">
+              <a14:hiddenEffects xmlns:a14="http://schemas.microsoft.com/office/drawing/2010/main">
+                <a:effectLst>
+                  <a:outerShdw dist="35921" dir="2700000" algn="ctr" rotWithShape="0">
+                    <a:schemeClr val="bg2"/>
+                  </a:outerShdw>
+                </a:effectLst>
+              </a14:hiddenEffects>
+            </a:ext>
+          </a:extLst>
+        </p:spPr>
+        <p:txBody>
+          <a:bodyPr vert="horz" wrap="none" lIns="0" tIns="0" rIns="0" bIns="0" numCol="1" anchor="ctr" anchorCtr="0" compatLnSpc="1">
+            <a:prstTxWarp prst="textNoShape">
+              <a:avLst/>
+            </a:prstTxWarp>
+            <a:spAutoFit/>
+          </a:bodyPr>
+          <a:lstStyle>
+            <a:lvl1pPr eaLnBrk="0" fontAlgn="base" hangingPunct="0">
+              <a:spcBef>
+                <a:spcPct val="0"/>
+              </a:spcBef>
+              <a:spcAft>
+                <a:spcPct val="0"/>
+              </a:spcAft>
+              <a:defRPr>
+                <a:solidFill>
+                  <a:schemeClr val="tx1"/>
+                </a:solidFill>
+                <a:latin typeface="Arial" panose="020B0604020202020204" pitchFamily="34" charset="0"/>
+              </a:defRPr>
+            </a:lvl1pPr>
+            <a:lvl2pPr eaLnBrk="0" fontAlgn="base" hangingPunct="0">
+              <a:spcBef>
+                <a:spcPct val="0"/>
+              </a:spcBef>
+              <a:spcAft>
+                <a:spcPct val="0"/>
+              </a:spcAft>
+              <a:defRPr>
+                <a:solidFill>
+                  <a:schemeClr val="tx1"/>
+                </a:solidFill>
+                <a:latin typeface="Arial" panose="020B0604020202020204" pitchFamily="34" charset="0"/>
+              </a:defRPr>
+            </a:lvl2pPr>
+            <a:lvl3pPr eaLnBrk="0" fontAlgn="base" hangingPunct="0">
+              <a:spcBef>
+                <a:spcPct val="0"/>
+              </a:spcBef>
+              <a:spcAft>
+                <a:spcPct val="0"/>
+              </a:spcAft>
+              <a:defRPr>
+                <a:solidFill>
+                  <a:schemeClr val="tx1"/>
+                </a:solidFill>
+                <a:latin typeface="Arial" panose="020B0604020202020204" pitchFamily="34" charset="0"/>
+              </a:defRPr>
+            </a:lvl3pPr>
+            <a:lvl4pPr eaLnBrk="0" fontAlgn="base" hangingPunct="0">
+              <a:spcBef>
+                <a:spcPct val="0"/>
+              </a:spcBef>
+              <a:spcAft>
+                <a:spcPct val="0"/>
+              </a:spcAft>
+              <a:defRPr>
+                <a:solidFill>
+                  <a:schemeClr val="tx1"/>
+                </a:solidFill>
+                <a:latin typeface="Arial" panose="020B0604020202020204" pitchFamily="34" charset="0"/>
+              </a:defRPr>
+            </a:lvl4pPr>
+            <a:lvl5pPr eaLnBrk="0" fontAlgn="base" hangingPunct="0">
+              <a:spcBef>
+                <a:spcPct val="0"/>
+              </a:spcBef>
+              <a:spcAft>
+                <a:spcPct val="0"/>
+              </a:spcAft>
+              <a:defRPr>
+                <a:solidFill>
+                  <a:schemeClr val="tx1"/>
+                </a:solidFill>
+                <a:latin typeface="Arial" panose="020B0604020202020204" pitchFamily="34" charset="0"/>
+              </a:defRPr>
+            </a:lvl5pPr>
+            <a:lvl6pPr eaLnBrk="0" fontAlgn="base" hangingPunct="0">
+              <a:spcBef>
+                <a:spcPct val="0"/>
+              </a:spcBef>
+              <a:spcAft>
+                <a:spcPct val="0"/>
+              </a:spcAft>
+              <a:defRPr>
+                <a:solidFill>
+                  <a:schemeClr val="tx1"/>
+                </a:solidFill>
+                <a:latin typeface="Arial" panose="020B0604020202020204" pitchFamily="34" charset="0"/>
+              </a:defRPr>
+            </a:lvl6pPr>
+            <a:lvl7pPr eaLnBrk="0" fontAlgn="base" hangingPunct="0">
+              <a:spcBef>
+                <a:spcPct val="0"/>
+              </a:spcBef>
+              <a:spcAft>
+                <a:spcPct val="0"/>
+              </a:spcAft>
+              <a:defRPr>
+                <a:solidFill>
+                  <a:schemeClr val="tx1"/>
+                </a:solidFill>
+                <a:latin typeface="Arial" panose="020B0604020202020204" pitchFamily="34" charset="0"/>
+              </a:defRPr>
+            </a:lvl7pPr>
+            <a:lvl8pPr eaLnBrk="0" fontAlgn="base" hangingPunct="0">
+              <a:spcBef>
+                <a:spcPct val="0"/>
+              </a:spcBef>
+              <a:spcAft>
+                <a:spcPct val="0"/>
+              </a:spcAft>
+              <a:defRPr>
+                <a:solidFill>
+                  <a:schemeClr val="tx1"/>
+                </a:solidFill>
+                <a:latin typeface="Arial" panose="020B0604020202020204" pitchFamily="34" charset="0"/>
+              </a:defRPr>
+            </a:lvl8pPr>
+            <a:lvl9pPr eaLnBrk="0" fontAlgn="base" hangingPunct="0">
+              <a:spcBef>
+                <a:spcPct val="0"/>
+              </a:spcBef>
+              <a:spcAft>
+                <a:spcPct val="0"/>
+              </a:spcAft>
+              <a:defRPr>
+                <a:solidFill>
+                  <a:schemeClr val="tx1"/>
+                </a:solidFill>
+                <a:latin typeface="Arial" panose="020B0604020202020204" pitchFamily="34" charset="0"/>
+              </a:defRPr>
+            </a:lvl9pPr>
+          </a:lstStyle>
+          <a:p>
+            <a:pPr marR="0" lvl="0" indent="0" latinLnBrk="0">
+              <a:lnSpc>
+                <a:spcPct val="100000"/>
+              </a:lnSpc>
+              <a:buClrTx/>
+              <a:buSzTx/>
+              <a:buFontTx/>
+              <a:buNone/>
+              <a:tabLst/>
+            </a:pPr>
+            <a:r>
+              <a:rPr lang="ko-KR" altLang="ko-KR" sz="2000" i="1" dirty="0">
+                <a:solidFill>
+                  <a:srgbClr val="333333"/>
+                </a:solidFill>
+                <a:latin typeface="Consolas" panose="020B0609020204030204" pitchFamily="49" charset="0"/>
+              </a:rPr>
+              <a:t>map() 메서드는 배열 내의 모든 요소 각각에 </a:t>
+            </a:r>
+            <a:r>
+              <a:rPr lang="ko-KR" altLang="ko-KR" sz="2000" i="1" dirty="0" smtClean="0">
+                <a:solidFill>
+                  <a:srgbClr val="333333"/>
+                </a:solidFill>
+                <a:latin typeface="Consolas" panose="020B0609020204030204" pitchFamily="49" charset="0"/>
+              </a:rPr>
+              <a:t>대하여</a:t>
+            </a:r>
+            <a:endParaRPr lang="en-US" altLang="ko-KR" sz="2000" i="1" dirty="0" smtClean="0">
+              <a:solidFill>
+                <a:srgbClr val="333333"/>
+              </a:solidFill>
+              <a:latin typeface="Consolas" panose="020B0609020204030204" pitchFamily="49" charset="0"/>
+            </a:endParaRPr>
+          </a:p>
+          <a:p>
+            <a:pPr marR="0" lvl="0" indent="0" latinLnBrk="0">
+              <a:lnSpc>
+                <a:spcPct val="100000"/>
+              </a:lnSpc>
+              <a:buClrTx/>
+              <a:buSzTx/>
+              <a:buFontTx/>
+              <a:buNone/>
+              <a:tabLst/>
+            </a:pPr>
+            <a:r>
+              <a:rPr lang="ko-KR" altLang="ko-KR" sz="2000" i="1" dirty="0" smtClean="0">
+                <a:solidFill>
+                  <a:srgbClr val="333333"/>
+                </a:solidFill>
+                <a:latin typeface="Consolas" panose="020B0609020204030204" pitchFamily="49" charset="0"/>
+              </a:rPr>
+              <a:t>주어진 </a:t>
+            </a:r>
+            <a:r>
+              <a:rPr lang="ko-KR" altLang="ko-KR" sz="2000" i="1" dirty="0">
+                <a:solidFill>
+                  <a:srgbClr val="333333"/>
+                </a:solidFill>
+                <a:latin typeface="Consolas" panose="020B0609020204030204" pitchFamily="49" charset="0"/>
+              </a:rPr>
+              <a:t>함수를 호출한 결과를 모아 새로운 배열을 반환합니다. </a:t>
+            </a:r>
+          </a:p>
+        </p:txBody>
+      </p:sp>
+      <p:sp>
+        <p:nvSpPr>
+          <p:cNvPr id="4" name="Rectangle 3"/>
+          <p:cNvSpPr/>
+          <p:nvPr/>
+        </p:nvSpPr>
+        <p:spPr>
+          <a:xfrm>
+            <a:off x="513805" y="2413338"/>
+            <a:ext cx="8630195" cy="1015663"/>
+          </a:xfrm>
+          <a:prstGeom prst="rect">
+            <a:avLst/>
+          </a:prstGeom>
+        </p:spPr>
+        <p:txBody>
+          <a:bodyPr wrap="square">
+            <a:spAutoFit/>
+          </a:bodyPr>
+          <a:lstStyle/>
+          <a:p>
+            <a:pPr eaLnBrk="0" fontAlgn="base" latinLnBrk="0" hangingPunct="0">
+              <a:spcBef>
+                <a:spcPct val="0"/>
+              </a:spcBef>
+              <a:spcAft>
+                <a:spcPct val="0"/>
+              </a:spcAft>
+            </a:pPr>
+            <a:r>
+              <a:rPr lang="en-US" altLang="ko-KR" sz="2000" b="1" i="1" dirty="0">
+                <a:latin typeface="Consolas" panose="020B0609020204030204" pitchFamily="49" charset="0"/>
+              </a:rPr>
+              <a:t>map(callback)</a:t>
+            </a:r>
+            <a:endParaRPr lang="ko-KR" altLang="en-US" sz="2000" b="1" i="1" dirty="0">
+              <a:latin typeface="Consolas" panose="020B0609020204030204" pitchFamily="49" charset="0"/>
+            </a:endParaRPr>
+          </a:p>
+          <a:p>
+            <a:pPr eaLnBrk="0" fontAlgn="base" latinLnBrk="0" hangingPunct="0">
+              <a:spcBef>
+                <a:spcPct val="0"/>
+              </a:spcBef>
+              <a:spcAft>
+                <a:spcPct val="0"/>
+              </a:spcAft>
+            </a:pPr>
+            <a:r>
+              <a:rPr lang="ko-KR" altLang="en-US" sz="2000" i="1" dirty="0">
+                <a:solidFill>
+                  <a:srgbClr val="333333"/>
+                </a:solidFill>
+                <a:latin typeface="Consolas" panose="020B0609020204030204" pitchFamily="49" charset="0"/>
+              </a:rPr>
+              <a:t> </a:t>
+            </a:r>
+            <a:r>
+              <a:rPr lang="en-US" altLang="ko-KR" sz="2000" i="1" dirty="0">
+                <a:solidFill>
+                  <a:srgbClr val="333333"/>
+                </a:solidFill>
+                <a:latin typeface="Consolas" panose="020B0609020204030204" pitchFamily="49" charset="0"/>
+              </a:rPr>
+              <a:t>- </a:t>
+            </a:r>
+            <a:r>
+              <a:rPr lang="en-US" altLang="ko-KR" sz="2000" i="1" dirty="0" err="1">
+                <a:solidFill>
+                  <a:srgbClr val="333333"/>
+                </a:solidFill>
+                <a:latin typeface="Consolas" panose="020B0609020204030204" pitchFamily="49" charset="0"/>
+              </a:rPr>
+              <a:t>arr.map</a:t>
+            </a:r>
+            <a:r>
+              <a:rPr lang="en-US" altLang="ko-KR" sz="2000" i="1" dirty="0">
+                <a:solidFill>
+                  <a:srgbClr val="333333"/>
+                </a:solidFill>
+                <a:latin typeface="Consolas" panose="020B0609020204030204" pitchFamily="49" charset="0"/>
+              </a:rPr>
+              <a:t>(callback[</a:t>
+            </a:r>
+            <a:r>
+              <a:rPr lang="en-US" altLang="ko-KR" sz="2000" i="1" dirty="0" err="1">
+                <a:solidFill>
+                  <a:srgbClr val="333333"/>
+                </a:solidFill>
+                <a:latin typeface="Consolas" panose="020B0609020204030204" pitchFamily="49" charset="0"/>
+              </a:rPr>
+              <a:t>thisArg</a:t>
+            </a:r>
+            <a:r>
+              <a:rPr lang="en-US" altLang="ko-KR" sz="2000" i="1" dirty="0">
+                <a:solidFill>
+                  <a:srgbClr val="333333"/>
+                </a:solidFill>
+                <a:latin typeface="Consolas" panose="020B0609020204030204" pitchFamily="49" charset="0"/>
+              </a:rPr>
+              <a:t>]) </a:t>
+            </a:r>
+            <a:r>
+              <a:rPr lang="ko-KR" altLang="en-US" sz="2000" i="1" dirty="0">
+                <a:solidFill>
+                  <a:srgbClr val="333333"/>
+                </a:solidFill>
+                <a:latin typeface="Consolas" panose="020B0609020204030204" pitchFamily="49" charset="0"/>
+              </a:rPr>
+              <a:t>의 형태 입니다</a:t>
+            </a:r>
+            <a:r>
+              <a:rPr lang="en-US" altLang="ko-KR" sz="2000" i="1" dirty="0">
+                <a:solidFill>
+                  <a:srgbClr val="333333"/>
+                </a:solidFill>
+                <a:latin typeface="Consolas" panose="020B0609020204030204" pitchFamily="49" charset="0"/>
+              </a:rPr>
+              <a:t>.</a:t>
+            </a:r>
+            <a:endParaRPr lang="ko-KR" altLang="en-US" sz="2000" i="1" dirty="0">
+              <a:solidFill>
+                <a:srgbClr val="333333"/>
+              </a:solidFill>
+              <a:latin typeface="Consolas" panose="020B0609020204030204" pitchFamily="49" charset="0"/>
+            </a:endParaRPr>
+          </a:p>
+          <a:p>
+            <a:pPr eaLnBrk="0" fontAlgn="base" latinLnBrk="0" hangingPunct="0">
+              <a:spcBef>
+                <a:spcPct val="0"/>
+              </a:spcBef>
+              <a:spcAft>
+                <a:spcPct val="0"/>
+              </a:spcAft>
+            </a:pPr>
+            <a:r>
+              <a:rPr lang="ko-KR" altLang="en-US" sz="2000" i="1" dirty="0">
+                <a:solidFill>
+                  <a:srgbClr val="333333"/>
+                </a:solidFill>
+                <a:latin typeface="Consolas" panose="020B0609020204030204" pitchFamily="49" charset="0"/>
+              </a:rPr>
+              <a:t> </a:t>
+            </a:r>
+            <a:r>
+              <a:rPr lang="en-US" altLang="ko-KR" sz="2000" i="1" dirty="0">
+                <a:solidFill>
+                  <a:srgbClr val="333333"/>
+                </a:solidFill>
+                <a:latin typeface="Consolas" panose="020B0609020204030204" pitchFamily="49" charset="0"/>
+              </a:rPr>
+              <a:t>- </a:t>
+            </a:r>
+            <a:r>
+              <a:rPr lang="ko-KR" altLang="en-US" sz="2000" i="1" dirty="0">
+                <a:solidFill>
+                  <a:srgbClr val="333333"/>
+                </a:solidFill>
+                <a:latin typeface="Consolas" panose="020B0609020204030204" pitchFamily="49" charset="0"/>
+              </a:rPr>
+              <a:t>어떠한 배열에 </a:t>
+            </a:r>
+            <a:r>
+              <a:rPr lang="ko-KR" altLang="en-US" sz="2000" i="1" dirty="0" smtClean="0">
+                <a:solidFill>
+                  <a:srgbClr val="333333"/>
+                </a:solidFill>
+                <a:latin typeface="Consolas" panose="020B0609020204030204" pitchFamily="49" charset="0"/>
+              </a:rPr>
+              <a:t>특정 </a:t>
+            </a:r>
+            <a:r>
+              <a:rPr lang="ko-KR" altLang="en-US" sz="2000" i="1" dirty="0">
+                <a:solidFill>
+                  <a:srgbClr val="333333"/>
+                </a:solidFill>
+                <a:latin typeface="Consolas" panose="020B0609020204030204" pitchFamily="49" charset="0"/>
+              </a:rPr>
+              <a:t>규칙을 적용시켜 새로운 배열을 만든다</a:t>
+            </a:r>
+            <a:r>
+              <a:rPr lang="en-US" altLang="ko-KR" sz="2000" i="1" dirty="0">
+                <a:solidFill>
+                  <a:srgbClr val="333333"/>
+                </a:solidFill>
+                <a:latin typeface="Consolas" panose="020B0609020204030204" pitchFamily="49" charset="0"/>
+              </a:rPr>
+              <a:t>.</a:t>
+            </a:r>
+            <a:endParaRPr lang="ko-KR" altLang="en-US" sz="2000" i="1" dirty="0">
+              <a:solidFill>
+                <a:srgbClr val="333333"/>
+              </a:solidFill>
+              <a:latin typeface="Consolas" panose="020B0609020204030204" pitchFamily="49" charset="0"/>
+            </a:endParaRPr>
+          </a:p>
+        </p:txBody>
+      </p:sp>
+      <p:sp>
+        <p:nvSpPr>
+          <p:cNvPr id="5" name="Rectangle 4"/>
+          <p:cNvSpPr/>
+          <p:nvPr/>
+        </p:nvSpPr>
+        <p:spPr>
+          <a:xfrm>
+            <a:off x="363920" y="3769859"/>
+            <a:ext cx="8032968" cy="1015663"/>
+          </a:xfrm>
+          <a:prstGeom prst="rect">
+            <a:avLst/>
+          </a:prstGeom>
+        </p:spPr>
+        <p:txBody>
+          <a:bodyPr wrap="none">
+            <a:spAutoFit/>
+          </a:bodyPr>
+          <a:lstStyle/>
+          <a:p>
+            <a:pPr eaLnBrk="0" fontAlgn="base" latinLnBrk="0" hangingPunct="0">
+              <a:spcBef>
+                <a:spcPct val="0"/>
+              </a:spcBef>
+              <a:spcAft>
+                <a:spcPct val="0"/>
+              </a:spcAft>
+            </a:pPr>
+            <a:r>
+              <a:rPr lang="ko-KR" altLang="en-US" sz="2000" b="1" i="1" dirty="0">
+                <a:solidFill>
+                  <a:srgbClr val="333333"/>
+                </a:solidFill>
+                <a:latin typeface="Consolas" panose="020B0609020204030204" pitchFamily="49" charset="0"/>
+              </a:rPr>
+              <a:t>템플릿 리터럴</a:t>
+            </a:r>
+          </a:p>
+          <a:p>
+            <a:pPr eaLnBrk="0" fontAlgn="base" latinLnBrk="0" hangingPunct="0">
+              <a:spcBef>
+                <a:spcPct val="0"/>
+              </a:spcBef>
+              <a:spcAft>
+                <a:spcPct val="0"/>
+              </a:spcAft>
+            </a:pPr>
+            <a:r>
+              <a:rPr lang="en-US" altLang="ko-KR" sz="2000" i="1" dirty="0">
+                <a:solidFill>
+                  <a:srgbClr val="333333"/>
+                </a:solidFill>
+                <a:latin typeface="Consolas" panose="020B0609020204030204" pitchFamily="49" charset="0"/>
+              </a:rPr>
+              <a:t>`${value}`</a:t>
+            </a:r>
+            <a:br>
+              <a:rPr lang="en-US" altLang="ko-KR" sz="2000" i="1" dirty="0">
+                <a:solidFill>
+                  <a:srgbClr val="333333"/>
+                </a:solidFill>
+                <a:latin typeface="Consolas" panose="020B0609020204030204" pitchFamily="49" charset="0"/>
+              </a:rPr>
+            </a:br>
+            <a:r>
+              <a:rPr lang="ko-KR" altLang="en-US" sz="2000" i="1" dirty="0">
+                <a:solidFill>
+                  <a:srgbClr val="333333"/>
+                </a:solidFill>
+                <a:latin typeface="Consolas" panose="020B0609020204030204" pitchFamily="49" charset="0"/>
+              </a:rPr>
+              <a:t>템플릿 리터럴의 </a:t>
+            </a:r>
+            <a:r>
+              <a:rPr lang="en-US" altLang="ko-KR" sz="2000" i="1" dirty="0">
+                <a:solidFill>
+                  <a:srgbClr val="333333"/>
+                </a:solidFill>
+                <a:latin typeface="Consolas" panose="020B0609020204030204" pitchFamily="49" charset="0"/>
+              </a:rPr>
+              <a:t>${} </a:t>
+            </a:r>
+            <a:r>
+              <a:rPr lang="ko-KR" altLang="en-US" sz="2000" i="1" dirty="0">
+                <a:solidFill>
+                  <a:srgbClr val="333333"/>
+                </a:solidFill>
+                <a:latin typeface="Consolas" panose="020B0609020204030204" pitchFamily="49" charset="0"/>
+              </a:rPr>
+              <a:t>표현식 은 처리된 값을 문자열로 반환한다</a:t>
+            </a:r>
+            <a:r>
+              <a:rPr lang="en-US" altLang="ko-KR" sz="2000" i="1" dirty="0">
+                <a:solidFill>
+                  <a:srgbClr val="333333"/>
+                </a:solidFill>
+                <a:latin typeface="Consolas" panose="020B0609020204030204" pitchFamily="49" charset="0"/>
+              </a:rPr>
+              <a:t>.</a:t>
+            </a:r>
+          </a:p>
+        </p:txBody>
+      </p:sp>
+    </p:spTree>
+    <p:extLst>
+      <p:ext uri="{BB962C8B-B14F-4D97-AF65-F5344CB8AC3E}">
+        <p14:creationId xmlns:p14="http://schemas.microsoft.com/office/powerpoint/2010/main" val="2821960369"/>
+      </p:ext>
+    </p:extLst>
+  </p:cSld>
+  <p:clrMapOvr>
+    <a:masterClrMapping/>
+  </p:clrMapOvr>
+</p:sld>
+</file>
+
+<file path=ppt/slides/slide4.xml><?xml version="1.0" encoding="utf-8"?>
+<p:sld xmlns:a="http://schemas.openxmlformats.org/drawingml/2006/main" xmlns:r="http://schemas.openxmlformats.org/officeDocument/2006/relationships" xmlns:p="http://schemas.openxmlformats.org/presentationml/2006/main">
+  <p:cSld>
+    <p:spTree>
+      <p:nvGrpSpPr>
+        <p:cNvPr id="1" name=""/>
+        <p:cNvGrpSpPr/>
+        <p:nvPr/>
+      </p:nvGrpSpPr>
+      <p:grpSpPr>
+        <a:xfrm>
+          <a:off x="0" y="0"/>
+          <a:ext cx="0" cy="0"/>
+          <a:chOff x="0" y="0"/>
+          <a:chExt cx="0" cy="0"/>
+        </a:xfrm>
+      </p:grpSpPr>
+      <p:sp>
+        <p:nvSpPr>
+          <p:cNvPr id="10" name="Rectangle 9"/>
+          <p:cNvSpPr/>
+          <p:nvPr/>
+        </p:nvSpPr>
+        <p:spPr>
+          <a:xfrm>
+            <a:off x="513805" y="186131"/>
+            <a:ext cx="11283747" cy="1015663"/>
+          </a:xfrm>
+          <a:prstGeom prst="rect">
+            <a:avLst/>
+          </a:prstGeom>
+          <a:solidFill>
+            <a:schemeClr val="accent1">
+              <a:lumMod val="60000"/>
+              <a:lumOff val="40000"/>
+            </a:schemeClr>
+          </a:solidFill>
+        </p:spPr>
+        <p:txBody>
+          <a:bodyPr wrap="square">
+            <a:spAutoFit/>
+          </a:bodyPr>
+          <a:lstStyle/>
+          <a:p>
+            <a:r>
+              <a:rPr lang="en-US" altLang="ko-KR" sz="2000" b="1" i="1" dirty="0" err="1" smtClean="0">
                 <a:latin typeface="Consolas" panose="020B0609020204030204" pitchFamily="49" charset="0"/>
               </a:rPr>
               <a:t>Array.prototype.sort</a:t>
@@ -5047,7 +7017,7 @@
 </p:sld>
 </file>
 
-<file path=ppt/slides/slide4.xml><?xml version="1.0" encoding="utf-8"?>
+<file path=ppt/slides/slide5.xml><?xml version="1.0" encoding="utf-8"?>
 <p:sld xmlns:a="http://schemas.openxmlformats.org/drawingml/2006/main" xmlns:r="http://schemas.openxmlformats.org/officeDocument/2006/relationships" xmlns:p="http://schemas.openxmlformats.org/presentationml/2006/main">
   <p:cSld>
     <p:spTree>
@@ -5567,695 +7537,6 @@
     <p:extLst>
       <p:ext uri="{BB962C8B-B14F-4D97-AF65-F5344CB8AC3E}">
         <p14:creationId xmlns:p14="http://schemas.microsoft.com/office/powerpoint/2010/main" val="2684998018"/>
-      </p:ext>
-    </p:extLst>
-  </p:cSld>
-  <p:clrMapOvr>
-    <a:masterClrMapping/>
-  </p:clrMapOvr>
-</p:sld>
-</file>
-
-<file path=ppt/slides/slide5.xml><?xml version="1.0" encoding="utf-8"?>
-<p:sld xmlns:a="http://schemas.openxmlformats.org/drawingml/2006/main" xmlns:r="http://schemas.openxmlformats.org/officeDocument/2006/relationships" xmlns:p="http://schemas.openxmlformats.org/presentationml/2006/main">
-  <p:cSld>
-    <p:spTree>
-      <p:nvGrpSpPr>
-        <p:cNvPr id="1" name=""/>
-        <p:cNvGrpSpPr/>
-        <p:nvPr/>
-      </p:nvGrpSpPr>
-      <p:grpSpPr>
-        <a:xfrm>
-          <a:off x="0" y="0"/>
-          <a:ext cx="0" cy="0"/>
-          <a:chOff x="0" y="0"/>
-          <a:chExt cx="0" cy="0"/>
-        </a:xfrm>
-      </p:grpSpPr>
-      <p:sp>
-        <p:nvSpPr>
-          <p:cNvPr id="7" name="Rectangle 6"/>
-          <p:cNvSpPr/>
-          <p:nvPr/>
-        </p:nvSpPr>
-        <p:spPr>
-          <a:xfrm>
-            <a:off x="513806" y="1390651"/>
-            <a:ext cx="11678194" cy="1015663"/>
-          </a:xfrm>
-          <a:prstGeom prst="rect">
-            <a:avLst/>
-          </a:prstGeom>
-        </p:spPr>
-        <p:txBody>
-          <a:bodyPr wrap="square">
-            <a:spAutoFit/>
-          </a:bodyPr>
-          <a:lstStyle/>
-          <a:p>
-            <a:pPr eaLnBrk="0" fontAlgn="base" latinLnBrk="0" hangingPunct="0">
-              <a:spcBef>
-                <a:spcPct val="0"/>
-              </a:spcBef>
-              <a:spcAft>
-                <a:spcPct val="0"/>
-              </a:spcAft>
-            </a:pPr>
-            <a:r>
-              <a:rPr lang="en-US" altLang="ko-KR" sz="2000" i="1" dirty="0">
-                <a:solidFill>
-                  <a:srgbClr val="333333"/>
-                </a:solidFill>
-                <a:latin typeface="Consolas" panose="020B0609020204030204" pitchFamily="49" charset="0"/>
-              </a:rPr>
-              <a:t>filter(callback)</a:t>
-            </a:r>
-            <a:endParaRPr lang="ko-KR" altLang="en-US" sz="2000" i="1" dirty="0">
-              <a:solidFill>
-                <a:srgbClr val="333333"/>
-              </a:solidFill>
-              <a:latin typeface="Consolas" panose="020B0609020204030204" pitchFamily="49" charset="0"/>
-            </a:endParaRPr>
-          </a:p>
-          <a:p>
-            <a:pPr eaLnBrk="0" fontAlgn="base" latinLnBrk="0" hangingPunct="0">
-              <a:spcBef>
-                <a:spcPct val="0"/>
-              </a:spcBef>
-              <a:spcAft>
-                <a:spcPct val="0"/>
-              </a:spcAft>
-            </a:pPr>
-            <a:r>
-              <a:rPr lang="ko-KR" altLang="en-US" sz="2000" i="1" dirty="0">
-                <a:solidFill>
-                  <a:srgbClr val="333333"/>
-                </a:solidFill>
-                <a:latin typeface="Consolas" panose="020B0609020204030204" pitchFamily="49" charset="0"/>
-              </a:rPr>
-              <a:t> </a:t>
-            </a:r>
-            <a:r>
-              <a:rPr lang="en-US" altLang="ko-KR" sz="2000" i="1" dirty="0">
-                <a:solidFill>
-                  <a:srgbClr val="333333"/>
-                </a:solidFill>
-                <a:latin typeface="Consolas" panose="020B0609020204030204" pitchFamily="49" charset="0"/>
-              </a:rPr>
-              <a:t>- </a:t>
-            </a:r>
-            <a:r>
-              <a:rPr lang="en-US" altLang="ko-KR" sz="2000" i="1" dirty="0" err="1">
-                <a:solidFill>
-                  <a:srgbClr val="333333"/>
-                </a:solidFill>
-                <a:latin typeface="Consolas" panose="020B0609020204030204" pitchFamily="49" charset="0"/>
-              </a:rPr>
-              <a:t>arr.filter</a:t>
-            </a:r>
-            <a:r>
-              <a:rPr lang="en-US" altLang="ko-KR" sz="2000" i="1" dirty="0">
-                <a:solidFill>
-                  <a:srgbClr val="333333"/>
-                </a:solidFill>
-                <a:latin typeface="Consolas" panose="020B0609020204030204" pitchFamily="49" charset="0"/>
-              </a:rPr>
-              <a:t>(callback[</a:t>
-            </a:r>
-            <a:r>
-              <a:rPr lang="en-US" altLang="ko-KR" sz="2000" i="1" dirty="0" err="1">
-                <a:solidFill>
-                  <a:srgbClr val="333333"/>
-                </a:solidFill>
-                <a:latin typeface="Consolas" panose="020B0609020204030204" pitchFamily="49" charset="0"/>
-              </a:rPr>
-              <a:t>thisArg</a:t>
-            </a:r>
-            <a:r>
-              <a:rPr lang="en-US" altLang="ko-KR" sz="2000" i="1" dirty="0">
-                <a:solidFill>
-                  <a:srgbClr val="333333"/>
-                </a:solidFill>
-                <a:latin typeface="Consolas" panose="020B0609020204030204" pitchFamily="49" charset="0"/>
-              </a:rPr>
-              <a:t>]) </a:t>
-            </a:r>
-            <a:r>
-              <a:rPr lang="ko-KR" altLang="en-US" sz="2000" i="1" dirty="0">
-                <a:solidFill>
-                  <a:srgbClr val="333333"/>
-                </a:solidFill>
-                <a:latin typeface="Consolas" panose="020B0609020204030204" pitchFamily="49" charset="0"/>
-              </a:rPr>
-              <a:t>의 형태 입니다</a:t>
-            </a:r>
-            <a:r>
-              <a:rPr lang="en-US" altLang="ko-KR" sz="2000" i="1" dirty="0">
-                <a:solidFill>
-                  <a:srgbClr val="333333"/>
-                </a:solidFill>
-                <a:latin typeface="Consolas" panose="020B0609020204030204" pitchFamily="49" charset="0"/>
-              </a:rPr>
-              <a:t>.</a:t>
-            </a:r>
-            <a:endParaRPr lang="ko-KR" altLang="en-US" sz="2000" i="1" dirty="0">
-              <a:solidFill>
-                <a:srgbClr val="333333"/>
-              </a:solidFill>
-              <a:latin typeface="Consolas" panose="020B0609020204030204" pitchFamily="49" charset="0"/>
-            </a:endParaRPr>
-          </a:p>
-          <a:p>
-            <a:pPr eaLnBrk="0" fontAlgn="base" latinLnBrk="0" hangingPunct="0">
-              <a:spcBef>
-                <a:spcPct val="0"/>
-              </a:spcBef>
-              <a:spcAft>
-                <a:spcPct val="0"/>
-              </a:spcAft>
-            </a:pPr>
-            <a:r>
-              <a:rPr lang="ko-KR" altLang="en-US" sz="2000" i="1" dirty="0">
-                <a:solidFill>
-                  <a:srgbClr val="333333"/>
-                </a:solidFill>
-                <a:latin typeface="Consolas" panose="020B0609020204030204" pitchFamily="49" charset="0"/>
-              </a:rPr>
-              <a:t> </a:t>
-            </a:r>
-            <a:r>
-              <a:rPr lang="en-US" altLang="ko-KR" sz="2000" i="1" dirty="0">
-                <a:solidFill>
-                  <a:srgbClr val="333333"/>
-                </a:solidFill>
-                <a:latin typeface="Consolas" panose="020B0609020204030204" pitchFamily="49" charset="0"/>
-              </a:rPr>
-              <a:t>- </a:t>
-            </a:r>
-            <a:r>
-              <a:rPr lang="ko-KR" altLang="en-US" sz="2000" i="1" dirty="0">
-                <a:solidFill>
-                  <a:srgbClr val="333333"/>
-                </a:solidFill>
-                <a:latin typeface="Consolas" panose="020B0609020204030204" pitchFamily="49" charset="0"/>
-              </a:rPr>
-              <a:t>배열에 조건을 주어 조건에 만족하지 못하는 원소들을 걸러낸다</a:t>
-            </a:r>
-            <a:r>
-              <a:rPr lang="en-US" altLang="ko-KR" sz="2000" i="1" dirty="0">
-                <a:solidFill>
-                  <a:srgbClr val="333333"/>
-                </a:solidFill>
-                <a:latin typeface="Consolas" panose="020B0609020204030204" pitchFamily="49" charset="0"/>
-              </a:rPr>
-              <a:t>.</a:t>
-            </a:r>
-            <a:endParaRPr lang="ko-KR" altLang="en-US" sz="2000" i="1" dirty="0">
-              <a:solidFill>
-                <a:srgbClr val="333333"/>
-              </a:solidFill>
-              <a:latin typeface="Consolas" panose="020B0609020204030204" pitchFamily="49" charset="0"/>
-            </a:endParaRPr>
-          </a:p>
-        </p:txBody>
-      </p:sp>
-      <p:sp>
-        <p:nvSpPr>
-          <p:cNvPr id="8" name="Rectangle 3"/>
-          <p:cNvSpPr>
-            <a:spLocks noChangeArrowheads="1"/>
-          </p:cNvSpPr>
-          <p:nvPr/>
-        </p:nvSpPr>
-        <p:spPr bwMode="auto">
-          <a:xfrm>
-            <a:off x="622408" y="2595171"/>
-            <a:ext cx="6347892" cy="923330"/>
-          </a:xfrm>
-          <a:prstGeom prst="rect">
-            <a:avLst/>
-          </a:prstGeom>
-          <a:noFill/>
-          <a:ln>
-            <a:noFill/>
-          </a:ln>
-          <a:effectLst/>
-        </p:spPr>
-        <p:txBody>
-          <a:bodyPr vert="horz" wrap="none" lIns="0" tIns="0" rIns="0" bIns="0" numCol="1" anchor="ctr" anchorCtr="0" compatLnSpc="1">
-            <a:prstTxWarp prst="textNoShape">
-              <a:avLst/>
-            </a:prstTxWarp>
-            <a:spAutoFit/>
-          </a:bodyPr>
-          <a:lstStyle/>
-          <a:p>
-            <a:pPr eaLnBrk="0" fontAlgn="base" latinLnBrk="0" hangingPunct="0">
-              <a:spcBef>
-                <a:spcPct val="0"/>
-              </a:spcBef>
-              <a:spcAft>
-                <a:spcPct val="0"/>
-              </a:spcAft>
-            </a:pPr>
-            <a:r>
-              <a:rPr lang="ko-KR" altLang="ko-KR" sz="2000" i="1" dirty="0">
-                <a:solidFill>
-                  <a:srgbClr val="333333"/>
-                </a:solidFill>
-                <a:latin typeface="Consolas" panose="020B0609020204030204" pitchFamily="49" charset="0"/>
-              </a:rPr>
-              <a:t>(param1, param2, …, paramN) =&gt; { statements </a:t>
-            </a:r>
-            <a:r>
-              <a:rPr lang="ko-KR" altLang="ko-KR" sz="2000" i="1" dirty="0" smtClean="0">
-                <a:solidFill>
-                  <a:srgbClr val="333333"/>
-                </a:solidFill>
-                <a:latin typeface="Consolas" panose="020B0609020204030204" pitchFamily="49" charset="0"/>
-              </a:rPr>
-              <a:t>}</a:t>
-            </a:r>
-            <a:endParaRPr lang="en-US" altLang="ko-KR" sz="2000" i="1" dirty="0" smtClean="0">
-              <a:solidFill>
-                <a:srgbClr val="333333"/>
-              </a:solidFill>
-              <a:latin typeface="Consolas" panose="020B0609020204030204" pitchFamily="49" charset="0"/>
-            </a:endParaRPr>
-          </a:p>
-          <a:p>
-            <a:pPr eaLnBrk="0" fontAlgn="base" latinLnBrk="0" hangingPunct="0">
-              <a:spcBef>
-                <a:spcPct val="0"/>
-              </a:spcBef>
-              <a:spcAft>
-                <a:spcPct val="0"/>
-              </a:spcAft>
-            </a:pPr>
-            <a:r>
-              <a:rPr lang="ko-KR" altLang="ko-KR" sz="2000" i="1" dirty="0" smtClean="0">
-                <a:solidFill>
-                  <a:srgbClr val="333333"/>
-                </a:solidFill>
-                <a:latin typeface="Consolas" panose="020B0609020204030204" pitchFamily="49" charset="0"/>
-              </a:rPr>
-              <a:t>(</a:t>
-            </a:r>
-            <a:r>
-              <a:rPr lang="ko-KR" altLang="ko-KR" sz="2000" i="1" dirty="0">
-                <a:solidFill>
-                  <a:srgbClr val="333333"/>
-                </a:solidFill>
-                <a:latin typeface="Consolas" panose="020B0609020204030204" pitchFamily="49" charset="0"/>
-              </a:rPr>
-              <a:t>param1, param2, …, paramN) =&gt; </a:t>
-            </a:r>
-            <a:r>
-              <a:rPr lang="ko-KR" altLang="ko-KR" sz="2000" i="1" dirty="0" smtClean="0">
-                <a:solidFill>
-                  <a:srgbClr val="333333"/>
-                </a:solidFill>
-                <a:latin typeface="Consolas" panose="020B0609020204030204" pitchFamily="49" charset="0"/>
-              </a:rPr>
-              <a:t>expression</a:t>
-            </a:r>
-            <a:endParaRPr lang="en-US" altLang="ko-KR" sz="2000" i="1" dirty="0" smtClean="0">
-              <a:solidFill>
-                <a:srgbClr val="333333"/>
-              </a:solidFill>
-              <a:latin typeface="Consolas" panose="020B0609020204030204" pitchFamily="49" charset="0"/>
-            </a:endParaRPr>
-          </a:p>
-          <a:p>
-            <a:pPr eaLnBrk="0" fontAlgn="base" latinLnBrk="0" hangingPunct="0">
-              <a:spcBef>
-                <a:spcPct val="0"/>
-              </a:spcBef>
-              <a:spcAft>
-                <a:spcPct val="0"/>
-              </a:spcAft>
-            </a:pPr>
-            <a:r>
-              <a:rPr lang="ko-KR" altLang="ko-KR" sz="2000" i="1" dirty="0" smtClean="0">
-                <a:solidFill>
-                  <a:srgbClr val="333333"/>
-                </a:solidFill>
-                <a:latin typeface="Consolas" panose="020B0609020204030204" pitchFamily="49" charset="0"/>
-              </a:rPr>
-              <a:t>// </a:t>
-            </a:r>
-            <a:r>
-              <a:rPr lang="ko-KR" altLang="ko-KR" sz="2000" i="1" dirty="0">
-                <a:solidFill>
-                  <a:srgbClr val="333333"/>
-                </a:solidFill>
-                <a:latin typeface="Consolas" panose="020B0609020204030204" pitchFamily="49" charset="0"/>
-              </a:rPr>
-              <a:t>다음과 동일함: =&gt; { return expression; } </a:t>
-            </a:r>
-          </a:p>
-        </p:txBody>
-      </p:sp>
-      <p:sp>
-        <p:nvSpPr>
-          <p:cNvPr id="9" name="Rectangle 4"/>
-          <p:cNvSpPr>
-            <a:spLocks noChangeArrowheads="1"/>
-          </p:cNvSpPr>
-          <p:nvPr/>
-        </p:nvSpPr>
-        <p:spPr bwMode="auto">
-          <a:xfrm>
-            <a:off x="622408" y="3773634"/>
-            <a:ext cx="5745163" cy="1846659"/>
-          </a:xfrm>
-          <a:prstGeom prst="rect">
-            <a:avLst/>
-          </a:prstGeom>
-          <a:noFill/>
-          <a:ln>
-            <a:noFill/>
-          </a:ln>
-          <a:effectLst/>
-        </p:spPr>
-        <p:txBody>
-          <a:bodyPr vert="horz" wrap="none" lIns="0" tIns="0" rIns="0" bIns="0" numCol="1" anchor="ctr" anchorCtr="0" compatLnSpc="1">
-            <a:prstTxWarp prst="textNoShape">
-              <a:avLst/>
-            </a:prstTxWarp>
-            <a:spAutoFit/>
-          </a:bodyPr>
-          <a:lstStyle/>
-          <a:p>
-            <a:pPr eaLnBrk="0" fontAlgn="base" latinLnBrk="0" hangingPunct="0">
-              <a:spcBef>
-                <a:spcPct val="0"/>
-              </a:spcBef>
-              <a:spcAft>
-                <a:spcPct val="0"/>
-              </a:spcAft>
-            </a:pPr>
-            <a:r>
-              <a:rPr lang="ko-KR" altLang="ko-KR" sz="2000" i="1" dirty="0">
-                <a:solidFill>
-                  <a:srgbClr val="333333"/>
-                </a:solidFill>
-                <a:latin typeface="Consolas" panose="020B0609020204030204" pitchFamily="49" charset="0"/>
-              </a:rPr>
-              <a:t>// 매개변수가 하나뿐인 경우 괄호는 선택사항</a:t>
-            </a:r>
-            <a:r>
-              <a:rPr lang="ko-KR" altLang="ko-KR" sz="2000" i="1" dirty="0" smtClean="0">
-                <a:solidFill>
-                  <a:srgbClr val="333333"/>
-                </a:solidFill>
-                <a:latin typeface="Consolas" panose="020B0609020204030204" pitchFamily="49" charset="0"/>
-              </a:rPr>
-              <a:t>:</a:t>
-            </a:r>
-            <a:endParaRPr lang="en-US" altLang="ko-KR" sz="2000" i="1" dirty="0" smtClean="0">
-              <a:solidFill>
-                <a:srgbClr val="333333"/>
-              </a:solidFill>
-              <a:latin typeface="Consolas" panose="020B0609020204030204" pitchFamily="49" charset="0"/>
-            </a:endParaRPr>
-          </a:p>
-          <a:p>
-            <a:pPr eaLnBrk="0" fontAlgn="base" latinLnBrk="0" hangingPunct="0">
-              <a:spcBef>
-                <a:spcPct val="0"/>
-              </a:spcBef>
-              <a:spcAft>
-                <a:spcPct val="0"/>
-              </a:spcAft>
-            </a:pPr>
-            <a:r>
-              <a:rPr lang="ko-KR" altLang="ko-KR" sz="2000" i="1" dirty="0" smtClean="0">
-                <a:solidFill>
-                  <a:srgbClr val="333333"/>
-                </a:solidFill>
-                <a:latin typeface="Consolas" panose="020B0609020204030204" pitchFamily="49" charset="0"/>
-              </a:rPr>
-              <a:t>(</a:t>
-            </a:r>
-            <a:r>
-              <a:rPr lang="ko-KR" altLang="ko-KR" sz="2000" i="1" dirty="0">
-                <a:solidFill>
-                  <a:srgbClr val="333333"/>
-                </a:solidFill>
-                <a:latin typeface="Consolas" panose="020B0609020204030204" pitchFamily="49" charset="0"/>
-              </a:rPr>
-              <a:t>singleParam) =&gt; { statements </a:t>
-            </a:r>
-            <a:r>
-              <a:rPr lang="ko-KR" altLang="ko-KR" sz="2000" i="1" dirty="0" smtClean="0">
-                <a:solidFill>
-                  <a:srgbClr val="333333"/>
-                </a:solidFill>
-                <a:latin typeface="Consolas" panose="020B0609020204030204" pitchFamily="49" charset="0"/>
-              </a:rPr>
-              <a:t>}</a:t>
-            </a:r>
-            <a:endParaRPr lang="en-US" altLang="ko-KR" sz="2000" i="1" dirty="0" smtClean="0">
-              <a:solidFill>
-                <a:srgbClr val="333333"/>
-              </a:solidFill>
-              <a:latin typeface="Consolas" panose="020B0609020204030204" pitchFamily="49" charset="0"/>
-            </a:endParaRPr>
-          </a:p>
-          <a:p>
-            <a:pPr eaLnBrk="0" fontAlgn="base" latinLnBrk="0" hangingPunct="0">
-              <a:spcBef>
-                <a:spcPct val="0"/>
-              </a:spcBef>
-              <a:spcAft>
-                <a:spcPct val="0"/>
-              </a:spcAft>
-            </a:pPr>
-            <a:r>
-              <a:rPr lang="ko-KR" altLang="ko-KR" sz="2000" i="1" dirty="0" smtClean="0">
-                <a:solidFill>
-                  <a:srgbClr val="333333"/>
-                </a:solidFill>
-                <a:latin typeface="Consolas" panose="020B0609020204030204" pitchFamily="49" charset="0"/>
-              </a:rPr>
-              <a:t>singleParam </a:t>
-            </a:r>
-            <a:r>
-              <a:rPr lang="ko-KR" altLang="ko-KR" sz="2000" i="1" dirty="0">
-                <a:solidFill>
-                  <a:srgbClr val="333333"/>
-                </a:solidFill>
-                <a:latin typeface="Consolas" panose="020B0609020204030204" pitchFamily="49" charset="0"/>
-              </a:rPr>
-              <a:t>=&gt; { statements </a:t>
-            </a:r>
-            <a:r>
-              <a:rPr lang="ko-KR" altLang="ko-KR" sz="2000" i="1" dirty="0" smtClean="0">
-                <a:solidFill>
-                  <a:srgbClr val="333333"/>
-                </a:solidFill>
-                <a:latin typeface="Consolas" panose="020B0609020204030204" pitchFamily="49" charset="0"/>
-              </a:rPr>
-              <a:t>}</a:t>
-            </a:r>
-            <a:endParaRPr lang="en-US" altLang="ko-KR" sz="2000" i="1" dirty="0" smtClean="0">
-              <a:solidFill>
-                <a:srgbClr val="333333"/>
-              </a:solidFill>
-              <a:latin typeface="Consolas" panose="020B0609020204030204" pitchFamily="49" charset="0"/>
-            </a:endParaRPr>
-          </a:p>
-          <a:p>
-            <a:pPr eaLnBrk="0" fontAlgn="base" latinLnBrk="0" hangingPunct="0">
-              <a:spcBef>
-                <a:spcPct val="0"/>
-              </a:spcBef>
-              <a:spcAft>
-                <a:spcPct val="0"/>
-              </a:spcAft>
-            </a:pPr>
-            <a:endParaRPr lang="en-US" altLang="ko-KR" sz="2000" i="1" dirty="0">
-              <a:solidFill>
-                <a:srgbClr val="333333"/>
-              </a:solidFill>
-              <a:latin typeface="Consolas" panose="020B0609020204030204" pitchFamily="49" charset="0"/>
-            </a:endParaRPr>
-          </a:p>
-          <a:p>
-            <a:pPr eaLnBrk="0" fontAlgn="base" latinLnBrk="0" hangingPunct="0">
-              <a:spcBef>
-                <a:spcPct val="0"/>
-              </a:spcBef>
-              <a:spcAft>
-                <a:spcPct val="0"/>
-              </a:spcAft>
-            </a:pPr>
-            <a:r>
-              <a:rPr lang="ko-KR" altLang="ko-KR" sz="2000" i="1" dirty="0" smtClean="0">
-                <a:solidFill>
-                  <a:srgbClr val="333333"/>
-                </a:solidFill>
-                <a:latin typeface="Consolas" panose="020B0609020204030204" pitchFamily="49" charset="0"/>
-              </a:rPr>
-              <a:t>// </a:t>
-            </a:r>
-            <a:r>
-              <a:rPr lang="ko-KR" altLang="ko-KR" sz="2000" i="1" dirty="0">
-                <a:solidFill>
-                  <a:srgbClr val="333333"/>
-                </a:solidFill>
-                <a:latin typeface="Consolas" panose="020B0609020204030204" pitchFamily="49" charset="0"/>
-              </a:rPr>
-              <a:t>매개변수가 없는 함수는 괄호가 필요</a:t>
-            </a:r>
-            <a:r>
-              <a:rPr lang="ko-KR" altLang="ko-KR" sz="2000" i="1" dirty="0" smtClean="0">
-                <a:solidFill>
-                  <a:srgbClr val="333333"/>
-                </a:solidFill>
-                <a:latin typeface="Consolas" panose="020B0609020204030204" pitchFamily="49" charset="0"/>
-              </a:rPr>
-              <a:t>:</a:t>
-            </a:r>
-            <a:endParaRPr lang="en-US" altLang="ko-KR" sz="2000" i="1" dirty="0" smtClean="0">
-              <a:solidFill>
-                <a:srgbClr val="333333"/>
-              </a:solidFill>
-              <a:latin typeface="Consolas" panose="020B0609020204030204" pitchFamily="49" charset="0"/>
-            </a:endParaRPr>
-          </a:p>
-          <a:p>
-            <a:pPr eaLnBrk="0" fontAlgn="base" latinLnBrk="0" hangingPunct="0">
-              <a:spcBef>
-                <a:spcPct val="0"/>
-              </a:spcBef>
-              <a:spcAft>
-                <a:spcPct val="0"/>
-              </a:spcAft>
-            </a:pPr>
-            <a:r>
-              <a:rPr lang="ko-KR" altLang="ko-KR" sz="2000" i="1" dirty="0" smtClean="0">
-                <a:solidFill>
-                  <a:srgbClr val="333333"/>
-                </a:solidFill>
-                <a:latin typeface="Consolas" panose="020B0609020204030204" pitchFamily="49" charset="0"/>
-              </a:rPr>
-              <a:t>() </a:t>
-            </a:r>
-            <a:r>
-              <a:rPr lang="ko-KR" altLang="ko-KR" sz="2000" i="1" dirty="0">
-                <a:solidFill>
-                  <a:srgbClr val="333333"/>
-                </a:solidFill>
-                <a:latin typeface="Consolas" panose="020B0609020204030204" pitchFamily="49" charset="0"/>
-              </a:rPr>
-              <a:t>=&gt; { statements } </a:t>
-            </a:r>
-          </a:p>
-        </p:txBody>
-      </p:sp>
-      <p:sp>
-        <p:nvSpPr>
-          <p:cNvPr id="10" name="Rectangle 9"/>
-          <p:cNvSpPr/>
-          <p:nvPr/>
-        </p:nvSpPr>
-        <p:spPr>
-          <a:xfrm>
-            <a:off x="513805" y="186131"/>
-            <a:ext cx="11283747" cy="1015663"/>
-          </a:xfrm>
-          <a:prstGeom prst="rect">
-            <a:avLst/>
-          </a:prstGeom>
-        </p:spPr>
-        <p:txBody>
-          <a:bodyPr wrap="square">
-            <a:spAutoFit/>
-          </a:bodyPr>
-          <a:lstStyle/>
-          <a:p>
-            <a:r>
-              <a:rPr lang="en-US" altLang="ko-KR" sz="2000" b="1" i="1" dirty="0" err="1" smtClean="0">
-                <a:effectLst/>
-                <a:latin typeface="Consolas" panose="020B0609020204030204" pitchFamily="49" charset="0"/>
-              </a:rPr>
-              <a:t>Array.prototype.filter</a:t>
-            </a:r>
-            <a:r>
-              <a:rPr lang="en-US" altLang="ko-KR" sz="2000" b="1" i="1" dirty="0" smtClean="0">
-                <a:effectLst/>
-                <a:latin typeface="Consolas" panose="020B0609020204030204" pitchFamily="49" charset="0"/>
-              </a:rPr>
-              <a:t>()</a:t>
-            </a:r>
-            <a:endParaRPr lang="en-US" altLang="ko-KR" sz="2000" b="1" dirty="0" smtClean="0">
-              <a:effectLst/>
-              <a:latin typeface="Consolas" panose="020B0609020204030204" pitchFamily="49" charset="0"/>
-            </a:endParaRPr>
-          </a:p>
-          <a:p>
-            <a:r>
-              <a:rPr lang="en-US" altLang="ko-KR" sz="2000" b="1" i="1" dirty="0" smtClean="0">
-                <a:effectLst/>
-                <a:latin typeface="Consolas" panose="020B0609020204030204" pitchFamily="49" charset="0"/>
-              </a:rPr>
-              <a:t>1. Filter the list of inventors for those who were born in the 1500's</a:t>
-            </a:r>
-            <a:endParaRPr lang="en-US" altLang="ko-KR" sz="2000" b="1" dirty="0" smtClean="0">
-              <a:effectLst/>
-              <a:latin typeface="Consolas" panose="020B0609020204030204" pitchFamily="49" charset="0"/>
-            </a:endParaRPr>
-          </a:p>
-          <a:p>
-            <a:r>
-              <a:rPr lang="en-US" altLang="ko-KR" sz="2000" b="1" dirty="0" smtClean="0">
-                <a:effectLst/>
-                <a:latin typeface="Consolas" panose="020B0609020204030204" pitchFamily="49" charset="0"/>
-              </a:rPr>
-              <a:t>  (</a:t>
-            </a:r>
-            <a:r>
-              <a:rPr lang="ko-KR" altLang="en-US" sz="2000" b="1" dirty="0" smtClean="0">
-                <a:effectLst/>
-                <a:latin typeface="Consolas" panose="020B0609020204030204" pitchFamily="49" charset="0"/>
-              </a:rPr>
-              <a:t>태어난 년도가 </a:t>
-            </a:r>
-            <a:r>
-              <a:rPr lang="en-US" altLang="ko-KR" sz="2000" b="1" i="1" dirty="0" smtClean="0">
-                <a:effectLst/>
-                <a:latin typeface="Consolas" panose="020B0609020204030204" pitchFamily="49" charset="0"/>
-              </a:rPr>
-              <a:t>1500</a:t>
-            </a:r>
-            <a:r>
-              <a:rPr lang="ko-KR" altLang="en-US" sz="2000" b="1" i="1" dirty="0" smtClean="0">
-                <a:effectLst/>
-                <a:latin typeface="Consolas" panose="020B0609020204030204" pitchFamily="49" charset="0"/>
-              </a:rPr>
-              <a:t>년대 사람만 찾아서 출력하시오</a:t>
-            </a:r>
-            <a:r>
-              <a:rPr lang="en-US" altLang="ko-KR" sz="2000" b="1" i="1" dirty="0" smtClean="0">
-                <a:effectLst/>
-                <a:latin typeface="Consolas" panose="020B0609020204030204" pitchFamily="49" charset="0"/>
-              </a:rPr>
-              <a:t>.)</a:t>
-            </a:r>
-            <a:endParaRPr lang="ko-KR" altLang="en-US" sz="2000" b="1" dirty="0">
-              <a:effectLst/>
-              <a:latin typeface="Consolas" panose="020B0609020204030204" pitchFamily="49" charset="0"/>
-            </a:endParaRPr>
-          </a:p>
-        </p:txBody>
-      </p:sp>
-    </p:spTree>
-    <p:extLst>
-      <p:ext uri="{BB962C8B-B14F-4D97-AF65-F5344CB8AC3E}">
-        <p14:creationId xmlns:p14="http://schemas.microsoft.com/office/powerpoint/2010/main" val="3612973145"/>
       </p:ext>
     </p:extLst>
   </p:cSld>
@@ -6944,7 +8225,7 @@
     </p:spTree>
     <p:extLst>
       <p:ext uri="{BB962C8B-B14F-4D97-AF65-F5344CB8AC3E}">
-        <p14:creationId xmlns:p14="http://schemas.microsoft.com/office/powerpoint/2010/main" val="2406764779"/>
+        <p14:creationId xmlns:p14="http://schemas.microsoft.com/office/powerpoint/2010/main" val="3612973145"/>
       </p:ext>
     </p:extLst>
   </p:cSld>
@@ -7633,6 +8914,695 @@
     </p:spTree>
     <p:extLst>
       <p:ext uri="{BB962C8B-B14F-4D97-AF65-F5344CB8AC3E}">
+        <p14:creationId xmlns:p14="http://schemas.microsoft.com/office/powerpoint/2010/main" val="2406764779"/>
+      </p:ext>
+    </p:extLst>
+  </p:cSld>
+  <p:clrMapOvr>
+    <a:masterClrMapping/>
+  </p:clrMapOvr>
+</p:sld>
+</file>
+
+<file path=ppt/slides/slide8.xml><?xml version="1.0" encoding="utf-8"?>
+<p:sld xmlns:a="http://schemas.openxmlformats.org/drawingml/2006/main" xmlns:r="http://schemas.openxmlformats.org/officeDocument/2006/relationships" xmlns:p="http://schemas.openxmlformats.org/presentationml/2006/main">
+  <p:cSld>
+    <p:spTree>
+      <p:nvGrpSpPr>
+        <p:cNvPr id="1" name=""/>
+        <p:cNvGrpSpPr/>
+        <p:nvPr/>
+      </p:nvGrpSpPr>
+      <p:grpSpPr>
+        <a:xfrm>
+          <a:off x="0" y="0"/>
+          <a:ext cx="0" cy="0"/>
+          <a:chOff x="0" y="0"/>
+          <a:chExt cx="0" cy="0"/>
+        </a:xfrm>
+      </p:grpSpPr>
+      <p:sp>
+        <p:nvSpPr>
+          <p:cNvPr id="7" name="Rectangle 6"/>
+          <p:cNvSpPr/>
+          <p:nvPr/>
+        </p:nvSpPr>
+        <p:spPr>
+          <a:xfrm>
+            <a:off x="513806" y="1390651"/>
+            <a:ext cx="11678194" cy="1015663"/>
+          </a:xfrm>
+          <a:prstGeom prst="rect">
+            <a:avLst/>
+          </a:prstGeom>
+        </p:spPr>
+        <p:txBody>
+          <a:bodyPr wrap="square">
+            <a:spAutoFit/>
+          </a:bodyPr>
+          <a:lstStyle/>
+          <a:p>
+            <a:pPr eaLnBrk="0" fontAlgn="base" latinLnBrk="0" hangingPunct="0">
+              <a:spcBef>
+                <a:spcPct val="0"/>
+              </a:spcBef>
+              <a:spcAft>
+                <a:spcPct val="0"/>
+              </a:spcAft>
+            </a:pPr>
+            <a:r>
+              <a:rPr lang="en-US" altLang="ko-KR" sz="2000" i="1" dirty="0">
+                <a:solidFill>
+                  <a:srgbClr val="333333"/>
+                </a:solidFill>
+                <a:latin typeface="Consolas" panose="020B0609020204030204" pitchFamily="49" charset="0"/>
+              </a:rPr>
+              <a:t>filter(callback)</a:t>
+            </a:r>
+            <a:endParaRPr lang="ko-KR" altLang="en-US" sz="2000" i="1" dirty="0">
+              <a:solidFill>
+                <a:srgbClr val="333333"/>
+              </a:solidFill>
+              <a:latin typeface="Consolas" panose="020B0609020204030204" pitchFamily="49" charset="0"/>
+            </a:endParaRPr>
+          </a:p>
+          <a:p>
+            <a:pPr eaLnBrk="0" fontAlgn="base" latinLnBrk="0" hangingPunct="0">
+              <a:spcBef>
+                <a:spcPct val="0"/>
+              </a:spcBef>
+              <a:spcAft>
+                <a:spcPct val="0"/>
+              </a:spcAft>
+            </a:pPr>
+            <a:r>
+              <a:rPr lang="ko-KR" altLang="en-US" sz="2000" i="1" dirty="0">
+                <a:solidFill>
+                  <a:srgbClr val="333333"/>
+                </a:solidFill>
+                <a:latin typeface="Consolas" panose="020B0609020204030204" pitchFamily="49" charset="0"/>
+              </a:rPr>
+              <a:t> </a:t>
+            </a:r>
+            <a:r>
+              <a:rPr lang="en-US" altLang="ko-KR" sz="2000" i="1" dirty="0">
+                <a:solidFill>
+                  <a:srgbClr val="333333"/>
+                </a:solidFill>
+                <a:latin typeface="Consolas" panose="020B0609020204030204" pitchFamily="49" charset="0"/>
+              </a:rPr>
+              <a:t>- </a:t>
+            </a:r>
+            <a:r>
+              <a:rPr lang="en-US" altLang="ko-KR" sz="2000" i="1" dirty="0" err="1">
+                <a:solidFill>
+                  <a:srgbClr val="333333"/>
+                </a:solidFill>
+                <a:latin typeface="Consolas" panose="020B0609020204030204" pitchFamily="49" charset="0"/>
+              </a:rPr>
+              <a:t>arr.filter</a:t>
+            </a:r>
+            <a:r>
+              <a:rPr lang="en-US" altLang="ko-KR" sz="2000" i="1" dirty="0">
+                <a:solidFill>
+                  <a:srgbClr val="333333"/>
+                </a:solidFill>
+                <a:latin typeface="Consolas" panose="020B0609020204030204" pitchFamily="49" charset="0"/>
+              </a:rPr>
+              <a:t>(callback[</a:t>
+            </a:r>
+            <a:r>
+              <a:rPr lang="en-US" altLang="ko-KR" sz="2000" i="1" dirty="0" err="1">
+                <a:solidFill>
+                  <a:srgbClr val="333333"/>
+                </a:solidFill>
+                <a:latin typeface="Consolas" panose="020B0609020204030204" pitchFamily="49" charset="0"/>
+              </a:rPr>
+              <a:t>thisArg</a:t>
+            </a:r>
+            <a:r>
+              <a:rPr lang="en-US" altLang="ko-KR" sz="2000" i="1" dirty="0">
+                <a:solidFill>
+                  <a:srgbClr val="333333"/>
+                </a:solidFill>
+                <a:latin typeface="Consolas" panose="020B0609020204030204" pitchFamily="49" charset="0"/>
+              </a:rPr>
+              <a:t>]) </a:t>
+            </a:r>
+            <a:r>
+              <a:rPr lang="ko-KR" altLang="en-US" sz="2000" i="1" dirty="0">
+                <a:solidFill>
+                  <a:srgbClr val="333333"/>
+                </a:solidFill>
+                <a:latin typeface="Consolas" panose="020B0609020204030204" pitchFamily="49" charset="0"/>
+              </a:rPr>
+              <a:t>의 형태 입니다</a:t>
+            </a:r>
+            <a:r>
+              <a:rPr lang="en-US" altLang="ko-KR" sz="2000" i="1" dirty="0">
+                <a:solidFill>
+                  <a:srgbClr val="333333"/>
+                </a:solidFill>
+                <a:latin typeface="Consolas" panose="020B0609020204030204" pitchFamily="49" charset="0"/>
+              </a:rPr>
+              <a:t>.</a:t>
+            </a:r>
+            <a:endParaRPr lang="ko-KR" altLang="en-US" sz="2000" i="1" dirty="0">
+              <a:solidFill>
+                <a:srgbClr val="333333"/>
+              </a:solidFill>
+              <a:latin typeface="Consolas" panose="020B0609020204030204" pitchFamily="49" charset="0"/>
+            </a:endParaRPr>
+          </a:p>
+          <a:p>
+            <a:pPr eaLnBrk="0" fontAlgn="base" latinLnBrk="0" hangingPunct="0">
+              <a:spcBef>
+                <a:spcPct val="0"/>
+              </a:spcBef>
+              <a:spcAft>
+                <a:spcPct val="0"/>
+              </a:spcAft>
+            </a:pPr>
+            <a:r>
+              <a:rPr lang="ko-KR" altLang="en-US" sz="2000" i="1" dirty="0">
+                <a:solidFill>
+                  <a:srgbClr val="333333"/>
+                </a:solidFill>
+                <a:latin typeface="Consolas" panose="020B0609020204030204" pitchFamily="49" charset="0"/>
+              </a:rPr>
+              <a:t> </a:t>
+            </a:r>
+            <a:r>
+              <a:rPr lang="en-US" altLang="ko-KR" sz="2000" i="1" dirty="0">
+                <a:solidFill>
+                  <a:srgbClr val="333333"/>
+                </a:solidFill>
+                <a:latin typeface="Consolas" panose="020B0609020204030204" pitchFamily="49" charset="0"/>
+              </a:rPr>
+              <a:t>- </a:t>
+            </a:r>
+            <a:r>
+              <a:rPr lang="ko-KR" altLang="en-US" sz="2000" i="1" dirty="0">
+                <a:solidFill>
+                  <a:srgbClr val="333333"/>
+                </a:solidFill>
+                <a:latin typeface="Consolas" panose="020B0609020204030204" pitchFamily="49" charset="0"/>
+              </a:rPr>
+              <a:t>배열에 조건을 주어 조건에 만족하지 못하는 원소들을 걸러낸다</a:t>
+            </a:r>
+            <a:r>
+              <a:rPr lang="en-US" altLang="ko-KR" sz="2000" i="1" dirty="0">
+                <a:solidFill>
+                  <a:srgbClr val="333333"/>
+                </a:solidFill>
+                <a:latin typeface="Consolas" panose="020B0609020204030204" pitchFamily="49" charset="0"/>
+              </a:rPr>
+              <a:t>.</a:t>
+            </a:r>
+            <a:endParaRPr lang="ko-KR" altLang="en-US" sz="2000" i="1" dirty="0">
+              <a:solidFill>
+                <a:srgbClr val="333333"/>
+              </a:solidFill>
+              <a:latin typeface="Consolas" panose="020B0609020204030204" pitchFamily="49" charset="0"/>
+            </a:endParaRPr>
+          </a:p>
+        </p:txBody>
+      </p:sp>
+      <p:sp>
+        <p:nvSpPr>
+          <p:cNvPr id="8" name="Rectangle 3"/>
+          <p:cNvSpPr>
+            <a:spLocks noChangeArrowheads="1"/>
+          </p:cNvSpPr>
+          <p:nvPr/>
+        </p:nvSpPr>
+        <p:spPr bwMode="auto">
+          <a:xfrm>
+            <a:off x="622408" y="2595171"/>
+            <a:ext cx="6347892" cy="923330"/>
+          </a:xfrm>
+          <a:prstGeom prst="rect">
+            <a:avLst/>
+          </a:prstGeom>
+          <a:noFill/>
+          <a:ln>
+            <a:noFill/>
+          </a:ln>
+          <a:effectLst/>
+        </p:spPr>
+        <p:txBody>
+          <a:bodyPr vert="horz" wrap="none" lIns="0" tIns="0" rIns="0" bIns="0" numCol="1" anchor="ctr" anchorCtr="0" compatLnSpc="1">
+            <a:prstTxWarp prst="textNoShape">
+              <a:avLst/>
+            </a:prstTxWarp>
+            <a:spAutoFit/>
+          </a:bodyPr>
+          <a:lstStyle/>
+          <a:p>
+            <a:pPr eaLnBrk="0" fontAlgn="base" latinLnBrk="0" hangingPunct="0">
+              <a:spcBef>
+                <a:spcPct val="0"/>
+              </a:spcBef>
+              <a:spcAft>
+                <a:spcPct val="0"/>
+              </a:spcAft>
+            </a:pPr>
+            <a:r>
+              <a:rPr lang="ko-KR" altLang="ko-KR" sz="2000" i="1" dirty="0">
+                <a:solidFill>
+                  <a:srgbClr val="333333"/>
+                </a:solidFill>
+                <a:latin typeface="Consolas" panose="020B0609020204030204" pitchFamily="49" charset="0"/>
+              </a:rPr>
+              <a:t>(param1, param2, …, paramN) =&gt; { statements </a:t>
+            </a:r>
+            <a:r>
+              <a:rPr lang="ko-KR" altLang="ko-KR" sz="2000" i="1" dirty="0" smtClean="0">
+                <a:solidFill>
+                  <a:srgbClr val="333333"/>
+                </a:solidFill>
+                <a:latin typeface="Consolas" panose="020B0609020204030204" pitchFamily="49" charset="0"/>
+              </a:rPr>
+              <a:t>}</a:t>
+            </a:r>
+            <a:endParaRPr lang="en-US" altLang="ko-KR" sz="2000" i="1" dirty="0" smtClean="0">
+              <a:solidFill>
+                <a:srgbClr val="333333"/>
+              </a:solidFill>
+              <a:latin typeface="Consolas" panose="020B0609020204030204" pitchFamily="49" charset="0"/>
+            </a:endParaRPr>
+          </a:p>
+          <a:p>
+            <a:pPr eaLnBrk="0" fontAlgn="base" latinLnBrk="0" hangingPunct="0">
+              <a:spcBef>
+                <a:spcPct val="0"/>
+              </a:spcBef>
+              <a:spcAft>
+                <a:spcPct val="0"/>
+              </a:spcAft>
+            </a:pPr>
+            <a:r>
+              <a:rPr lang="ko-KR" altLang="ko-KR" sz="2000" i="1" dirty="0" smtClean="0">
+                <a:solidFill>
+                  <a:srgbClr val="333333"/>
+                </a:solidFill>
+                <a:latin typeface="Consolas" panose="020B0609020204030204" pitchFamily="49" charset="0"/>
+              </a:rPr>
+              <a:t>(</a:t>
+            </a:r>
+            <a:r>
+              <a:rPr lang="ko-KR" altLang="ko-KR" sz="2000" i="1" dirty="0">
+                <a:solidFill>
+                  <a:srgbClr val="333333"/>
+                </a:solidFill>
+                <a:latin typeface="Consolas" panose="020B0609020204030204" pitchFamily="49" charset="0"/>
+              </a:rPr>
+              <a:t>param1, param2, …, paramN) =&gt; </a:t>
+            </a:r>
+            <a:r>
+              <a:rPr lang="ko-KR" altLang="ko-KR" sz="2000" i="1" dirty="0" smtClean="0">
+                <a:solidFill>
+                  <a:srgbClr val="333333"/>
+                </a:solidFill>
+                <a:latin typeface="Consolas" panose="020B0609020204030204" pitchFamily="49" charset="0"/>
+              </a:rPr>
+              <a:t>expression</a:t>
+            </a:r>
+            <a:endParaRPr lang="en-US" altLang="ko-KR" sz="2000" i="1" dirty="0" smtClean="0">
+              <a:solidFill>
+                <a:srgbClr val="333333"/>
+              </a:solidFill>
+              <a:latin typeface="Consolas" panose="020B0609020204030204" pitchFamily="49" charset="0"/>
+            </a:endParaRPr>
+          </a:p>
+          <a:p>
+            <a:pPr eaLnBrk="0" fontAlgn="base" latinLnBrk="0" hangingPunct="0">
+              <a:spcBef>
+                <a:spcPct val="0"/>
+              </a:spcBef>
+              <a:spcAft>
+                <a:spcPct val="0"/>
+              </a:spcAft>
+            </a:pPr>
+            <a:r>
+              <a:rPr lang="ko-KR" altLang="ko-KR" sz="2000" i="1" dirty="0" smtClean="0">
+                <a:solidFill>
+                  <a:srgbClr val="333333"/>
+                </a:solidFill>
+                <a:latin typeface="Consolas" panose="020B0609020204030204" pitchFamily="49" charset="0"/>
+              </a:rPr>
+              <a:t>// </a:t>
+            </a:r>
+            <a:r>
+              <a:rPr lang="ko-KR" altLang="ko-KR" sz="2000" i="1" dirty="0">
+                <a:solidFill>
+                  <a:srgbClr val="333333"/>
+                </a:solidFill>
+                <a:latin typeface="Consolas" panose="020B0609020204030204" pitchFamily="49" charset="0"/>
+              </a:rPr>
+              <a:t>다음과 동일함: =&gt; { return expression; } </a:t>
+            </a:r>
+          </a:p>
+        </p:txBody>
+      </p:sp>
+      <p:sp>
+        <p:nvSpPr>
+          <p:cNvPr id="9" name="Rectangle 4"/>
+          <p:cNvSpPr>
+            <a:spLocks noChangeArrowheads="1"/>
+          </p:cNvSpPr>
+          <p:nvPr/>
+        </p:nvSpPr>
+        <p:spPr bwMode="auto">
+          <a:xfrm>
+            <a:off x="622408" y="3773634"/>
+            <a:ext cx="5745163" cy="1846659"/>
+          </a:xfrm>
+          <a:prstGeom prst="rect">
+            <a:avLst/>
+          </a:prstGeom>
+          <a:noFill/>
+          <a:ln>
+            <a:noFill/>
+          </a:ln>
+          <a:effectLst/>
+        </p:spPr>
+        <p:txBody>
+          <a:bodyPr vert="horz" wrap="none" lIns="0" tIns="0" rIns="0" bIns="0" numCol="1" anchor="ctr" anchorCtr="0" compatLnSpc="1">
+            <a:prstTxWarp prst="textNoShape">
+              <a:avLst/>
+            </a:prstTxWarp>
+            <a:spAutoFit/>
+          </a:bodyPr>
+          <a:lstStyle/>
+          <a:p>
+            <a:pPr eaLnBrk="0" fontAlgn="base" latinLnBrk="0" hangingPunct="0">
+              <a:spcBef>
+                <a:spcPct val="0"/>
+              </a:spcBef>
+              <a:spcAft>
+                <a:spcPct val="0"/>
+              </a:spcAft>
+            </a:pPr>
+            <a:r>
+              <a:rPr lang="ko-KR" altLang="ko-KR" sz="2000" i="1" dirty="0">
+                <a:solidFill>
+                  <a:srgbClr val="333333"/>
+                </a:solidFill>
+                <a:latin typeface="Consolas" panose="020B0609020204030204" pitchFamily="49" charset="0"/>
+              </a:rPr>
+              <a:t>// 매개변수가 하나뿐인 경우 괄호는 선택사항</a:t>
+            </a:r>
+            <a:r>
+              <a:rPr lang="ko-KR" altLang="ko-KR" sz="2000" i="1" dirty="0" smtClean="0">
+                <a:solidFill>
+                  <a:srgbClr val="333333"/>
+                </a:solidFill>
+                <a:latin typeface="Consolas" panose="020B0609020204030204" pitchFamily="49" charset="0"/>
+              </a:rPr>
+              <a:t>:</a:t>
+            </a:r>
+            <a:endParaRPr lang="en-US" altLang="ko-KR" sz="2000" i="1" dirty="0" smtClean="0">
+              <a:solidFill>
+                <a:srgbClr val="333333"/>
+              </a:solidFill>
+              <a:latin typeface="Consolas" panose="020B0609020204030204" pitchFamily="49" charset="0"/>
+            </a:endParaRPr>
+          </a:p>
+          <a:p>
+            <a:pPr eaLnBrk="0" fontAlgn="base" latinLnBrk="0" hangingPunct="0">
+              <a:spcBef>
+                <a:spcPct val="0"/>
+              </a:spcBef>
+              <a:spcAft>
+                <a:spcPct val="0"/>
+              </a:spcAft>
+            </a:pPr>
+            <a:r>
+              <a:rPr lang="ko-KR" altLang="ko-KR" sz="2000" i="1" dirty="0" smtClean="0">
+                <a:solidFill>
+                  <a:srgbClr val="333333"/>
+                </a:solidFill>
+                <a:latin typeface="Consolas" panose="020B0609020204030204" pitchFamily="49" charset="0"/>
+              </a:rPr>
+              <a:t>(</a:t>
+            </a:r>
+            <a:r>
+              <a:rPr lang="ko-KR" altLang="ko-KR" sz="2000" i="1" dirty="0">
+                <a:solidFill>
+                  <a:srgbClr val="333333"/>
+                </a:solidFill>
+                <a:latin typeface="Consolas" panose="020B0609020204030204" pitchFamily="49" charset="0"/>
+              </a:rPr>
+              <a:t>singleParam) =&gt; { statements </a:t>
+            </a:r>
+            <a:r>
+              <a:rPr lang="ko-KR" altLang="ko-KR" sz="2000" i="1" dirty="0" smtClean="0">
+                <a:solidFill>
+                  <a:srgbClr val="333333"/>
+                </a:solidFill>
+                <a:latin typeface="Consolas" panose="020B0609020204030204" pitchFamily="49" charset="0"/>
+              </a:rPr>
+              <a:t>}</a:t>
+            </a:r>
+            <a:endParaRPr lang="en-US" altLang="ko-KR" sz="2000" i="1" dirty="0" smtClean="0">
+              <a:solidFill>
+                <a:srgbClr val="333333"/>
+              </a:solidFill>
+              <a:latin typeface="Consolas" panose="020B0609020204030204" pitchFamily="49" charset="0"/>
+            </a:endParaRPr>
+          </a:p>
+          <a:p>
+            <a:pPr eaLnBrk="0" fontAlgn="base" latinLnBrk="0" hangingPunct="0">
+              <a:spcBef>
+                <a:spcPct val="0"/>
+              </a:spcBef>
+              <a:spcAft>
+                <a:spcPct val="0"/>
+              </a:spcAft>
+            </a:pPr>
+            <a:r>
+              <a:rPr lang="ko-KR" altLang="ko-KR" sz="2000" i="1" dirty="0" smtClean="0">
+                <a:solidFill>
+                  <a:srgbClr val="333333"/>
+                </a:solidFill>
+                <a:latin typeface="Consolas" panose="020B0609020204030204" pitchFamily="49" charset="0"/>
+              </a:rPr>
+              <a:t>singleParam </a:t>
+            </a:r>
+            <a:r>
+              <a:rPr lang="ko-KR" altLang="ko-KR" sz="2000" i="1" dirty="0">
+                <a:solidFill>
+                  <a:srgbClr val="333333"/>
+                </a:solidFill>
+                <a:latin typeface="Consolas" panose="020B0609020204030204" pitchFamily="49" charset="0"/>
+              </a:rPr>
+              <a:t>=&gt; { statements </a:t>
+            </a:r>
+            <a:r>
+              <a:rPr lang="ko-KR" altLang="ko-KR" sz="2000" i="1" dirty="0" smtClean="0">
+                <a:solidFill>
+                  <a:srgbClr val="333333"/>
+                </a:solidFill>
+                <a:latin typeface="Consolas" panose="020B0609020204030204" pitchFamily="49" charset="0"/>
+              </a:rPr>
+              <a:t>}</a:t>
+            </a:r>
+            <a:endParaRPr lang="en-US" altLang="ko-KR" sz="2000" i="1" dirty="0" smtClean="0">
+              <a:solidFill>
+                <a:srgbClr val="333333"/>
+              </a:solidFill>
+              <a:latin typeface="Consolas" panose="020B0609020204030204" pitchFamily="49" charset="0"/>
+            </a:endParaRPr>
+          </a:p>
+          <a:p>
+            <a:pPr eaLnBrk="0" fontAlgn="base" latinLnBrk="0" hangingPunct="0">
+              <a:spcBef>
+                <a:spcPct val="0"/>
+              </a:spcBef>
+              <a:spcAft>
+                <a:spcPct val="0"/>
+              </a:spcAft>
+            </a:pPr>
+            <a:endParaRPr lang="en-US" altLang="ko-KR" sz="2000" i="1" dirty="0">
+              <a:solidFill>
+                <a:srgbClr val="333333"/>
+              </a:solidFill>
+              <a:latin typeface="Consolas" panose="020B0609020204030204" pitchFamily="49" charset="0"/>
+            </a:endParaRPr>
+          </a:p>
+          <a:p>
+            <a:pPr eaLnBrk="0" fontAlgn="base" latinLnBrk="0" hangingPunct="0">
+              <a:spcBef>
+                <a:spcPct val="0"/>
+              </a:spcBef>
+              <a:spcAft>
+                <a:spcPct val="0"/>
+              </a:spcAft>
+            </a:pPr>
+            <a:r>
+              <a:rPr lang="ko-KR" altLang="ko-KR" sz="2000" i="1" dirty="0" smtClean="0">
+                <a:solidFill>
+                  <a:srgbClr val="333333"/>
+                </a:solidFill>
+                <a:latin typeface="Consolas" panose="020B0609020204030204" pitchFamily="49" charset="0"/>
+              </a:rPr>
+              <a:t>// </a:t>
+            </a:r>
+            <a:r>
+              <a:rPr lang="ko-KR" altLang="ko-KR" sz="2000" i="1" dirty="0">
+                <a:solidFill>
+                  <a:srgbClr val="333333"/>
+                </a:solidFill>
+                <a:latin typeface="Consolas" panose="020B0609020204030204" pitchFamily="49" charset="0"/>
+              </a:rPr>
+              <a:t>매개변수가 없는 함수는 괄호가 필요</a:t>
+            </a:r>
+            <a:r>
+              <a:rPr lang="ko-KR" altLang="ko-KR" sz="2000" i="1" dirty="0" smtClean="0">
+                <a:solidFill>
+                  <a:srgbClr val="333333"/>
+                </a:solidFill>
+                <a:latin typeface="Consolas" panose="020B0609020204030204" pitchFamily="49" charset="0"/>
+              </a:rPr>
+              <a:t>:</a:t>
+            </a:r>
+            <a:endParaRPr lang="en-US" altLang="ko-KR" sz="2000" i="1" dirty="0" smtClean="0">
+              <a:solidFill>
+                <a:srgbClr val="333333"/>
+              </a:solidFill>
+              <a:latin typeface="Consolas" panose="020B0609020204030204" pitchFamily="49" charset="0"/>
+            </a:endParaRPr>
+          </a:p>
+          <a:p>
+            <a:pPr eaLnBrk="0" fontAlgn="base" latinLnBrk="0" hangingPunct="0">
+              <a:spcBef>
+                <a:spcPct val="0"/>
+              </a:spcBef>
+              <a:spcAft>
+                <a:spcPct val="0"/>
+              </a:spcAft>
+            </a:pPr>
+            <a:r>
+              <a:rPr lang="ko-KR" altLang="ko-KR" sz="2000" i="1" dirty="0" smtClean="0">
+                <a:solidFill>
+                  <a:srgbClr val="333333"/>
+                </a:solidFill>
+                <a:latin typeface="Consolas" panose="020B0609020204030204" pitchFamily="49" charset="0"/>
+              </a:rPr>
+              <a:t>() </a:t>
+            </a:r>
+            <a:r>
+              <a:rPr lang="ko-KR" altLang="ko-KR" sz="2000" i="1" dirty="0">
+                <a:solidFill>
+                  <a:srgbClr val="333333"/>
+                </a:solidFill>
+                <a:latin typeface="Consolas" panose="020B0609020204030204" pitchFamily="49" charset="0"/>
+              </a:rPr>
+              <a:t>=&gt; { statements } </a:t>
+            </a:r>
+          </a:p>
+        </p:txBody>
+      </p:sp>
+      <p:sp>
+        <p:nvSpPr>
+          <p:cNvPr id="10" name="Rectangle 9"/>
+          <p:cNvSpPr/>
+          <p:nvPr/>
+        </p:nvSpPr>
+        <p:spPr>
+          <a:xfrm>
+            <a:off x="513805" y="186131"/>
+            <a:ext cx="11283747" cy="1015663"/>
+          </a:xfrm>
+          <a:prstGeom prst="rect">
+            <a:avLst/>
+          </a:prstGeom>
+        </p:spPr>
+        <p:txBody>
+          <a:bodyPr wrap="square">
+            <a:spAutoFit/>
+          </a:bodyPr>
+          <a:lstStyle/>
+          <a:p>
+            <a:r>
+              <a:rPr lang="en-US" altLang="ko-KR" sz="2000" b="1" i="1" dirty="0" err="1" smtClean="0">
+                <a:effectLst/>
+                <a:latin typeface="Consolas" panose="020B0609020204030204" pitchFamily="49" charset="0"/>
+              </a:rPr>
+              <a:t>Array.prototype.filter</a:t>
+            </a:r>
+            <a:r>
+              <a:rPr lang="en-US" altLang="ko-KR" sz="2000" b="1" i="1" dirty="0" smtClean="0">
+                <a:effectLst/>
+                <a:latin typeface="Consolas" panose="020B0609020204030204" pitchFamily="49" charset="0"/>
+              </a:rPr>
+              <a:t>()</a:t>
+            </a:r>
+            <a:endParaRPr lang="en-US" altLang="ko-KR" sz="2000" b="1" dirty="0" smtClean="0">
+              <a:effectLst/>
+              <a:latin typeface="Consolas" panose="020B0609020204030204" pitchFamily="49" charset="0"/>
+            </a:endParaRPr>
+          </a:p>
+          <a:p>
+            <a:r>
+              <a:rPr lang="en-US" altLang="ko-KR" sz="2000" b="1" i="1" dirty="0" smtClean="0">
+                <a:effectLst/>
+                <a:latin typeface="Consolas" panose="020B0609020204030204" pitchFamily="49" charset="0"/>
+              </a:rPr>
+              <a:t>1. Filter the list of inventors for those who were born in the 1500's</a:t>
+            </a:r>
+            <a:endParaRPr lang="en-US" altLang="ko-KR" sz="2000" b="1" dirty="0" smtClean="0">
+              <a:effectLst/>
+              <a:latin typeface="Consolas" panose="020B0609020204030204" pitchFamily="49" charset="0"/>
+            </a:endParaRPr>
+          </a:p>
+          <a:p>
+            <a:r>
+              <a:rPr lang="en-US" altLang="ko-KR" sz="2000" b="1" dirty="0" smtClean="0">
+                <a:effectLst/>
+                <a:latin typeface="Consolas" panose="020B0609020204030204" pitchFamily="49" charset="0"/>
+              </a:rPr>
+              <a:t>  (</a:t>
+            </a:r>
+            <a:r>
+              <a:rPr lang="ko-KR" altLang="en-US" sz="2000" b="1" dirty="0" smtClean="0">
+                <a:effectLst/>
+                <a:latin typeface="Consolas" panose="020B0609020204030204" pitchFamily="49" charset="0"/>
+              </a:rPr>
+              <a:t>태어난 년도가 </a:t>
+            </a:r>
+            <a:r>
+              <a:rPr lang="en-US" altLang="ko-KR" sz="2000" b="1" i="1" dirty="0" smtClean="0">
+                <a:effectLst/>
+                <a:latin typeface="Consolas" panose="020B0609020204030204" pitchFamily="49" charset="0"/>
+              </a:rPr>
+              <a:t>1500</a:t>
+            </a:r>
+            <a:r>
+              <a:rPr lang="ko-KR" altLang="en-US" sz="2000" b="1" i="1" dirty="0" smtClean="0">
+                <a:effectLst/>
+                <a:latin typeface="Consolas" panose="020B0609020204030204" pitchFamily="49" charset="0"/>
+              </a:rPr>
+              <a:t>년대 사람만 찾아서 출력하시오</a:t>
+            </a:r>
+            <a:r>
+              <a:rPr lang="en-US" altLang="ko-KR" sz="2000" b="1" i="1" dirty="0" smtClean="0">
+                <a:effectLst/>
+                <a:latin typeface="Consolas" panose="020B0609020204030204" pitchFamily="49" charset="0"/>
+              </a:rPr>
+              <a:t>.)</a:t>
+            </a:r>
+            <a:endParaRPr lang="ko-KR" altLang="en-US" sz="2000" b="1" dirty="0">
+              <a:effectLst/>
+              <a:latin typeface="Consolas" panose="020B0609020204030204" pitchFamily="49" charset="0"/>
+            </a:endParaRPr>
+          </a:p>
+        </p:txBody>
+      </p:sp>
+    </p:spTree>
+    <p:extLst>
+      <p:ext uri="{BB962C8B-B14F-4D97-AF65-F5344CB8AC3E}">
         <p14:creationId xmlns:p14="http://schemas.microsoft.com/office/powerpoint/2010/main" val="4234764647"/>
       </p:ext>
     </p:extLst>
@@ -7643,7 +9613,7 @@
 </p:sld>
 </file>
 
-<file path=ppt/slides/slide8.xml><?xml version="1.0" encoding="utf-8"?>
+<file path=ppt/slides/slide9.xml><?xml version="1.0" encoding="utf-8"?>
 <p:sld xmlns:a="http://schemas.openxmlformats.org/drawingml/2006/main" xmlns:r="http://schemas.openxmlformats.org/officeDocument/2006/relationships" xmlns:p="http://schemas.openxmlformats.org/presentationml/2006/main">
   <p:cSld>
     <p:spTree>
